--- a/public/tmp/BOOKING.pptx
+++ b/public/tmp/BOOKING.pptx
@@ -10,9 +10,6 @@
     <p:sldId id="258" r:id="rId5"/>
     <p:sldId id="259" r:id="rId6"/>
     <p:sldId id="260" r:id="rId7"/>
-    <p:sldId id="261" r:id="rId8"/>
-    <p:sldId id="262" r:id="rId9"/>
-    <p:sldId id="263" r:id="rId10"/>
   </p:sldIdLst>
   <p:sldSz cx="7560000" cy="10692000" type="A4"/>
   <p:notesSz cx="6858000" cy="9144000"/>
@@ -3040,7 +3037,7 @@
                           </a:solidFill>
                           <a:latin typeface="Roboto Condensed"/>
                         </a:rPr>
-                        <a:t><![CDATA[CLIENTE]]></a:t>
+                        <a:t><![CDATA[CLIENTE ]]></a:t>
                       </a:r>
                     </a:p>
                   </a:txBody>
@@ -3123,7 +3120,7 @@
                           </a:solidFill>
                           <a:latin typeface="Roboto Condensed"/>
                         </a:rPr>
-                        <a:t><![CDATA[HIMEJI SUSHI BAR]]></a:t>
+                        <a:t><![CDATA[UNIVERSIDADE CATÓLICA ]]></a:t>
                       </a:r>
                     </a:p>
                   </a:txBody>
@@ -3208,7 +3205,7 @@
                           </a:solidFill>
                           <a:latin typeface="Roboto Condensed"/>
                         </a:rPr>
-                        <a:t><![CDATA[CAMPANHA]]></a:t>
+                        <a:t><![CDATA[CAMPANHA ]]></a:t>
                       </a:r>
                     </a:p>
                   </a:txBody>
@@ -3291,7 +3288,7 @@
                           </a:solidFill>
                           <a:latin typeface="Roboto Condensed"/>
                         </a:rPr>
-                        <a:t><![CDATA[VAREJO AGOSTO 2017]]></a:t>
+                        <a:t><![CDATA[TEATRO ]]></a:t>
                       </a:r>
                     </a:p>
                   </a:txBody>
@@ -3376,7 +3373,7 @@
                           </a:solidFill>
                           <a:latin typeface="Roboto Condensed"/>
                         </a:rPr>
-                        <a:t><![CDATA[PRODUTO]]></a:t>
+                        <a:t><![CDATA[PRODUTO ]]></a:t>
                       </a:r>
                     </a:p>
                   </a:txBody>
@@ -3459,7 +3456,7 @@
                           </a:solidFill>
                           <a:latin typeface="Roboto Condensed"/>
                         </a:rPr>
-                        <a:t/>
+                        <a:t><![CDATA[ ]]></a:t>
                       </a:r>
                     </a:p>
                   </a:txBody>
@@ -3544,7 +3541,7 @@
                           </a:solidFill>
                           <a:latin typeface="Roboto Condensed"/>
                         </a:rPr>
-                        <a:t><![CDATA[PERIODO]]></a:t>
+                        <a:t><![CDATA[PERIODO ]]></a:t>
                       </a:r>
                     </a:p>
                   </a:txBody>
@@ -3627,7 +3624,7 @@
                           </a:solidFill>
                           <a:latin typeface="Roboto Condensed"/>
                         </a:rPr>
-                        <a:t><![CDATA[01/08/2017 A 11/05/2018]]></a:t>
+                        <a:t><![CDATA[01/03/2018 A 10/03/2018 ]]></a:t>
                       </a:r>
                     </a:p>
                   </a:txBody>
@@ -3712,7 +3709,7 @@
                           </a:solidFill>
                           <a:latin typeface="Roboto Condensed"/>
                         </a:rPr>
-                        <a:t><![CDATA[PI]]></a:t>
+                        <a:t><![CDATA[PI ]]></a:t>
                       </a:r>
                     </a:p>
                   </a:txBody>
@@ -3795,7 +3792,7 @@
                           </a:solidFill>
                           <a:latin typeface="Roboto Condensed"/>
                         </a:rPr>
-                        <a:t><![CDATA[577.848]]></a:t>
+                        <a:t><![CDATA[ ]]></a:t>
                       </a:r>
                     </a:p>
                   </a:txBody>
@@ -3880,7 +3877,7 @@
                           </a:solidFill>
                           <a:latin typeface="Roboto Condensed"/>
                         </a:rPr>
-                        <a:t><![CDATA[AGENCIA]]></a:t>
+                        <a:t><![CDATA[AGENCIA ]]></a:t>
                       </a:r>
                     </a:p>
                   </a:txBody>
@@ -3963,7 +3960,7 @@
                           </a:solidFill>
                           <a:latin typeface="Roboto Condensed"/>
                         </a:rPr>
-                        <a:t><![CDATA[LED Gama]]></a:t>
+                        <a:t><![CDATA[Binder ]]></a:t>
                       </a:r>
                     </a:p>
                   </a:txBody>
@@ -4082,7 +4079,7 @@
                 </a:solidFill>
                 <a:latin typeface="Roboto Condensed"/>
               </a:rPr>
-              <a:t><![CDATA[Rafael Rodrigo de Araújo de Souza _ CPF: 736.922.981-53 _ RG: 2.378.507 - SSP/DF]]></a:t>
+              <a:t><![CDATA[Rafael Rodrigo de Araújo de Souza _ CPF: 736.922.981-53 _ RG: 2.378.507 - SSP/DF ]]></a:t>
             </a:r>
           </a:p>
         </p:txBody>
@@ -4114,7 +4111,7 @@
                 </a:solidFill>
                 <a:latin typeface="Roboto Condensed"/>
               </a:rPr>
-              <a:t><![CDATA[1]]></a:t>
+              <a:t><![CDATA[1 ]]></a:t>
             </a:r>
             <a:br/>
           </a:p>
@@ -4185,7 +4182,7 @@
                           </a:solidFill>
                           <a:latin typeface="Roboto Condensed"/>
                         </a:rPr>
-                        <a:t><![CDATA[CLIENTE]]></a:t>
+                        <a:t><![CDATA[CLIENTE ]]></a:t>
                       </a:r>
                     </a:p>
                   </a:txBody>
@@ -4268,7 +4265,7 @@
                           </a:solidFill>
                           <a:latin typeface="Roboto Condensed"/>
                         </a:rPr>
-                        <a:t><![CDATA[Himeji Sushi Bar ]]></a:t>
+                        <a:t><![CDATA[Universidade Católica ]]></a:t>
                       </a:r>
                     </a:p>
                   </a:txBody>
@@ -4351,7 +4348,7 @@
                           </a:solidFill>
                           <a:latin typeface="Roboto Condensed"/>
                         </a:rPr>
-                        <a:t><![CDATA[CAMPANHA]]></a:t>
+                        <a:t><![CDATA[CAMPANHA ]]></a:t>
                       </a:r>
                     </a:p>
                   </a:txBody>
@@ -4434,7 +4431,7 @@
                           </a:solidFill>
                           <a:latin typeface="Roboto Condensed"/>
                         </a:rPr>
-                        <a:t><![CDATA[VAREJO AGOSTO 2017 ]]></a:t>
+                        <a:t><![CDATA[Teatro ]]></a:t>
                       </a:r>
                     </a:p>
                   </a:txBody>
@@ -4600,7 +4597,7 @@
                           </a:solidFill>
                           <a:latin typeface="Roboto Condensed"/>
                         </a:rPr>
-                        <a:t><![CDATA[01/08/2017]]></a:t>
+                        <a:t><![CDATA[01/03/2018]]></a:t>
                       </a:r>
                     </a:p>
                   </a:txBody>
@@ -4851,7 +4848,7 @@
                           </a:solidFill>
                           <a:latin typeface="Roboto Condensed"/>
                         </a:rPr>
-                        <a:t><![CDATA[PECAS]]></a:t>
+                        <a:t><![CDATA[PECAS ]]></a:t>
                       </a:r>
                     </a:p>
                   </a:txBody>
@@ -4934,7 +4931,7 @@
                           </a:solidFill>
                           <a:latin typeface="Roboto Condensed"/>
                         </a:rPr>
-                        <a:t><![CDATA[0 ]]></a:t>
+                        <a:t><![CDATA[1 ]]></a:t>
                       </a:r>
                     </a:p>
                   </a:txBody>
@@ -5100,7 +5097,7 @@
                           </a:solidFill>
                           <a:latin typeface="Roboto Condensed"/>
                         </a:rPr>
-                        <a:t><![CDATA[11/05/2018 ]]></a:t>
+                        <a:t><![CDATA[10/03/2018 ]]></a:t>
                       </a:r>
                     </a:p>
                   </a:txBody>
@@ -5233,7 +5230,7 @@
                 </a:solidFill>
                 <a:latin typeface="Roboto Condensed"/>
               </a:rPr>
-              <a:t><![CDATA[CANAL SUPERMERCADO]]></a:t>
+              <a:t><![CDATA[CANAL ACADEMIA]]></a:t>
             </a:r>
             <a:br/>
           </a:p>
@@ -5527,7 +5524,7 @@
                           </a:solidFill>
                           <a:latin typeface="Roboto Condensed"/>
                         </a:rPr>
-                        <a:t><![CDATA[Sem nome]]></a:t>
+                        <a:t><![CDATA[AABB ]]></a:t>
                       </a:r>
                     </a:p>
                   </a:txBody>
@@ -5610,7 +5607,258 @@
                           </a:solidFill>
                           <a:latin typeface="Roboto Condensed"/>
                         </a:rPr>
-                        <a:t><![CDATA[5 ]]></a:t>
+                        <a:t><![CDATA[3 ]]></a:t>
+                      </a:r>
+                    </a:p>
+                  </a:txBody>
+                  <a:tcPr>
+                    <a:lnL w="12700" cap="flat" cmpd="sng" algn="ctr">
+                      <a:solidFill>
+                        <a:srgbClr val="f4f1e8"/>
+                      </a:solidFill>
+                      <a:prstDash val="solid"/>
+                      <a:round/>
+                      <a:headEnd type="none" w="med" len="med"/>
+                      <a:tailEnd type="none" w="med" len="med"/>
+                    </a:lnL>
+                    <a:lnR w="12700" cap="flat" cmpd="sng" algn="ctr">
+                      <a:solidFill>
+                        <a:srgbClr val="f4f1e8"/>
+                      </a:solidFill>
+                      <a:prstDash val="solid"/>
+                      <a:round/>
+                      <a:headEnd type="none" w="med" len="med"/>
+                      <a:tailEnd type="none" w="med" len="med"/>
+                    </a:lnR>
+                    <a:lnT w="12700" cap="flat" cmpd="sng" algn="ctr">
+                      <a:solidFill>
+                        <a:srgbClr val="f4f1e8"/>
+                      </a:solidFill>
+                      <a:prstDash val="solid"/>
+                      <a:round/>
+                      <a:headEnd type="none" w="med" len="med"/>
+                      <a:tailEnd type="none" w="med" len="med"/>
+                    </a:lnT>
+                    <a:lnB w="12700" cap="flat" cmpd="sng" algn="ctr">
+                      <a:solidFill>
+                        <a:srgbClr val="f4f1e8"/>
+                      </a:solidFill>
+                      <a:prstDash val="solid"/>
+                      <a:round/>
+                      <a:headEnd type="none" w="med" len="med"/>
+                      <a:tailEnd type="none" w="med" len="med"/>
+                    </a:lnB>
+                    <a:lnTlToBr w="12700" cap="flat" cmpd="sng" algn="ctr">
+                      <a:noFill/>
+                      <a:prstDash val="solid"/>
+                      <a:round/>
+                      <a:headEnd type="none" w="med" len="med"/>
+                      <a:tailEnd type="none" w="med" len="med"/>
+                    </a:lnTlToBr>
+                    <a:lnBlToTr w="12700" cap="flat" cmpd="sng" algn="ctr">
+                      <a:noFill/>
+                      <a:prstDash val="solid"/>
+                      <a:round/>
+                      <a:headEnd type="none" w="med" len="med"/>
+                      <a:tailEnd type="none" w="med" len="med"/>
+                    </a:lnBlToTr>
+                    <a:gradFill>
+                      <a:gsLst>
+                        <a:gs pos="0">
+                          <a:srgbClr val="FFFFFF"/>
+                        </a:gs>
+                        <a:gs pos="100000">
+                          <a:srgbClr val="FFFFFF"/>
+                        </a:gs>
+                      </a:gsLst>
+                      <a:lin ang="0" scaled="0"/>
+                    </a:gradFill>
+                  </a:tcPr>
+                </a:tc>
+                <a:tc>
+                  <a:txBody>
+                    <a:bodyPr wrap="square" rtlCol="0">
+                      <a:spAutoFit/>
+                    </a:bodyPr>
+                    <a:lstStyle/>
+                    <a:p>
+                      <a:pPr algn="ctr" fontAlgn="base" marL="0" marR="0" indent="0" lvl="0"/>
+                      <a:r>
+                        <a:rPr b="true" i="false" strike="noStrike" sz="800" u="none">
+                          <a:solidFill>
+                            <a:srgbClr val="000000"/>
+                          </a:solidFill>
+                          <a:latin typeface="Roboto Condensed"/>
+                        </a:rPr>
+                        <a:t><![CDATA[3]]></a:t>
+                      </a:r>
+                    </a:p>
+                  </a:txBody>
+                  <a:tcPr>
+                    <a:lnL w="12700" cap="flat" cmpd="sng" algn="ctr">
+                      <a:solidFill>
+                        <a:srgbClr val="f4f1e8"/>
+                      </a:solidFill>
+                      <a:prstDash val="solid"/>
+                      <a:round/>
+                      <a:headEnd type="none" w="med" len="med"/>
+                      <a:tailEnd type="none" w="med" len="med"/>
+                    </a:lnL>
+                    <a:lnR w="12700" cap="flat" cmpd="sng" algn="ctr">
+                      <a:solidFill>
+                        <a:srgbClr val="f4f1e8"/>
+                      </a:solidFill>
+                      <a:prstDash val="solid"/>
+                      <a:round/>
+                      <a:headEnd type="none" w="med" len="med"/>
+                      <a:tailEnd type="none" w="med" len="med"/>
+                    </a:lnR>
+                    <a:lnT w="12700" cap="flat" cmpd="sng" algn="ctr">
+                      <a:solidFill>
+                        <a:srgbClr val="f4f1e8"/>
+                      </a:solidFill>
+                      <a:prstDash val="solid"/>
+                      <a:round/>
+                      <a:headEnd type="none" w="med" len="med"/>
+                      <a:tailEnd type="none" w="med" len="med"/>
+                    </a:lnT>
+                    <a:lnB w="12700" cap="flat" cmpd="sng" algn="ctr">
+                      <a:solidFill>
+                        <a:srgbClr val="f4f1e8"/>
+                      </a:solidFill>
+                      <a:prstDash val="solid"/>
+                      <a:round/>
+                      <a:headEnd type="none" w="med" len="med"/>
+                      <a:tailEnd type="none" w="med" len="med"/>
+                    </a:lnB>
+                    <a:lnTlToBr w="12700" cap="flat" cmpd="sng" algn="ctr">
+                      <a:noFill/>
+                      <a:prstDash val="solid"/>
+                      <a:round/>
+                      <a:headEnd type="none" w="med" len="med"/>
+                      <a:tailEnd type="none" w="med" len="med"/>
+                    </a:lnTlToBr>
+                    <a:lnBlToTr w="12700" cap="flat" cmpd="sng" algn="ctr">
+                      <a:noFill/>
+                      <a:prstDash val="solid"/>
+                      <a:round/>
+                      <a:headEnd type="none" w="med" len="med"/>
+                      <a:tailEnd type="none" w="med" len="med"/>
+                    </a:lnBlToTr>
+                    <a:gradFill>
+                      <a:gsLst>
+                        <a:gs pos="0">
+                          <a:srgbClr val="f4f1e8"/>
+                        </a:gs>
+                        <a:gs pos="100000">
+                          <a:srgbClr val="f4f1e8"/>
+                        </a:gs>
+                      </a:gsLst>
+                      <a:lin ang="0" scaled="0"/>
+                    </a:gradFill>
+                  </a:tcPr>
+                </a:tc>
+              </a:tr>
+              <a:tr h="142875">
+                <a:tc>
+                  <a:txBody>
+                    <a:bodyPr wrap="square" rtlCol="0">
+                      <a:spAutoFit/>
+                    </a:bodyPr>
+                    <a:lstStyle/>
+                    <a:p>
+                      <a:pPr algn="l" fontAlgn="base" marL="0" marR="0" indent="0" lvl="0"/>
+                      <a:r>
+                        <a:rPr b="false" i="false" strike="noStrike" sz="800" u="none">
+                          <a:solidFill>
+                            <a:srgbClr val="000000"/>
+                          </a:solidFill>
+                          <a:latin typeface="Roboto Condensed"/>
+                        </a:rPr>
+                        <a:t><![CDATA[Felicittà Shopping (Quê) ]]></a:t>
+                      </a:r>
+                    </a:p>
+                  </a:txBody>
+                  <a:tcPr>
+                    <a:lnL w="12700" cap="flat" cmpd="sng" algn="ctr">
+                      <a:solidFill>
+                        <a:srgbClr val="f4f1e8"/>
+                      </a:solidFill>
+                      <a:prstDash val="solid"/>
+                      <a:round/>
+                      <a:headEnd type="none" w="med" len="med"/>
+                      <a:tailEnd type="none" w="med" len="med"/>
+                    </a:lnL>
+                    <a:lnR w="12700" cap="flat" cmpd="sng" algn="ctr">
+                      <a:solidFill>
+                        <a:srgbClr val="f4f1e8"/>
+                      </a:solidFill>
+                      <a:prstDash val="solid"/>
+                      <a:round/>
+                      <a:headEnd type="none" w="med" len="med"/>
+                      <a:tailEnd type="none" w="med" len="med"/>
+                    </a:lnR>
+                    <a:lnT w="12700" cap="flat" cmpd="sng" algn="ctr">
+                      <a:solidFill>
+                        <a:srgbClr val="f4f1e8"/>
+                      </a:solidFill>
+                      <a:prstDash val="solid"/>
+                      <a:round/>
+                      <a:headEnd type="none" w="med" len="med"/>
+                      <a:tailEnd type="none" w="med" len="med"/>
+                    </a:lnT>
+                    <a:lnB w="12700" cap="flat" cmpd="sng" algn="ctr">
+                      <a:solidFill>
+                        <a:srgbClr val="f4f1e8"/>
+                      </a:solidFill>
+                      <a:prstDash val="solid"/>
+                      <a:round/>
+                      <a:headEnd type="none" w="med" len="med"/>
+                      <a:tailEnd type="none" w="med" len="med"/>
+                    </a:lnB>
+                    <a:lnTlToBr w="12700" cap="flat" cmpd="sng" algn="ctr">
+                      <a:noFill/>
+                      <a:prstDash val="solid"/>
+                      <a:round/>
+                      <a:headEnd type="none" w="med" len="med"/>
+                      <a:tailEnd type="none" w="med" len="med"/>
+                    </a:lnTlToBr>
+                    <a:lnBlToTr w="12700" cap="flat" cmpd="sng" algn="ctr">
+                      <a:noFill/>
+                      <a:prstDash val="solid"/>
+                      <a:round/>
+                      <a:headEnd type="none" w="med" len="med"/>
+                      <a:tailEnd type="none" w="med" len="med"/>
+                    </a:lnBlToTr>
+                    <a:gradFill>
+                      <a:gsLst>
+                        <a:gs pos="0">
+                          <a:srgbClr val="FFFFFF"/>
+                        </a:gs>
+                        <a:gs pos="100000">
+                          <a:srgbClr val="FFFFFF"/>
+                        </a:gs>
+                      </a:gsLst>
+                      <a:lin ang="0" scaled="0"/>
+                    </a:gradFill>
+                  </a:tcPr>
+                </a:tc>
+                <a:tc>
+                  <a:txBody>
+                    <a:bodyPr wrap="square" rtlCol="0">
+                      <a:spAutoFit/>
+                    </a:bodyPr>
+                    <a:lstStyle/>
+                    <a:p>
+                      <a:pPr algn="ctr" fontAlgn="base" marL="0" marR="0" indent="0" lvl="0"/>
+                      <a:r>
+                        <a:rPr b="false" i="false" strike="noStrike" sz="800" u="none">
+                          <a:solidFill>
+                            <a:srgbClr val="000000"/>
+                          </a:solidFill>
+                          <a:latin typeface="Roboto Condensed"/>
+                        </a:rPr>
+                        <a:t><![CDATA[2 ]]></a:t>
                       </a:r>
                     </a:p>
                   </a:txBody>
@@ -5826,7 +6074,7 @@
                 </a:solidFill>
                 <a:latin typeface="Roboto Condensed"/>
               </a:rPr>
-              <a:t><![CDATA[Rafael Rodrigo de AraÃºjo de Souza _ CPF: 736.922.981-53 _ RG: 2.378.507 - SSP/DF]]></a:t>
+              <a:t><![CDATA[Rafael Rodrigo de Araújo de Souza _ CPF: 736.922.981-53 _ RG: 2.378.507 - SSP/DF ]]></a:t>
             </a:r>
           </a:p>
         </p:txBody>
@@ -5858,21 +6106,799 @@
                 </a:solidFill>
                 <a:latin typeface="Roboto Condensed"/>
               </a:rPr>
-              <a:t><![CDATA[2]]></a:t>
+              <a:t><![CDATA[2 ]]></a:t>
             </a:r>
             <a:br/>
           </a:p>
         </p:txBody>
       </p:sp>
+      <p:graphicFrame>
+        <p:nvGraphicFramePr>
+          <p:cNvPr id="8" name="" descr=""/>
+          <p:cNvGraphicFramePr>
+            <a:graphicFrameLocks noGrp="1"/>
+          </p:cNvGraphicFramePr>
+          <p:nvPr/>
+        </p:nvGraphicFramePr>
+        <p:xfrm>
+          <a:off x="3810000" y="2238375"/>
+          <a:ext cx="6191250" cy="0"/>
+        </p:xfrm>
+        <a:graphic>
+          <a:graphicData uri="http://schemas.openxmlformats.org/drawingml/2006/table">
+            <a:tbl>
+              <a:tblPr firstRow="1" bandRow="1"/>
+              <a:tblGrid>
+                <a:gridCol w="1905000"/>
+                <a:gridCol w="571500"/>
+                <a:gridCol w="571500"/>
+              </a:tblGrid>
+              <a:tr h="142875">
+                <a:tc>
+                  <a:txBody>
+                    <a:bodyPr wrap="square" rtlCol="0">
+                      <a:spAutoFit/>
+                    </a:bodyPr>
+                    <a:lstStyle/>
+                    <a:p>
+                      <a:pPr algn="ctr" fontAlgn="base" marL="0" marR="0" indent="0" lvl="0"/>
+                      <a:r>
+                        <a:rPr b="true" i="false" strike="noStrike" sz="800" u="none">
+                          <a:solidFill>
+                            <a:srgbClr val="000000"/>
+                          </a:solidFill>
+                          <a:latin typeface="Roboto Condensed"/>
+                        </a:rPr>
+                        <a:t><![CDATA[AMBIENTE]]></a:t>
+                      </a:r>
+                    </a:p>
+                  </a:txBody>
+                  <a:tcPr>
+                    <a:lnL w="12700" cap="flat" cmpd="sng" algn="ctr">
+                      <a:solidFill>
+                        <a:srgbClr val="f4f1e8"/>
+                      </a:solidFill>
+                      <a:prstDash val="solid"/>
+                      <a:round/>
+                      <a:headEnd type="none" w="med" len="med"/>
+                      <a:tailEnd type="none" w="med" len="med"/>
+                    </a:lnL>
+                    <a:lnR w="12700" cap="flat" cmpd="sng" algn="ctr">
+                      <a:solidFill>
+                        <a:srgbClr val="f4f1e8"/>
+                      </a:solidFill>
+                      <a:prstDash val="solid"/>
+                      <a:round/>
+                      <a:headEnd type="none" w="med" len="med"/>
+                      <a:tailEnd type="none" w="med" len="med"/>
+                    </a:lnR>
+                    <a:lnT w="12700" cap="flat" cmpd="sng" algn="ctr">
+                      <a:solidFill>
+                        <a:srgbClr val="f4f1e8"/>
+                      </a:solidFill>
+                      <a:prstDash val="solid"/>
+                      <a:round/>
+                      <a:headEnd type="none" w="med" len="med"/>
+                      <a:tailEnd type="none" w="med" len="med"/>
+                    </a:lnT>
+                    <a:lnB w="12700" cap="flat" cmpd="sng" algn="ctr">
+                      <a:solidFill>
+                        <a:srgbClr val="f4f1e8"/>
+                      </a:solidFill>
+                      <a:prstDash val="solid"/>
+                      <a:round/>
+                      <a:headEnd type="none" w="med" len="med"/>
+                      <a:tailEnd type="none" w="med" len="med"/>
+                    </a:lnB>
+                    <a:lnTlToBr w="12700" cap="flat" cmpd="sng" algn="ctr">
+                      <a:noFill/>
+                      <a:prstDash val="solid"/>
+                      <a:round/>
+                      <a:headEnd type="none" w="med" len="med"/>
+                      <a:tailEnd type="none" w="med" len="med"/>
+                    </a:lnTlToBr>
+                    <a:lnBlToTr w="12700" cap="flat" cmpd="sng" algn="ctr">
+                      <a:noFill/>
+                      <a:prstDash val="solid"/>
+                      <a:round/>
+                      <a:headEnd type="none" w="med" len="med"/>
+                      <a:tailEnd type="none" w="med" len="med"/>
+                    </a:lnBlToTr>
+                    <a:gradFill>
+                      <a:gsLst>
+                        <a:gs pos="0">
+                          <a:srgbClr val="FFFFFF"/>
+                        </a:gs>
+                        <a:gs pos="100000">
+                          <a:srgbClr val="FFFFFF"/>
+                        </a:gs>
+                      </a:gsLst>
+                      <a:lin ang="0" scaled="0"/>
+                    </a:gradFill>
+                  </a:tcPr>
+                </a:tc>
+                <a:tc>
+                  <a:txBody>
+                    <a:bodyPr wrap="square" rtlCol="0">
+                      <a:spAutoFit/>
+                    </a:bodyPr>
+                    <a:lstStyle/>
+                    <a:p>
+                      <a:pPr algn="ctr" fontAlgn="base" marL="0" marR="0" indent="0" lvl="0"/>
+                      <a:r>
+                        <a:rPr b="true" i="false" strike="noStrike" sz="800" u="none">
+                          <a:solidFill>
+                            <a:srgbClr val="000000"/>
+                          </a:solidFill>
+                          <a:latin typeface="Roboto Condensed"/>
+                        </a:rPr>
+                        <a:t><![CDATA[TELAS]]></a:t>
+                      </a:r>
+                    </a:p>
+                  </a:txBody>
+                  <a:tcPr>
+                    <a:lnL w="12700" cap="flat" cmpd="sng" algn="ctr">
+                      <a:solidFill>
+                        <a:srgbClr val="f4f1e8"/>
+                      </a:solidFill>
+                      <a:prstDash val="solid"/>
+                      <a:round/>
+                      <a:headEnd type="none" w="med" len="med"/>
+                      <a:tailEnd type="none" w="med" len="med"/>
+                    </a:lnL>
+                    <a:lnR w="12700" cap="flat" cmpd="sng" algn="ctr">
+                      <a:solidFill>
+                        <a:srgbClr val="f4f1e8"/>
+                      </a:solidFill>
+                      <a:prstDash val="solid"/>
+                      <a:round/>
+                      <a:headEnd type="none" w="med" len="med"/>
+                      <a:tailEnd type="none" w="med" len="med"/>
+                    </a:lnR>
+                    <a:lnT w="12700" cap="flat" cmpd="sng" algn="ctr">
+                      <a:solidFill>
+                        <a:srgbClr val="f4f1e8"/>
+                      </a:solidFill>
+                      <a:prstDash val="solid"/>
+                      <a:round/>
+                      <a:headEnd type="none" w="med" len="med"/>
+                      <a:tailEnd type="none" w="med" len="med"/>
+                    </a:lnT>
+                    <a:lnB w="12700" cap="flat" cmpd="sng" algn="ctr">
+                      <a:solidFill>
+                        <a:srgbClr val="f4f1e8"/>
+                      </a:solidFill>
+                      <a:prstDash val="solid"/>
+                      <a:round/>
+                      <a:headEnd type="none" w="med" len="med"/>
+                      <a:tailEnd type="none" w="med" len="med"/>
+                    </a:lnB>
+                    <a:lnTlToBr w="12700" cap="flat" cmpd="sng" algn="ctr">
+                      <a:noFill/>
+                      <a:prstDash val="solid"/>
+                      <a:round/>
+                      <a:headEnd type="none" w="med" len="med"/>
+                      <a:tailEnd type="none" w="med" len="med"/>
+                    </a:lnTlToBr>
+                    <a:lnBlToTr w="12700" cap="flat" cmpd="sng" algn="ctr">
+                      <a:noFill/>
+                      <a:prstDash val="solid"/>
+                      <a:round/>
+                      <a:headEnd type="none" w="med" len="med"/>
+                      <a:tailEnd type="none" w="med" len="med"/>
+                    </a:lnBlToTr>
+                    <a:gradFill>
+                      <a:gsLst>
+                        <a:gs pos="0">
+                          <a:srgbClr val="FFFFFF"/>
+                        </a:gs>
+                        <a:gs pos="100000">
+                          <a:srgbClr val="FFFFFF"/>
+                        </a:gs>
+                      </a:gsLst>
+                      <a:lin ang="0" scaled="0"/>
+                    </a:gradFill>
+                  </a:tcPr>
+                </a:tc>
+                <a:tc>
+                  <a:txBody>
+                    <a:bodyPr wrap="square" rtlCol="0">
+                      <a:spAutoFit/>
+                    </a:bodyPr>
+                    <a:lstStyle/>
+                    <a:p>
+                      <a:pPr algn="ctr" fontAlgn="base" marL="0" marR="0" indent="0" lvl="0"/>
+                      <a:r>
+                        <a:rPr b="true" i="false" strike="noStrike" sz="800" u="none">
+                          <a:solidFill>
+                            <a:srgbClr val="000000"/>
+                          </a:solidFill>
+                          <a:latin typeface="Roboto Condensed"/>
+                        </a:rPr>
+                        <a:t><![CDATA[PÁGINA]]></a:t>
+                      </a:r>
+                    </a:p>
+                  </a:txBody>
+                  <a:tcPr>
+                    <a:lnL w="12700" cap="flat" cmpd="sng" algn="ctr">
+                      <a:solidFill>
+                        <a:srgbClr val="f4f1e8"/>
+                      </a:solidFill>
+                      <a:prstDash val="solid"/>
+                      <a:round/>
+                      <a:headEnd type="none" w="med" len="med"/>
+                      <a:tailEnd type="none" w="med" len="med"/>
+                    </a:lnL>
+                    <a:lnR w="12700" cap="flat" cmpd="sng" algn="ctr">
+                      <a:solidFill>
+                        <a:srgbClr val="f4f1e8"/>
+                      </a:solidFill>
+                      <a:prstDash val="solid"/>
+                      <a:round/>
+                      <a:headEnd type="none" w="med" len="med"/>
+                      <a:tailEnd type="none" w="med" len="med"/>
+                    </a:lnR>
+                    <a:lnT w="12700" cap="flat" cmpd="sng" algn="ctr">
+                      <a:solidFill>
+                        <a:srgbClr val="f4f1e8"/>
+                      </a:solidFill>
+                      <a:prstDash val="solid"/>
+                      <a:round/>
+                      <a:headEnd type="none" w="med" len="med"/>
+                      <a:tailEnd type="none" w="med" len="med"/>
+                    </a:lnT>
+                    <a:lnB w="12700" cap="flat" cmpd="sng" algn="ctr">
+                      <a:solidFill>
+                        <a:srgbClr val="f4f1e8"/>
+                      </a:solidFill>
+                      <a:prstDash val="solid"/>
+                      <a:round/>
+                      <a:headEnd type="none" w="med" len="med"/>
+                      <a:tailEnd type="none" w="med" len="med"/>
+                    </a:lnB>
+                    <a:lnTlToBr w="12700" cap="flat" cmpd="sng" algn="ctr">
+                      <a:noFill/>
+                      <a:prstDash val="solid"/>
+                      <a:round/>
+                      <a:headEnd type="none" w="med" len="med"/>
+                      <a:tailEnd type="none" w="med" len="med"/>
+                    </a:lnTlToBr>
+                    <a:lnBlToTr w="12700" cap="flat" cmpd="sng" algn="ctr">
+                      <a:noFill/>
+                      <a:prstDash val="solid"/>
+                      <a:round/>
+                      <a:headEnd type="none" w="med" len="med"/>
+                      <a:tailEnd type="none" w="med" len="med"/>
+                    </a:lnBlToTr>
+                    <a:gradFill>
+                      <a:gsLst>
+                        <a:gs pos="0">
+                          <a:srgbClr val="f4f1e8"/>
+                        </a:gs>
+                        <a:gs pos="100000">
+                          <a:srgbClr val="f4f1e8"/>
+                        </a:gs>
+                      </a:gsLst>
+                      <a:lin ang="0" scaled="0"/>
+                    </a:gradFill>
+                  </a:tcPr>
+                </a:tc>
+              </a:tr>
+              <a:tr h="142875">
+                <a:tc>
+                  <a:txBody>
+                    <a:bodyPr wrap="square" rtlCol="0">
+                      <a:spAutoFit/>
+                    </a:bodyPr>
+                    <a:lstStyle/>
+                    <a:p>
+                      <a:pPr algn="l" fontAlgn="base" marL="0" marR="0" indent="0" lvl="0"/>
+                      <a:r>
+                        <a:rPr b="false" i="false" strike="noStrike" sz="800" u="none">
+                          <a:solidFill>
+                            <a:srgbClr val="000000"/>
+                          </a:solidFill>
+                          <a:latin typeface="Roboto Condensed"/>
+                        </a:rPr>
+                        <a:t><![CDATA[ASBAC ]]></a:t>
+                      </a:r>
+                    </a:p>
+                  </a:txBody>
+                  <a:tcPr>
+                    <a:lnL w="12700" cap="flat" cmpd="sng" algn="ctr">
+                      <a:solidFill>
+                        <a:srgbClr val="f4f1e8"/>
+                      </a:solidFill>
+                      <a:prstDash val="solid"/>
+                      <a:round/>
+                      <a:headEnd type="none" w="med" len="med"/>
+                      <a:tailEnd type="none" w="med" len="med"/>
+                    </a:lnL>
+                    <a:lnR w="12700" cap="flat" cmpd="sng" algn="ctr">
+                      <a:solidFill>
+                        <a:srgbClr val="f4f1e8"/>
+                      </a:solidFill>
+                      <a:prstDash val="solid"/>
+                      <a:round/>
+                      <a:headEnd type="none" w="med" len="med"/>
+                      <a:tailEnd type="none" w="med" len="med"/>
+                    </a:lnR>
+                    <a:lnT w="12700" cap="flat" cmpd="sng" algn="ctr">
+                      <a:solidFill>
+                        <a:srgbClr val="f4f1e8"/>
+                      </a:solidFill>
+                      <a:prstDash val="solid"/>
+                      <a:round/>
+                      <a:headEnd type="none" w="med" len="med"/>
+                      <a:tailEnd type="none" w="med" len="med"/>
+                    </a:lnT>
+                    <a:lnB w="12700" cap="flat" cmpd="sng" algn="ctr">
+                      <a:solidFill>
+                        <a:srgbClr val="f4f1e8"/>
+                      </a:solidFill>
+                      <a:prstDash val="solid"/>
+                      <a:round/>
+                      <a:headEnd type="none" w="med" len="med"/>
+                      <a:tailEnd type="none" w="med" len="med"/>
+                    </a:lnB>
+                    <a:lnTlToBr w="12700" cap="flat" cmpd="sng" algn="ctr">
+                      <a:noFill/>
+                      <a:prstDash val="solid"/>
+                      <a:round/>
+                      <a:headEnd type="none" w="med" len="med"/>
+                      <a:tailEnd type="none" w="med" len="med"/>
+                    </a:lnTlToBr>
+                    <a:lnBlToTr w="12700" cap="flat" cmpd="sng" algn="ctr">
+                      <a:noFill/>
+                      <a:prstDash val="solid"/>
+                      <a:round/>
+                      <a:headEnd type="none" w="med" len="med"/>
+                      <a:tailEnd type="none" w="med" len="med"/>
+                    </a:lnBlToTr>
+                    <a:gradFill>
+                      <a:gsLst>
+                        <a:gs pos="0">
+                          <a:srgbClr val="FFFFFF"/>
+                        </a:gs>
+                        <a:gs pos="100000">
+                          <a:srgbClr val="FFFFFF"/>
+                        </a:gs>
+                      </a:gsLst>
+                      <a:lin ang="0" scaled="0"/>
+                    </a:gradFill>
+                  </a:tcPr>
+                </a:tc>
+                <a:tc>
+                  <a:txBody>
+                    <a:bodyPr wrap="square" rtlCol="0">
+                      <a:spAutoFit/>
+                    </a:bodyPr>
+                    <a:lstStyle/>
+                    <a:p>
+                      <a:pPr algn="ctr" fontAlgn="base" marL="0" marR="0" indent="0" lvl="0"/>
+                      <a:r>
+                        <a:rPr b="false" i="false" strike="noStrike" sz="800" u="none">
+                          <a:solidFill>
+                            <a:srgbClr val="000000"/>
+                          </a:solidFill>
+                          <a:latin typeface="Roboto Condensed"/>
+                        </a:rPr>
+                        <a:t><![CDATA[4 ]]></a:t>
+                      </a:r>
+                    </a:p>
+                  </a:txBody>
+                  <a:tcPr>
+                    <a:lnL w="12700" cap="flat" cmpd="sng" algn="ctr">
+                      <a:solidFill>
+                        <a:srgbClr val="f4f1e8"/>
+                      </a:solidFill>
+                      <a:prstDash val="solid"/>
+                      <a:round/>
+                      <a:headEnd type="none" w="med" len="med"/>
+                      <a:tailEnd type="none" w="med" len="med"/>
+                    </a:lnL>
+                    <a:lnR w="12700" cap="flat" cmpd="sng" algn="ctr">
+                      <a:solidFill>
+                        <a:srgbClr val="f4f1e8"/>
+                      </a:solidFill>
+                      <a:prstDash val="solid"/>
+                      <a:round/>
+                      <a:headEnd type="none" w="med" len="med"/>
+                      <a:tailEnd type="none" w="med" len="med"/>
+                    </a:lnR>
+                    <a:lnT w="12700" cap="flat" cmpd="sng" algn="ctr">
+                      <a:solidFill>
+                        <a:srgbClr val="f4f1e8"/>
+                      </a:solidFill>
+                      <a:prstDash val="solid"/>
+                      <a:round/>
+                      <a:headEnd type="none" w="med" len="med"/>
+                      <a:tailEnd type="none" w="med" len="med"/>
+                    </a:lnT>
+                    <a:lnB w="12700" cap="flat" cmpd="sng" algn="ctr">
+                      <a:solidFill>
+                        <a:srgbClr val="f4f1e8"/>
+                      </a:solidFill>
+                      <a:prstDash val="solid"/>
+                      <a:round/>
+                      <a:headEnd type="none" w="med" len="med"/>
+                      <a:tailEnd type="none" w="med" len="med"/>
+                    </a:lnB>
+                    <a:lnTlToBr w="12700" cap="flat" cmpd="sng" algn="ctr">
+                      <a:noFill/>
+                      <a:prstDash val="solid"/>
+                      <a:round/>
+                      <a:headEnd type="none" w="med" len="med"/>
+                      <a:tailEnd type="none" w="med" len="med"/>
+                    </a:lnTlToBr>
+                    <a:lnBlToTr w="12700" cap="flat" cmpd="sng" algn="ctr">
+                      <a:noFill/>
+                      <a:prstDash val="solid"/>
+                      <a:round/>
+                      <a:headEnd type="none" w="med" len="med"/>
+                      <a:tailEnd type="none" w="med" len="med"/>
+                    </a:lnBlToTr>
+                    <a:gradFill>
+                      <a:gsLst>
+                        <a:gs pos="0">
+                          <a:srgbClr val="FFFFFF"/>
+                        </a:gs>
+                        <a:gs pos="100000">
+                          <a:srgbClr val="FFFFFF"/>
+                        </a:gs>
+                      </a:gsLst>
+                      <a:lin ang="0" scaled="0"/>
+                    </a:gradFill>
+                  </a:tcPr>
+                </a:tc>
+                <a:tc>
+                  <a:txBody>
+                    <a:bodyPr wrap="square" rtlCol="0">
+                      <a:spAutoFit/>
+                    </a:bodyPr>
+                    <a:lstStyle/>
+                    <a:p>
+                      <a:pPr algn="ctr" fontAlgn="base" marL="0" marR="0" indent="0" lvl="0"/>
+                      <a:r>
+                        <a:rPr b="true" i="false" strike="noStrike" sz="800" u="none">
+                          <a:solidFill>
+                            <a:srgbClr val="000000"/>
+                          </a:solidFill>
+                          <a:latin typeface="Roboto Condensed"/>
+                        </a:rPr>
+                        <a:t><![CDATA[3]]></a:t>
+                      </a:r>
+                    </a:p>
+                  </a:txBody>
+                  <a:tcPr>
+                    <a:lnL w="12700" cap="flat" cmpd="sng" algn="ctr">
+                      <a:solidFill>
+                        <a:srgbClr val="f4f1e8"/>
+                      </a:solidFill>
+                      <a:prstDash val="solid"/>
+                      <a:round/>
+                      <a:headEnd type="none" w="med" len="med"/>
+                      <a:tailEnd type="none" w="med" len="med"/>
+                    </a:lnL>
+                    <a:lnR w="12700" cap="flat" cmpd="sng" algn="ctr">
+                      <a:solidFill>
+                        <a:srgbClr val="f4f1e8"/>
+                      </a:solidFill>
+                      <a:prstDash val="solid"/>
+                      <a:round/>
+                      <a:headEnd type="none" w="med" len="med"/>
+                      <a:tailEnd type="none" w="med" len="med"/>
+                    </a:lnR>
+                    <a:lnT w="12700" cap="flat" cmpd="sng" algn="ctr">
+                      <a:solidFill>
+                        <a:srgbClr val="f4f1e8"/>
+                      </a:solidFill>
+                      <a:prstDash val="solid"/>
+                      <a:round/>
+                      <a:headEnd type="none" w="med" len="med"/>
+                      <a:tailEnd type="none" w="med" len="med"/>
+                    </a:lnT>
+                    <a:lnB w="12700" cap="flat" cmpd="sng" algn="ctr">
+                      <a:solidFill>
+                        <a:srgbClr val="f4f1e8"/>
+                      </a:solidFill>
+                      <a:prstDash val="solid"/>
+                      <a:round/>
+                      <a:headEnd type="none" w="med" len="med"/>
+                      <a:tailEnd type="none" w="med" len="med"/>
+                    </a:lnB>
+                    <a:lnTlToBr w="12700" cap="flat" cmpd="sng" algn="ctr">
+                      <a:noFill/>
+                      <a:prstDash val="solid"/>
+                      <a:round/>
+                      <a:headEnd type="none" w="med" len="med"/>
+                      <a:tailEnd type="none" w="med" len="med"/>
+                    </a:lnTlToBr>
+                    <a:lnBlToTr w="12700" cap="flat" cmpd="sng" algn="ctr">
+                      <a:noFill/>
+                      <a:prstDash val="solid"/>
+                      <a:round/>
+                      <a:headEnd type="none" w="med" len="med"/>
+                      <a:tailEnd type="none" w="med" len="med"/>
+                    </a:lnBlToTr>
+                    <a:gradFill>
+                      <a:gsLst>
+                        <a:gs pos="0">
+                          <a:srgbClr val="f4f1e8"/>
+                        </a:gs>
+                        <a:gs pos="100000">
+                          <a:srgbClr val="f4f1e8"/>
+                        </a:gs>
+                      </a:gsLst>
+                      <a:lin ang="0" scaled="0"/>
+                    </a:gradFill>
+                  </a:tcPr>
+                </a:tc>
+              </a:tr>
+              <a:tr h="142875">
+                <a:tc>
+                  <a:txBody>
+                    <a:bodyPr wrap="square" rtlCol="0">
+                      <a:spAutoFit/>
+                    </a:bodyPr>
+                    <a:lstStyle/>
+                    <a:p>
+                      <a:pPr algn="l" fontAlgn="base" marL="0" marR="0" indent="0" lvl="0"/>
+                      <a:r>
+                        <a:rPr b="false" i="false" strike="noStrike" sz="800" u="none">
+                          <a:solidFill>
+                            <a:srgbClr val="000000"/>
+                          </a:solidFill>
+                          <a:latin typeface="Roboto Condensed"/>
+                        </a:rPr>
+                        <a:t><![CDATA[  ]]></a:t>
+                      </a:r>
+                    </a:p>
+                  </a:txBody>
+                  <a:tcPr>
+                    <a:lnL w="12700" cap="flat" cmpd="sng" algn="ctr">
+                      <a:solidFill>
+                        <a:srgbClr val="f4f1e8"/>
+                      </a:solidFill>
+                      <a:prstDash val="solid"/>
+                      <a:round/>
+                      <a:headEnd type="none" w="med" len="med"/>
+                      <a:tailEnd type="none" w="med" len="med"/>
+                    </a:lnL>
+                    <a:lnR w="12700" cap="flat" cmpd="sng" algn="ctr">
+                      <a:solidFill>
+                        <a:srgbClr val="f4f1e8"/>
+                      </a:solidFill>
+                      <a:prstDash val="solid"/>
+                      <a:round/>
+                      <a:headEnd type="none" w="med" len="med"/>
+                      <a:tailEnd type="none" w="med" len="med"/>
+                    </a:lnR>
+                    <a:lnT w="12700" cap="flat" cmpd="sng" algn="ctr">
+                      <a:solidFill>
+                        <a:srgbClr val="f4f1e8"/>
+                      </a:solidFill>
+                      <a:prstDash val="solid"/>
+                      <a:round/>
+                      <a:headEnd type="none" w="med" len="med"/>
+                      <a:tailEnd type="none" w="med" len="med"/>
+                    </a:lnT>
+                    <a:lnB w="12700" cap="flat" cmpd="sng" algn="ctr">
+                      <a:solidFill>
+                        <a:srgbClr val="f4f1e8"/>
+                      </a:solidFill>
+                      <a:prstDash val="solid"/>
+                      <a:round/>
+                      <a:headEnd type="none" w="med" len="med"/>
+                      <a:tailEnd type="none" w="med" len="med"/>
+                    </a:lnB>
+                    <a:lnTlToBr w="12700" cap="flat" cmpd="sng" algn="ctr">
+                      <a:noFill/>
+                      <a:prstDash val="solid"/>
+                      <a:round/>
+                      <a:headEnd type="none" w="med" len="med"/>
+                      <a:tailEnd type="none" w="med" len="med"/>
+                    </a:lnTlToBr>
+                    <a:lnBlToTr w="12700" cap="flat" cmpd="sng" algn="ctr">
+                      <a:noFill/>
+                      <a:prstDash val="solid"/>
+                      <a:round/>
+                      <a:headEnd type="none" w="med" len="med"/>
+                      <a:tailEnd type="none" w="med" len="med"/>
+                    </a:lnBlToTr>
+                    <a:gradFill>
+                      <a:gsLst>
+                        <a:gs pos="0">
+                          <a:srgbClr val="FFFFFF"/>
+                        </a:gs>
+                        <a:gs pos="100000">
+                          <a:srgbClr val="FFFFFF"/>
+                        </a:gs>
+                      </a:gsLst>
+                      <a:lin ang="0" scaled="0"/>
+                    </a:gradFill>
+                  </a:tcPr>
+                </a:tc>
+                <a:tc>
+                  <a:txBody>
+                    <a:bodyPr wrap="square" rtlCol="0">
+                      <a:spAutoFit/>
+                    </a:bodyPr>
+                    <a:lstStyle/>
+                    <a:p>
+                      <a:pPr algn="ctr" fontAlgn="base" marL="0" marR="0" indent="0" lvl="0"/>
+                      <a:r>
+                        <a:rPr b="false" i="false" strike="noStrike" sz="800" u="none">
+                          <a:solidFill>
+                            <a:srgbClr val="000000"/>
+                          </a:solidFill>
+                          <a:latin typeface="Roboto Condensed"/>
+                        </a:rPr>
+                        <a:t><![CDATA[ ]]></a:t>
+                      </a:r>
+                    </a:p>
+                  </a:txBody>
+                  <a:tcPr>
+                    <a:lnL w="12700" cap="flat" cmpd="sng" algn="ctr">
+                      <a:solidFill>
+                        <a:srgbClr val="f4f1e8"/>
+                      </a:solidFill>
+                      <a:prstDash val="solid"/>
+                      <a:round/>
+                      <a:headEnd type="none" w="med" len="med"/>
+                      <a:tailEnd type="none" w="med" len="med"/>
+                    </a:lnL>
+                    <a:lnR w="12700" cap="flat" cmpd="sng" algn="ctr">
+                      <a:solidFill>
+                        <a:srgbClr val="f4f1e8"/>
+                      </a:solidFill>
+                      <a:prstDash val="solid"/>
+                      <a:round/>
+                      <a:headEnd type="none" w="med" len="med"/>
+                      <a:tailEnd type="none" w="med" len="med"/>
+                    </a:lnR>
+                    <a:lnT w="12700" cap="flat" cmpd="sng" algn="ctr">
+                      <a:solidFill>
+                        <a:srgbClr val="f4f1e8"/>
+                      </a:solidFill>
+                      <a:prstDash val="solid"/>
+                      <a:round/>
+                      <a:headEnd type="none" w="med" len="med"/>
+                      <a:tailEnd type="none" w="med" len="med"/>
+                    </a:lnT>
+                    <a:lnB w="12700" cap="flat" cmpd="sng" algn="ctr">
+                      <a:solidFill>
+                        <a:srgbClr val="f4f1e8"/>
+                      </a:solidFill>
+                      <a:prstDash val="solid"/>
+                      <a:round/>
+                      <a:headEnd type="none" w="med" len="med"/>
+                      <a:tailEnd type="none" w="med" len="med"/>
+                    </a:lnB>
+                    <a:lnTlToBr w="12700" cap="flat" cmpd="sng" algn="ctr">
+                      <a:noFill/>
+                      <a:prstDash val="solid"/>
+                      <a:round/>
+                      <a:headEnd type="none" w="med" len="med"/>
+                      <a:tailEnd type="none" w="med" len="med"/>
+                    </a:lnTlToBr>
+                    <a:lnBlToTr w="12700" cap="flat" cmpd="sng" algn="ctr">
+                      <a:noFill/>
+                      <a:prstDash val="solid"/>
+                      <a:round/>
+                      <a:headEnd type="none" w="med" len="med"/>
+                      <a:tailEnd type="none" w="med" len="med"/>
+                    </a:lnBlToTr>
+                    <a:gradFill>
+                      <a:gsLst>
+                        <a:gs pos="0">
+                          <a:srgbClr val="FFFFFF"/>
+                        </a:gs>
+                        <a:gs pos="100000">
+                          <a:srgbClr val="FFFFFF"/>
+                        </a:gs>
+                      </a:gsLst>
+                      <a:lin ang="0" scaled="0"/>
+                    </a:gradFill>
+                  </a:tcPr>
+                </a:tc>
+                <a:tc>
+                  <a:txBody>
+                    <a:bodyPr wrap="square" rtlCol="0">
+                      <a:spAutoFit/>
+                    </a:bodyPr>
+                    <a:lstStyle/>
+                    <a:p>
+                      <a:pPr algn="ctr" fontAlgn="base" marL="0" marR="0" indent="0" lvl="0"/>
+                      <a:r>
+                        <a:rPr b="true" i="false" strike="noStrike" sz="800" u="none">
+                          <a:solidFill>
+                            <a:srgbClr val="000000"/>
+                          </a:solidFill>
+                          <a:latin typeface="Roboto Condensed"/>
+                        </a:rPr>
+                        <a:t><![CDATA[0]]></a:t>
+                      </a:r>
+                    </a:p>
+                  </a:txBody>
+                  <a:tcPr>
+                    <a:lnL w="12700" cap="flat" cmpd="sng" algn="ctr">
+                      <a:solidFill>
+                        <a:srgbClr val="f4f1e8"/>
+                      </a:solidFill>
+                      <a:prstDash val="solid"/>
+                      <a:round/>
+                      <a:headEnd type="none" w="med" len="med"/>
+                      <a:tailEnd type="none" w="med" len="med"/>
+                    </a:lnL>
+                    <a:lnR w="12700" cap="flat" cmpd="sng" algn="ctr">
+                      <a:solidFill>
+                        <a:srgbClr val="f4f1e8"/>
+                      </a:solidFill>
+                      <a:prstDash val="solid"/>
+                      <a:round/>
+                      <a:headEnd type="none" w="med" len="med"/>
+                      <a:tailEnd type="none" w="med" len="med"/>
+                    </a:lnR>
+                    <a:lnT w="12700" cap="flat" cmpd="sng" algn="ctr">
+                      <a:solidFill>
+                        <a:srgbClr val="f4f1e8"/>
+                      </a:solidFill>
+                      <a:prstDash val="solid"/>
+                      <a:round/>
+                      <a:headEnd type="none" w="med" len="med"/>
+                      <a:tailEnd type="none" w="med" len="med"/>
+                    </a:lnT>
+                    <a:lnB w="12700" cap="flat" cmpd="sng" algn="ctr">
+                      <a:solidFill>
+                        <a:srgbClr val="f4f1e8"/>
+                      </a:solidFill>
+                      <a:prstDash val="solid"/>
+                      <a:round/>
+                      <a:headEnd type="none" w="med" len="med"/>
+                      <a:tailEnd type="none" w="med" len="med"/>
+                    </a:lnB>
+                    <a:lnTlToBr w="12700" cap="flat" cmpd="sng" algn="ctr">
+                      <a:noFill/>
+                      <a:prstDash val="solid"/>
+                      <a:round/>
+                      <a:headEnd type="none" w="med" len="med"/>
+                      <a:tailEnd type="none" w="med" len="med"/>
+                    </a:lnTlToBr>
+                    <a:lnBlToTr w="12700" cap="flat" cmpd="sng" algn="ctr">
+                      <a:noFill/>
+                      <a:prstDash val="solid"/>
+                      <a:round/>
+                      <a:headEnd type="none" w="med" len="med"/>
+                      <a:tailEnd type="none" w="med" len="med"/>
+                    </a:lnBlToTr>
+                    <a:gradFill>
+                      <a:gsLst>
+                        <a:gs pos="0">
+                          <a:srgbClr val="f4f1e8"/>
+                        </a:gs>
+                        <a:gs pos="100000">
+                          <a:srgbClr val="f4f1e8"/>
+                        </a:gs>
+                      </a:gsLst>
+                      <a:lin ang="0" scaled="0"/>
+                    </a:gradFill>
+                  </a:tcPr>
+                </a:tc>
+              </a:tr>
+            </a:tbl>
+          </a:graphicData>
+        </a:graphic>
+      </p:graphicFrame>
       <p:sp>
         <p:nvSpPr>
-          <p:cNvPr id="8" name=""/>
+          <p:cNvPr id="9" name=""/>
           <p:cNvSpPr txBox="1"/>
           <p:nvPr/>
         </p:nvSpPr>
         <p:spPr>
           <a:xfrm rot="0">
-            <a:off x="619125" y="2809875"/>
+            <a:off x="619125" y="3048000"/>
             <a:ext cx="6667500" cy="381000"/>
           </a:xfrm>
           <a:prstGeom prst="rect"/>
@@ -5979,7 +7005,7 @@
                           </a:solidFill>
                           <a:latin typeface="Roboto Condensed"/>
                         </a:rPr>
-                        <a:t><![CDATA[CLIENTE]]></a:t>
+                        <a:t><![CDATA[CLIENTE ]]></a:t>
                       </a:r>
                     </a:p>
                   </a:txBody>
@@ -6062,7 +7088,7 @@
                           </a:solidFill>
                           <a:latin typeface="Roboto Condensed"/>
                         </a:rPr>
-                        <a:t><![CDATA[Himeji Sushi Bar ]]></a:t>
+                        <a:t><![CDATA[Universidade Católica ]]></a:t>
                       </a:r>
                     </a:p>
                   </a:txBody>
@@ -6145,7 +7171,7 @@
                           </a:solidFill>
                           <a:latin typeface="Roboto Condensed"/>
                         </a:rPr>
-                        <a:t><![CDATA[CAMPANHA]]></a:t>
+                        <a:t><![CDATA[CAMPANHA ]]></a:t>
                       </a:r>
                     </a:p>
                   </a:txBody>
@@ -6228,7 +7254,7 @@
                           </a:solidFill>
                           <a:latin typeface="Roboto Condensed"/>
                         </a:rPr>
-                        <a:t><![CDATA[VAREJO AGOSTO 2017 ]]></a:t>
+                        <a:t><![CDATA[Teatro ]]></a:t>
                       </a:r>
                     </a:p>
                   </a:txBody>
@@ -6394,7 +7420,7 @@
                           </a:solidFill>
                           <a:latin typeface="Roboto Condensed"/>
                         </a:rPr>
-                        <a:t><![CDATA[01/08/2017]]></a:t>
+                        <a:t><![CDATA[01/03/2018]]></a:t>
                       </a:r>
                     </a:p>
                   </a:txBody>
@@ -6645,7 +7671,7 @@
                           </a:solidFill>
                           <a:latin typeface="Roboto Condensed"/>
                         </a:rPr>
-                        <a:t><![CDATA[PECAS]]></a:t>
+                        <a:t><![CDATA[PECAS ]]></a:t>
                       </a:r>
                     </a:p>
                   </a:txBody>
@@ -6728,7 +7754,7 @@
                           </a:solidFill>
                           <a:latin typeface="Roboto Condensed"/>
                         </a:rPr>
-                        <a:t><![CDATA[0 ]]></a:t>
+                        <a:t><![CDATA[1 ]]></a:t>
                       </a:r>
                     </a:p>
                   </a:txBody>
@@ -6894,7 +7920,7 @@
                           </a:solidFill>
                           <a:latin typeface="Roboto Condensed"/>
                         </a:rPr>
-                        <a:t><![CDATA[11/05/2018 ]]></a:t>
+                        <a:t><![CDATA[10/03/2018 ]]></a:t>
                       </a:r>
                     </a:p>
                   </a:txBody>
@@ -7003,7 +8029,7 @@
                 </a:solidFill>
                 <a:latin typeface="Roboto Condensed"/>
               </a:rPr>
-              <a:t><![CDATA[VAREJO AGOSTO 2017]]></a:t>
+              <a:t><![CDATA[Teatro ]]></a:t>
             </a:r>
             <a:br/>
             <a:r>
@@ -7078,7 +8104,7 @@
                 </a:solidFill>
                 <a:latin typeface="Roboto Condensed"/>
               </a:rPr>
-              <a:t><![CDATA[Rafael Rodrigo de AraÃºjo de Souza _ CPF: 736.922.981-53 _ RG: 2.378.507 - SSP/DF]]></a:t>
+              <a:t><![CDATA[Rafael Rodrigo de Araújo de Souza _ CPF: 736.922.981-53 _ RG: 2.378.507 - SSP/DF ]]></a:t>
             </a:r>
           </a:p>
         </p:txBody>
@@ -7110,7 +8136,7 @@
                 </a:solidFill>
                 <a:latin typeface="Roboto Condensed"/>
               </a:rPr>
-              <a:t><![CDATA[3]]></a:t>
+              <a:t><![CDATA[3 ]]></a:t>
             </a:r>
             <a:br/>
           </a:p>
@@ -7181,7 +8207,7 @@
                           </a:solidFill>
                           <a:latin typeface="Roboto Condensed"/>
                         </a:rPr>
-                        <a:t><![CDATA[CLIENTE]]></a:t>
+                        <a:t><![CDATA[CLIENTE ]]></a:t>
                       </a:r>
                     </a:p>
                   </a:txBody>
@@ -7264,7 +8290,7 @@
                           </a:solidFill>
                           <a:latin typeface="Roboto Condensed"/>
                         </a:rPr>
-                        <a:t><![CDATA[Himeji Sushi Bar ]]></a:t>
+                        <a:t><![CDATA[Universidade Católica ]]></a:t>
                       </a:r>
                     </a:p>
                   </a:txBody>
@@ -7347,7 +8373,7 @@
                           </a:solidFill>
                           <a:latin typeface="Roboto Condensed"/>
                         </a:rPr>
-                        <a:t><![CDATA[CAMPANHA]]></a:t>
+                        <a:t><![CDATA[CAMPANHA ]]></a:t>
                       </a:r>
                     </a:p>
                   </a:txBody>
@@ -7430,7 +8456,7 @@
                           </a:solidFill>
                           <a:latin typeface="Roboto Condensed"/>
                         </a:rPr>
-                        <a:t><![CDATA[VAREJO AGOSTO 2017 ]]></a:t>
+                        <a:t><![CDATA[Teatro ]]></a:t>
                       </a:r>
                     </a:p>
                   </a:txBody>
@@ -7596,7 +8622,7 @@
                           </a:solidFill>
                           <a:latin typeface="Roboto Condensed"/>
                         </a:rPr>
-                        <a:t><![CDATA[01/08/2017]]></a:t>
+                        <a:t><![CDATA[01/03/2018]]></a:t>
                       </a:r>
                     </a:p>
                   </a:txBody>
@@ -7847,7 +8873,7 @@
                           </a:solidFill>
                           <a:latin typeface="Roboto Condensed"/>
                         </a:rPr>
-                        <a:t><![CDATA[PECAS]]></a:t>
+                        <a:t><![CDATA[PECAS ]]></a:t>
                       </a:r>
                     </a:p>
                   </a:txBody>
@@ -7930,7 +8956,7 @@
                           </a:solidFill>
                           <a:latin typeface="Roboto Condensed"/>
                         </a:rPr>
-                        <a:t><![CDATA[0 ]]></a:t>
+                        <a:t><![CDATA[1 ]]></a:t>
                       </a:r>
                     </a:p>
                   </a:txBody>
@@ -8096,7 +9122,7 @@
                           </a:solidFill>
                           <a:latin typeface="Roboto Condensed"/>
                         </a:rPr>
-                        <a:t><![CDATA[11/05/2018 ]]></a:t>
+                        <a:t><![CDATA[10/03/2018 ]]></a:t>
                       </a:r>
                     </a:p>
                   </a:txBody>
@@ -8204,7 +9230,7 @@
                           </a:solidFill>
                           <a:latin typeface="Roboto Condensed"/>
                         </a:rPr>
-                        <a:t><![CDATA[Sem nome (1)]]></a:t>
+                        <a:t><![CDATA[AABB (1)]]></a:t>
                       </a:r>
                     </a:p>
                   </a:txBody>
@@ -8370,7 +9396,7 @@
         <p:spPr>
           <a:xfrm rot="0">
             <a:off x="647700" y="1714500"/>
-            <a:ext cx="2933700" cy="2200275"/>
+            <a:ext cx="2933700" cy="1647825"/>
           </a:xfrm>
           <a:prstGeom prst="rect">
             <a:avLst/>
@@ -8412,7 +9438,7 @@
                           </a:solidFill>
                           <a:latin typeface="Roboto Condensed"/>
                         </a:rPr>
-                        <a:t><![CDATA[Sem nome (2)]]></a:t>
+                        <a:t><![CDATA[AABB (2)]]></a:t>
                       </a:r>
                     </a:p>
                   </a:txBody>
@@ -8578,7 +9604,7 @@
         <p:spPr>
           <a:xfrm rot="0">
             <a:off x="3857625" y="1714500"/>
-            <a:ext cx="2933700" cy="2200275"/>
+            <a:ext cx="2933700" cy="1647825"/>
           </a:xfrm>
           <a:prstGeom prst="rect">
             <a:avLst/>
@@ -8620,7 +9646,7 @@
                           </a:solidFill>
                           <a:latin typeface="Roboto Condensed"/>
                         </a:rPr>
-                        <a:t><![CDATA[Sem nome (3)]]></a:t>
+                        <a:t><![CDATA[AABB (3)]]></a:t>
                       </a:r>
                     </a:p>
                   </a:txBody>
@@ -8786,7 +9812,7 @@
         <p:spPr>
           <a:xfrm rot="0">
             <a:off x="647700" y="4572000"/>
-            <a:ext cx="2933700" cy="2200275"/>
+            <a:ext cx="2933700" cy="1647825"/>
           </a:xfrm>
           <a:prstGeom prst="rect">
             <a:avLst/>
@@ -8828,7 +9854,7 @@
                           </a:solidFill>
                           <a:latin typeface="Roboto Condensed"/>
                         </a:rPr>
-                        <a:t><![CDATA[Sem nome (4)]]></a:t>
+                        <a:t><![CDATA[AABB (4)]]></a:t>
                       </a:r>
                     </a:p>
                   </a:txBody>
@@ -8994,7 +10020,7 @@
         <p:spPr>
           <a:xfrm rot="0">
             <a:off x="3857625" y="4572000"/>
-            <a:ext cx="2933700" cy="2200275"/>
+            <a:ext cx="2933700" cy="1647825"/>
           </a:xfrm>
           <a:prstGeom prst="rect">
             <a:avLst/>
@@ -9036,7 +10062,7 @@
                           </a:solidFill>
                           <a:latin typeface="Roboto Condensed"/>
                         </a:rPr>
-                        <a:t><![CDATA[Sem nome (5)]]></a:t>
+                        <a:t><![CDATA[Felicittà Shopping (Quê) (1)]]></a:t>
                       </a:r>
                     </a:p>
                   </a:txBody>
@@ -9202,7 +10228,7 @@
         <p:spPr>
           <a:xfrm rot="0">
             <a:off x="647700" y="7429500"/>
-            <a:ext cx="2933700" cy="2200275"/>
+            <a:ext cx="2933700" cy="1647825"/>
           </a:xfrm>
           <a:prstGeom prst="rect">
             <a:avLst/>
@@ -9244,7 +10270,7 @@
                           </a:solidFill>
                           <a:latin typeface="Roboto Condensed"/>
                         </a:rPr>
-                        <a:t><![CDATA[Sem nome (6)]]></a:t>
+                        <a:t><![CDATA[ASBAC (1)]]></a:t>
                       </a:r>
                     </a:p>
                   </a:txBody>
@@ -9410,7 +10436,7 @@
         <p:spPr>
           <a:xfrm rot="0">
             <a:off x="3857625" y="7429500"/>
-            <a:ext cx="2933700" cy="2200275"/>
+            <a:ext cx="2933700" cy="1647825"/>
           </a:xfrm>
           <a:prstGeom prst="rect">
             <a:avLst/>
@@ -9477,7 +10503,7 @@
                 </a:solidFill>
                 <a:latin typeface="Roboto Condensed"/>
               </a:rPr>
-              <a:t><![CDATA[Rafael Rodrigo de AraÃºjo de Souza _ CPF: 736.922.981-53 _ RG: 2.378.507 - SSP/DF]]></a:t>
+              <a:t><![CDATA[Rafael Rodrigo de Araújo de Souza _ CPF: 736.922.981-53 _ RG: 2.378.507 - SSP/DF ]]></a:t>
             </a:r>
           </a:p>
         </p:txBody>
@@ -9509,7 +10535,7 @@
                 </a:solidFill>
                 <a:latin typeface="Roboto Condensed"/>
               </a:rPr>
-              <a:t><![CDATA[4]]></a:t>
+              <a:t><![CDATA[4 ]]></a:t>
             </a:r>
             <a:br/>
           </a:p>
@@ -9580,7 +10606,7 @@
                           </a:solidFill>
                           <a:latin typeface="Roboto Condensed"/>
                         </a:rPr>
-                        <a:t><![CDATA[CLIENTE]]></a:t>
+                        <a:t><![CDATA[CLIENTE ]]></a:t>
                       </a:r>
                     </a:p>
                   </a:txBody>
@@ -9663,7 +10689,7 @@
                           </a:solidFill>
                           <a:latin typeface="Roboto Condensed"/>
                         </a:rPr>
-                        <a:t><![CDATA[Himeji Sushi Bar ]]></a:t>
+                        <a:t><![CDATA[Universidade Católica ]]></a:t>
                       </a:r>
                     </a:p>
                   </a:txBody>
@@ -9746,7 +10772,7 @@
                           </a:solidFill>
                           <a:latin typeface="Roboto Condensed"/>
                         </a:rPr>
-                        <a:t><![CDATA[CAMPANHA]]></a:t>
+                        <a:t><![CDATA[CAMPANHA ]]></a:t>
                       </a:r>
                     </a:p>
                   </a:txBody>
@@ -9829,7 +10855,7 @@
                           </a:solidFill>
                           <a:latin typeface="Roboto Condensed"/>
                         </a:rPr>
-                        <a:t><![CDATA[VAREJO AGOSTO 2017 ]]></a:t>
+                        <a:t><![CDATA[Teatro ]]></a:t>
                       </a:r>
                     </a:p>
                   </a:txBody>
@@ -9995,7 +11021,7 @@
                           </a:solidFill>
                           <a:latin typeface="Roboto Condensed"/>
                         </a:rPr>
-                        <a:t><![CDATA[01/08/2017]]></a:t>
+                        <a:t><![CDATA[01/03/2018]]></a:t>
                       </a:r>
                     </a:p>
                   </a:txBody>
@@ -10246,7 +11272,7 @@
                           </a:solidFill>
                           <a:latin typeface="Roboto Condensed"/>
                         </a:rPr>
-                        <a:t><![CDATA[PECAS]]></a:t>
+                        <a:t><![CDATA[PECAS ]]></a:t>
                       </a:r>
                     </a:p>
                   </a:txBody>
@@ -10329,7 +11355,7 @@
                           </a:solidFill>
                           <a:latin typeface="Roboto Condensed"/>
                         </a:rPr>
-                        <a:t><![CDATA[0 ]]></a:t>
+                        <a:t><![CDATA[1 ]]></a:t>
                       </a:r>
                     </a:p>
                   </a:txBody>
@@ -10495,7 +11521,7 @@
                           </a:solidFill>
                           <a:latin typeface="Roboto Condensed"/>
                         </a:rPr>
-                        <a:t><![CDATA[11/05/2018 ]]></a:t>
+                        <a:t><![CDATA[10/03/2018 ]]></a:t>
                       </a:r>
                     </a:p>
                   </a:txBody>
@@ -10603,7 +11629,7 @@
                           </a:solidFill>
                           <a:latin typeface="Roboto Condensed"/>
                         </a:rPr>
-                        <a:t><![CDATA[Sem nome (7)]]></a:t>
+                        <a:t><![CDATA[ASBAC (2)]]></a:t>
                       </a:r>
                     </a:p>
                   </a:txBody>
@@ -10769,7 +11795,7 @@
         <p:spPr>
           <a:xfrm rot="0">
             <a:off x="647700" y="1714500"/>
-            <a:ext cx="2933700" cy="2200275"/>
+            <a:ext cx="2933700" cy="1647825"/>
           </a:xfrm>
           <a:prstGeom prst="rect">
             <a:avLst/>
@@ -10811,7 +11837,7 @@
                           </a:solidFill>
                           <a:latin typeface="Roboto Condensed"/>
                         </a:rPr>
-                        <a:t><![CDATA[Sem nome (8)]]></a:t>
+                        <a:t><![CDATA[ASBAC (3)]]></a:t>
                       </a:r>
                     </a:p>
                   </a:txBody>
@@ -10977,7 +12003,7 @@
         <p:spPr>
           <a:xfrm rot="0">
             <a:off x="3857625" y="1714500"/>
-            <a:ext cx="2933700" cy="2200275"/>
+            <a:ext cx="2933700" cy="1647825"/>
           </a:xfrm>
           <a:prstGeom prst="rect">
             <a:avLst/>
@@ -11019,7 +12045,7 @@
                           </a:solidFill>
                           <a:latin typeface="Roboto Condensed"/>
                         </a:rPr>
-                        <a:t><![CDATA[Sem nome (9)]]></a:t>
+                        <a:t><![CDATA[ASBAC (4)]]></a:t>
                       </a:r>
                     </a:p>
                   </a:txBody>
@@ -11185,7 +12211,7 @@
         <p:spPr>
           <a:xfrm rot="0">
             <a:off x="647700" y="4572000"/>
-            <a:ext cx="2933700" cy="2200275"/>
+            <a:ext cx="2933700" cy="1647825"/>
           </a:xfrm>
           <a:prstGeom prst="rect">
             <a:avLst/>
@@ -11227,7 +12253,7 @@
                           </a:solidFill>
                           <a:latin typeface="Roboto Condensed"/>
                         </a:rPr>
-                        <a:t><![CDATA[Sem nome (10)]]></a:t>
+                        <a:t><![CDATA[ASBAC (5)]]></a:t>
                       </a:r>
                     </a:p>
                   </a:txBody>
@@ -11393,7 +12419,7 @@
         <p:spPr>
           <a:xfrm rot="0">
             <a:off x="3857625" y="4572000"/>
-            <a:ext cx="2933700" cy="2200275"/>
+            <a:ext cx="2933700" cy="1647825"/>
           </a:xfrm>
           <a:prstGeom prst="rect">
             <a:avLst/>
@@ -11435,7 +12461,7 @@
                           </a:solidFill>
                           <a:latin typeface="Roboto Condensed"/>
                         </a:rPr>
-                        <a:t><![CDATA[Sem nome (11)]]></a:t>
+                        <a:t><![CDATA[ASBAC (6)]]></a:t>
                       </a:r>
                     </a:p>
                   </a:txBody>
@@ -11601,215 +12627,7 @@
         <p:spPr>
           <a:xfrm rot="0">
             <a:off x="647700" y="7429500"/>
-            <a:ext cx="2933700" cy="2200275"/>
-          </a:xfrm>
-          <a:prstGeom prst="rect">
-            <a:avLst/>
-          </a:prstGeom>
-        </p:spPr>
-      </p:pic>
-      <p:graphicFrame>
-        <p:nvGraphicFramePr>
-          <p:cNvPr id="12" name="" descr=""/>
-          <p:cNvGraphicFramePr>
-            <a:graphicFrameLocks noGrp="1"/>
-          </p:cNvGraphicFramePr>
-          <p:nvPr/>
-        </p:nvGraphicFramePr>
-        <p:xfrm>
-          <a:off x="3810000" y="6953250"/>
-          <a:ext cx="3028950" cy="0"/>
-        </p:xfrm>
-        <a:graphic>
-          <a:graphicData uri="http://schemas.openxmlformats.org/drawingml/2006/table">
-            <a:tbl>
-              <a:tblPr firstRow="1" bandRow="1"/>
-              <a:tblGrid>
-                <a:gridCol w="3028950"/>
-              </a:tblGrid>
-              <a:tr h="361950">
-                <a:tc>
-                  <a:txBody>
-                    <a:bodyPr wrap="square" rtlCol="0">
-                      <a:spAutoFit/>
-                    </a:bodyPr>
-                    <a:lstStyle/>
-                    <a:p>
-                      <a:pPr algn="ctr" fontAlgn="ctr" marL="0" marR="0" indent="0" lvl="0"/>
-                      <a:r>
-                        <a:rPr b="true" i="false" strike="noStrike" sz="1100" u="none">
-                          <a:solidFill>
-                            <a:srgbClr val="000000"/>
-                          </a:solidFill>
-                          <a:latin typeface="Roboto Condensed"/>
-                        </a:rPr>
-                        <a:t><![CDATA[Sem nome (12)]]></a:t>
-                      </a:r>
-                    </a:p>
-                  </a:txBody>
-                  <a:tcPr anchor="ctr">
-                    <a:lnL w="12700" cap="flat" cmpd="sng" algn="ctr">
-                      <a:solidFill>
-                        <a:srgbClr val="F3F3F3"/>
-                      </a:solidFill>
-                      <a:prstDash val="solid"/>
-                      <a:round/>
-                      <a:headEnd type="none" w="med" len="med"/>
-                      <a:tailEnd type="none" w="med" len="med"/>
-                    </a:lnL>
-                    <a:lnR w="12700" cap="flat" cmpd="sng" algn="ctr">
-                      <a:solidFill>
-                        <a:srgbClr val="F3F3F3"/>
-                      </a:solidFill>
-                      <a:prstDash val="solid"/>
-                      <a:round/>
-                      <a:headEnd type="none" w="med" len="med"/>
-                      <a:tailEnd type="none" w="med" len="med"/>
-                    </a:lnR>
-                    <a:lnT w="12700" cap="flat" cmpd="sng" algn="ctr">
-                      <a:solidFill>
-                        <a:srgbClr val="F3F3F3"/>
-                      </a:solidFill>
-                      <a:prstDash val="solid"/>
-                      <a:round/>
-                      <a:headEnd type="none" w="med" len="med"/>
-                      <a:tailEnd type="none" w="med" len="med"/>
-                    </a:lnT>
-                    <a:lnB w="12700" cap="flat" cmpd="sng" algn="ctr">
-                      <a:solidFill>
-                        <a:srgbClr val="F3F3F3"/>
-                      </a:solidFill>
-                      <a:prstDash val="solid"/>
-                      <a:round/>
-                      <a:headEnd type="none" w="med" len="med"/>
-                      <a:tailEnd type="none" w="med" len="med"/>
-                    </a:lnB>
-                    <a:lnTlToBr w="12700" cap="flat" cmpd="sng" algn="ctr">
-                      <a:noFill/>
-                      <a:prstDash val="solid"/>
-                      <a:round/>
-                      <a:headEnd type="none" w="med" len="med"/>
-                      <a:tailEnd type="none" w="med" len="med"/>
-                    </a:lnTlToBr>
-                    <a:lnBlToTr w="12700" cap="flat" cmpd="sng" algn="ctr">
-                      <a:noFill/>
-                      <a:prstDash val="solid"/>
-                      <a:round/>
-                      <a:headEnd type="none" w="med" len="med"/>
-                      <a:tailEnd type="none" w="med" len="med"/>
-                    </a:lnBlToTr>
-                    <a:gradFill>
-                      <a:gsLst>
-                        <a:gs pos="0">
-                          <a:srgbClr val="F3F3F3"/>
-                        </a:gs>
-                        <a:gs pos="100000">
-                          <a:srgbClr val="F3F3F3"/>
-                        </a:gs>
-                      </a:gsLst>
-                      <a:lin ang="0" scaled="0"/>
-                    </a:gradFill>
-                  </a:tcPr>
-                </a:tc>
-              </a:tr>
-              <a:tr h="1857375">
-                <a:tc>
-                  <a:txBody>
-                    <a:bodyPr wrap="square" rtlCol="0">
-                      <a:spAutoFit/>
-                    </a:bodyPr>
-                    <a:lstStyle/>
-                    <a:p>
-                      <a:pPr algn="l" fontAlgn="base" marL="0" marR="0" indent="0" lvl="0"/>
-                    </a:p>
-                  </a:txBody>
-                  <a:tcPr>
-                    <a:lnL w="12700" cap="flat" cmpd="sng" algn="ctr">
-                      <a:solidFill>
-                        <a:srgbClr val="F3F3F3"/>
-                      </a:solidFill>
-                      <a:prstDash val="solid"/>
-                      <a:round/>
-                      <a:headEnd type="none" w="med" len="med"/>
-                      <a:tailEnd type="none" w="med" len="med"/>
-                    </a:lnL>
-                    <a:lnR w="12700" cap="flat" cmpd="sng" algn="ctr">
-                      <a:solidFill>
-                        <a:srgbClr val="F3F3F3"/>
-                      </a:solidFill>
-                      <a:prstDash val="solid"/>
-                      <a:round/>
-                      <a:headEnd type="none" w="med" len="med"/>
-                      <a:tailEnd type="none" w="med" len="med"/>
-                    </a:lnR>
-                    <a:lnT w="12700" cap="flat" cmpd="sng" algn="ctr">
-                      <a:solidFill>
-                        <a:srgbClr val="F3F3F3"/>
-                      </a:solidFill>
-                      <a:prstDash val="solid"/>
-                      <a:round/>
-                      <a:headEnd type="none" w="med" len="med"/>
-                      <a:tailEnd type="none" w="med" len="med"/>
-                    </a:lnT>
-                    <a:lnB w="12700" cap="flat" cmpd="sng" algn="ctr">
-                      <a:solidFill>
-                        <a:srgbClr val="F3F3F3"/>
-                      </a:solidFill>
-                      <a:prstDash val="solid"/>
-                      <a:round/>
-                      <a:headEnd type="none" w="med" len="med"/>
-                      <a:tailEnd type="none" w="med" len="med"/>
-                    </a:lnB>
-                    <a:lnTlToBr w="12700" cap="flat" cmpd="sng" algn="ctr">
-                      <a:noFill/>
-                      <a:prstDash val="solid"/>
-                      <a:round/>
-                      <a:headEnd type="none" w="med" len="med"/>
-                      <a:tailEnd type="none" w="med" len="med"/>
-                    </a:lnTlToBr>
-                    <a:lnBlToTr w="12700" cap="flat" cmpd="sng" algn="ctr">
-                      <a:noFill/>
-                      <a:prstDash val="solid"/>
-                      <a:round/>
-                      <a:headEnd type="none" w="med" len="med"/>
-                      <a:tailEnd type="none" w="med" len="med"/>
-                    </a:lnBlToTr>
-                    <a:gradFill>
-                      <a:gsLst>
-                        <a:gs pos="0">
-                          <a:srgbClr val="FFFFFF"/>
-                        </a:gs>
-                        <a:gs pos="100000">
-                          <a:srgbClr val="FFFFFF"/>
-                        </a:gs>
-                      </a:gsLst>
-                      <a:lin ang="0" scaled="0"/>
-                    </a:gradFill>
-                  </a:tcPr>
-                </a:tc>
-              </a:tr>
-            </a:tbl>
-          </a:graphicData>
-        </a:graphic>
-      </p:graphicFrame>
-      <p:pic>
-        <p:nvPicPr>
-          <p:cNvPr id="13" name="" descr=""/>
-          <p:cNvPicPr>
-            <a:picLocks noChangeAspect="1"/>
-          </p:cNvPicPr>
-          <p:nvPr/>
-        </p:nvPicPr>
-        <p:blipFill>
-          <a:blip r:embed="rId7"/>
-          <a:stretch>
-            <a:fillRect/>
-          </a:stretch>
-        </p:blipFill>
-        <p:spPr>
-          <a:xfrm rot="0">
-            <a:off x="3857625" y="7429500"/>
-            <a:ext cx="2933700" cy="2200275"/>
+            <a:ext cx="2933700" cy="1647825"/>
           </a:xfrm>
           <a:prstGeom prst="rect">
             <a:avLst/>
@@ -11818,14 +12636,14 @@
       </p:pic>
       <p:pic>
         <p:nvPicPr>
-          <p:cNvPr id="14" name="" descr=""/>
+          <p:cNvPr id="12" name="" descr=""/>
           <p:cNvPicPr>
             <a:picLocks noChangeAspect="1"/>
           </p:cNvPicPr>
           <p:nvPr/>
         </p:nvPicPr>
         <p:blipFill>
-          <a:blip r:embed="rId8"/>
+          <a:blip r:embed="rId7"/>
           <a:stretch>
             <a:fillRect/>
           </a:stretch>
@@ -11842,7 +12660,7 @@
       </p:pic>
       <p:sp>
         <p:nvSpPr>
-          <p:cNvPr id="15" name=""/>
+          <p:cNvPr id="13" name=""/>
           <p:cNvSpPr txBox="1"/>
           <p:nvPr/>
         </p:nvSpPr>
@@ -11876,14 +12694,14 @@
                 </a:solidFill>
                 <a:latin typeface="Roboto Condensed"/>
               </a:rPr>
-              <a:t><![CDATA[Rafael Rodrigo de AraÃºjo de Souza _ CPF: 736.922.981-53 _ RG: 2.378.507 - SSP/DF]]></a:t>
+              <a:t><![CDATA[Rafael Rodrigo de Araújo de Souza _ CPF: 736.922.981-53 _ RG: 2.378.507 - SSP/DF ]]></a:t>
             </a:r>
           </a:p>
         </p:txBody>
       </p:sp>
       <p:sp>
         <p:nvSpPr>
-          <p:cNvPr id="16" name=""/>
+          <p:cNvPr id="14" name=""/>
           <p:cNvSpPr txBox="1"/>
           <p:nvPr/>
         </p:nvSpPr>
@@ -11908,6372 +12726,7 @@
                 </a:solidFill>
                 <a:latin typeface="Roboto Condensed"/>
               </a:rPr>
-              <a:t><![CDATA[5]]></a:t>
-            </a:r>
-            <a:br/>
-          </a:p>
-        </p:txBody>
-      </p:sp>
-    </p:spTree>
-  </p:cSld>
-  <p:clrMapOvr>
-    <a:masterClrMapping/>
-  </p:clrMapOvr>
-</p:sld>
-</file>
-
-<file path=ppt/slides/slide6.xml><?xml version="1.0" encoding="utf-8"?>
-<p:sld xmlns:a="http://schemas.openxmlformats.org/drawingml/2006/main" xmlns:r="http://schemas.openxmlformats.org/officeDocument/2006/relationships" xmlns:p="http://schemas.openxmlformats.org/presentationml/2006/main">
-  <p:cSld>
-    <p:spTree>
-      <p:nvGrpSpPr>
-        <p:cNvPr id="1" name=""/>
-        <p:cNvGrpSpPr/>
-        <p:nvPr/>
-      </p:nvGrpSpPr>
-      <p:grpSpPr>
-        <a:xfrm>
-          <a:off x="0" y="0"/>
-          <a:ext cx="0" cy="0"/>
-          <a:chOff x="0" y="0"/>
-          <a:chExt cx="0" cy="0"/>
-        </a:xfrm>
-      </p:grpSpPr>
-      <p:graphicFrame>
-        <p:nvGraphicFramePr>
-          <p:cNvPr id="1" name="" descr=""/>
-          <p:cNvGraphicFramePr>
-            <a:graphicFrameLocks noGrp="1"/>
-          </p:cNvGraphicFramePr>
-          <p:nvPr/>
-        </p:nvGraphicFramePr>
-        <p:xfrm>
-          <a:off x="619125" y="381000"/>
-          <a:ext cx="8953500" cy="0"/>
-        </p:xfrm>
-        <a:graphic>
-          <a:graphicData uri="http://schemas.openxmlformats.org/drawingml/2006/table">
-            <a:tbl>
-              <a:tblPr firstRow="1" bandRow="1"/>
-              <a:tblGrid>
-                <a:gridCol w="666750"/>
-                <a:gridCol w="1428750"/>
-                <a:gridCol w="762000"/>
-                <a:gridCol w="1905000"/>
-                <a:gridCol w="571500"/>
-                <a:gridCol w="857250"/>
-              </a:tblGrid>
-              <a:tr h="142875">
-                <a:tc>
-                  <a:txBody>
-                    <a:bodyPr wrap="square" rtlCol="0">
-                      <a:spAutoFit/>
-                    </a:bodyPr>
-                    <a:lstStyle/>
-                    <a:p>
-                      <a:pPr algn="l" fontAlgn="ctr" marL="0" marR="0" indent="0" lvl="0"/>
-                      <a:r>
-                        <a:rPr b="true" i="false" strike="noStrike" sz="900" u="none">
-                          <a:solidFill>
-                            <a:srgbClr val="FFFFFF"/>
-                          </a:solidFill>
-                          <a:latin typeface="Roboto Condensed"/>
-                        </a:rPr>
-                        <a:t><![CDATA[CLIENTE]]></a:t>
-                      </a:r>
-                    </a:p>
-                  </a:txBody>
-                  <a:tcPr anchor="ctr">
-                    <a:lnL w="12700" cap="flat" cmpd="sng" algn="ctr">
-                      <a:solidFill>
-                        <a:srgbClr val="000000"/>
-                      </a:solidFill>
-                      <a:prstDash val="solid"/>
-                      <a:round/>
-                      <a:headEnd type="none" w="med" len="med"/>
-                      <a:tailEnd type="none" w="med" len="med"/>
-                    </a:lnL>
-                    <a:lnR w="12700" cap="flat" cmpd="sng" algn="ctr">
-                      <a:solidFill>
-                        <a:srgbClr val="000000"/>
-                      </a:solidFill>
-                      <a:prstDash val="solid"/>
-                      <a:round/>
-                      <a:headEnd type="none" w="med" len="med"/>
-                      <a:tailEnd type="none" w="med" len="med"/>
-                    </a:lnR>
-                    <a:lnT w="12700" cap="flat" cmpd="sng" algn="ctr">
-                      <a:solidFill>
-                        <a:srgbClr val="000000"/>
-                      </a:solidFill>
-                      <a:prstDash val="solid"/>
-                      <a:round/>
-                      <a:headEnd type="none" w="med" len="med"/>
-                      <a:tailEnd type="none" w="med" len="med"/>
-                    </a:lnT>
-                    <a:lnB w="12700" cap="flat" cmpd="sng" algn="ctr">
-                      <a:solidFill>
-                        <a:srgbClr val="000000"/>
-                      </a:solidFill>
-                      <a:prstDash val="solid"/>
-                      <a:round/>
-                      <a:headEnd type="none" w="med" len="med"/>
-                      <a:tailEnd type="none" w="med" len="med"/>
-                    </a:lnB>
-                    <a:lnTlToBr w="12700" cap="flat" cmpd="sng" algn="ctr">
-                      <a:noFill/>
-                      <a:prstDash val="solid"/>
-                      <a:round/>
-                      <a:headEnd type="none" w="med" len="med"/>
-                      <a:tailEnd type="none" w="med" len="med"/>
-                    </a:lnTlToBr>
-                    <a:lnBlToTr w="12700" cap="flat" cmpd="sng" algn="ctr">
-                      <a:noFill/>
-                      <a:prstDash val="solid"/>
-                      <a:round/>
-                      <a:headEnd type="none" w="med" len="med"/>
-                      <a:tailEnd type="none" w="med" len="med"/>
-                    </a:lnBlToTr>
-                    <a:gradFill>
-                      <a:gsLst>
-                        <a:gs pos="0">
-                          <a:srgbClr val="674ea7"/>
-                        </a:gs>
-                        <a:gs pos="100000">
-                          <a:srgbClr val="674ea7"/>
-                        </a:gs>
-                      </a:gsLst>
-                      <a:lin ang="0" scaled="0"/>
-                    </a:gradFill>
-                  </a:tcPr>
-                </a:tc>
-                <a:tc>
-                  <a:txBody>
-                    <a:bodyPr wrap="square" rtlCol="0">
-                      <a:spAutoFit/>
-                    </a:bodyPr>
-                    <a:lstStyle/>
-                    <a:p>
-                      <a:pPr algn="l" fontAlgn="ctr" marL="0" marR="0" indent="0" lvl="0"/>
-                      <a:r>
-                        <a:rPr b="false" i="false" strike="noStrike" sz="900" u="none">
-                          <a:solidFill>
-                            <a:srgbClr val="000000"/>
-                          </a:solidFill>
-                          <a:latin typeface="Roboto Condensed"/>
-                        </a:rPr>
-                        <a:t><![CDATA[Himeji Sushi Bar ]]></a:t>
-                      </a:r>
-                    </a:p>
-                  </a:txBody>
-                  <a:tcPr anchor="ctr">
-                    <a:lnL w="12700" cap="flat" cmpd="sng" algn="ctr">
-                      <a:solidFill>
-                        <a:srgbClr val="000000"/>
-                      </a:solidFill>
-                      <a:prstDash val="solid"/>
-                      <a:round/>
-                      <a:headEnd type="none" w="med" len="med"/>
-                      <a:tailEnd type="none" w="med" len="med"/>
-                    </a:lnL>
-                    <a:lnR w="12700" cap="flat" cmpd="sng" algn="ctr">
-                      <a:solidFill>
-                        <a:srgbClr val="000000"/>
-                      </a:solidFill>
-                      <a:prstDash val="solid"/>
-                      <a:round/>
-                      <a:headEnd type="none" w="med" len="med"/>
-                      <a:tailEnd type="none" w="med" len="med"/>
-                    </a:lnR>
-                    <a:lnT w="12700" cap="flat" cmpd="sng" algn="ctr">
-                      <a:solidFill>
-                        <a:srgbClr val="000000"/>
-                      </a:solidFill>
-                      <a:prstDash val="solid"/>
-                      <a:round/>
-                      <a:headEnd type="none" w="med" len="med"/>
-                      <a:tailEnd type="none" w="med" len="med"/>
-                    </a:lnT>
-                    <a:lnB w="12700" cap="flat" cmpd="sng" algn="ctr">
-                      <a:solidFill>
-                        <a:srgbClr val="000000"/>
-                      </a:solidFill>
-                      <a:prstDash val="solid"/>
-                      <a:round/>
-                      <a:headEnd type="none" w="med" len="med"/>
-                      <a:tailEnd type="none" w="med" len="med"/>
-                    </a:lnB>
-                    <a:lnTlToBr w="12700" cap="flat" cmpd="sng" algn="ctr">
-                      <a:noFill/>
-                      <a:prstDash val="solid"/>
-                      <a:round/>
-                      <a:headEnd type="none" w="med" len="med"/>
-                      <a:tailEnd type="none" w="med" len="med"/>
-                    </a:lnTlToBr>
-                    <a:lnBlToTr w="12700" cap="flat" cmpd="sng" algn="ctr">
-                      <a:noFill/>
-                      <a:prstDash val="solid"/>
-                      <a:round/>
-                      <a:headEnd type="none" w="med" len="med"/>
-                      <a:tailEnd type="none" w="med" len="med"/>
-                    </a:lnBlToTr>
-                    <a:gradFill>
-                      <a:gsLst>
-                        <a:gs pos="0">
-                          <a:srgbClr val="FFFFFF"/>
-                        </a:gs>
-                        <a:gs pos="100000">
-                          <a:srgbClr val="FFFFFF"/>
-                        </a:gs>
-                      </a:gsLst>
-                      <a:lin ang="0" scaled="0"/>
-                    </a:gradFill>
-                  </a:tcPr>
-                </a:tc>
-                <a:tc>
-                  <a:txBody>
-                    <a:bodyPr wrap="square" rtlCol="0">
-                      <a:spAutoFit/>
-                    </a:bodyPr>
-                    <a:lstStyle/>
-                    <a:p>
-                      <a:pPr algn="l" fontAlgn="ctr" marL="0" marR="0" indent="0" lvl="0"/>
-                      <a:r>
-                        <a:rPr b="true" i="false" strike="noStrike" sz="900" u="none">
-                          <a:solidFill>
-                            <a:srgbClr val="FFFFFF"/>
-                          </a:solidFill>
-                          <a:latin typeface="Roboto Condensed"/>
-                        </a:rPr>
-                        <a:t><![CDATA[CAMPANHA]]></a:t>
-                      </a:r>
-                    </a:p>
-                  </a:txBody>
-                  <a:tcPr anchor="ctr">
-                    <a:lnL w="12700" cap="flat" cmpd="sng" algn="ctr">
-                      <a:solidFill>
-                        <a:srgbClr val="000000"/>
-                      </a:solidFill>
-                      <a:prstDash val="solid"/>
-                      <a:round/>
-                      <a:headEnd type="none" w="med" len="med"/>
-                      <a:tailEnd type="none" w="med" len="med"/>
-                    </a:lnL>
-                    <a:lnR w="12700" cap="flat" cmpd="sng" algn="ctr">
-                      <a:solidFill>
-                        <a:srgbClr val="000000"/>
-                      </a:solidFill>
-                      <a:prstDash val="solid"/>
-                      <a:round/>
-                      <a:headEnd type="none" w="med" len="med"/>
-                      <a:tailEnd type="none" w="med" len="med"/>
-                    </a:lnR>
-                    <a:lnT w="12700" cap="flat" cmpd="sng" algn="ctr">
-                      <a:solidFill>
-                        <a:srgbClr val="000000"/>
-                      </a:solidFill>
-                      <a:prstDash val="solid"/>
-                      <a:round/>
-                      <a:headEnd type="none" w="med" len="med"/>
-                      <a:tailEnd type="none" w="med" len="med"/>
-                    </a:lnT>
-                    <a:lnB w="12700" cap="flat" cmpd="sng" algn="ctr">
-                      <a:solidFill>
-                        <a:srgbClr val="000000"/>
-                      </a:solidFill>
-                      <a:prstDash val="solid"/>
-                      <a:round/>
-                      <a:headEnd type="none" w="med" len="med"/>
-                      <a:tailEnd type="none" w="med" len="med"/>
-                    </a:lnB>
-                    <a:lnTlToBr w="12700" cap="flat" cmpd="sng" algn="ctr">
-                      <a:noFill/>
-                      <a:prstDash val="solid"/>
-                      <a:round/>
-                      <a:headEnd type="none" w="med" len="med"/>
-                      <a:tailEnd type="none" w="med" len="med"/>
-                    </a:lnTlToBr>
-                    <a:lnBlToTr w="12700" cap="flat" cmpd="sng" algn="ctr">
-                      <a:noFill/>
-                      <a:prstDash val="solid"/>
-                      <a:round/>
-                      <a:headEnd type="none" w="med" len="med"/>
-                      <a:tailEnd type="none" w="med" len="med"/>
-                    </a:lnBlToTr>
-                    <a:gradFill>
-                      <a:gsLst>
-                        <a:gs pos="0">
-                          <a:srgbClr val="674ea7"/>
-                        </a:gs>
-                        <a:gs pos="100000">
-                          <a:srgbClr val="674ea7"/>
-                        </a:gs>
-                      </a:gsLst>
-                      <a:lin ang="0" scaled="0"/>
-                    </a:gradFill>
-                  </a:tcPr>
-                </a:tc>
-                <a:tc>
-                  <a:txBody>
-                    <a:bodyPr wrap="square" rtlCol="0">
-                      <a:spAutoFit/>
-                    </a:bodyPr>
-                    <a:lstStyle/>
-                    <a:p>
-                      <a:pPr algn="l" fontAlgn="ctr" marL="0" marR="0" indent="0" lvl="0"/>
-                      <a:r>
-                        <a:rPr b="false" i="false" strike="noStrike" sz="900" u="none">
-                          <a:solidFill>
-                            <a:srgbClr val="000000"/>
-                          </a:solidFill>
-                          <a:latin typeface="Roboto Condensed"/>
-                        </a:rPr>
-                        <a:t><![CDATA[VAREJO AGOSTO 2017 ]]></a:t>
-                      </a:r>
-                    </a:p>
-                  </a:txBody>
-                  <a:tcPr anchor="ctr">
-                    <a:lnL w="12700" cap="flat" cmpd="sng" algn="ctr">
-                      <a:solidFill>
-                        <a:srgbClr val="000000"/>
-                      </a:solidFill>
-                      <a:prstDash val="solid"/>
-                      <a:round/>
-                      <a:headEnd type="none" w="med" len="med"/>
-                      <a:tailEnd type="none" w="med" len="med"/>
-                    </a:lnL>
-                    <a:lnR w="12700" cap="flat" cmpd="sng" algn="ctr">
-                      <a:solidFill>
-                        <a:srgbClr val="000000"/>
-                      </a:solidFill>
-                      <a:prstDash val="solid"/>
-                      <a:round/>
-                      <a:headEnd type="none" w="med" len="med"/>
-                      <a:tailEnd type="none" w="med" len="med"/>
-                    </a:lnR>
-                    <a:lnT w="12700" cap="flat" cmpd="sng" algn="ctr">
-                      <a:solidFill>
-                        <a:srgbClr val="000000"/>
-                      </a:solidFill>
-                      <a:prstDash val="solid"/>
-                      <a:round/>
-                      <a:headEnd type="none" w="med" len="med"/>
-                      <a:tailEnd type="none" w="med" len="med"/>
-                    </a:lnT>
-                    <a:lnB w="12700" cap="flat" cmpd="sng" algn="ctr">
-                      <a:solidFill>
-                        <a:srgbClr val="000000"/>
-                      </a:solidFill>
-                      <a:prstDash val="solid"/>
-                      <a:round/>
-                      <a:headEnd type="none" w="med" len="med"/>
-                      <a:tailEnd type="none" w="med" len="med"/>
-                    </a:lnB>
-                    <a:lnTlToBr w="12700" cap="flat" cmpd="sng" algn="ctr">
-                      <a:noFill/>
-                      <a:prstDash val="solid"/>
-                      <a:round/>
-                      <a:headEnd type="none" w="med" len="med"/>
-                      <a:tailEnd type="none" w="med" len="med"/>
-                    </a:lnTlToBr>
-                    <a:lnBlToTr w="12700" cap="flat" cmpd="sng" algn="ctr">
-                      <a:noFill/>
-                      <a:prstDash val="solid"/>
-                      <a:round/>
-                      <a:headEnd type="none" w="med" len="med"/>
-                      <a:tailEnd type="none" w="med" len="med"/>
-                    </a:lnBlToTr>
-                    <a:gradFill>
-                      <a:gsLst>
-                        <a:gs pos="0">
-                          <a:srgbClr val="FFFFFF"/>
-                        </a:gs>
-                        <a:gs pos="100000">
-                          <a:srgbClr val="FFFFFF"/>
-                        </a:gs>
-                      </a:gsLst>
-                      <a:lin ang="0" scaled="0"/>
-                    </a:gradFill>
-                  </a:tcPr>
-                </a:tc>
-                <a:tc>
-                  <a:txBody>
-                    <a:bodyPr wrap="square" rtlCol="0">
-                      <a:spAutoFit/>
-                    </a:bodyPr>
-                    <a:lstStyle/>
-                    <a:p>
-                      <a:pPr algn="l" fontAlgn="ctr" marL="0" marR="0" indent="0" lvl="0"/>
-                      <a:r>
-                        <a:rPr b="true" i="false" strike="noStrike" sz="900" u="none">
-                          <a:solidFill>
-                            <a:srgbClr val="FFFFFF"/>
-                          </a:solidFill>
-                          <a:latin typeface="Roboto Condensed"/>
-                        </a:rPr>
-                        <a:t><![CDATA[INICIO]]></a:t>
-                      </a:r>
-                    </a:p>
-                  </a:txBody>
-                  <a:tcPr anchor="ctr">
-                    <a:lnL w="12700" cap="flat" cmpd="sng" algn="ctr">
-                      <a:solidFill>
-                        <a:srgbClr val="000000"/>
-                      </a:solidFill>
-                      <a:prstDash val="solid"/>
-                      <a:round/>
-                      <a:headEnd type="none" w="med" len="med"/>
-                      <a:tailEnd type="none" w="med" len="med"/>
-                    </a:lnL>
-                    <a:lnR w="12700" cap="flat" cmpd="sng" algn="ctr">
-                      <a:solidFill>
-                        <a:srgbClr val="000000"/>
-                      </a:solidFill>
-                      <a:prstDash val="solid"/>
-                      <a:round/>
-                      <a:headEnd type="none" w="med" len="med"/>
-                      <a:tailEnd type="none" w="med" len="med"/>
-                    </a:lnR>
-                    <a:lnT w="12700" cap="flat" cmpd="sng" algn="ctr">
-                      <a:solidFill>
-                        <a:srgbClr val="000000"/>
-                      </a:solidFill>
-                      <a:prstDash val="solid"/>
-                      <a:round/>
-                      <a:headEnd type="none" w="med" len="med"/>
-                      <a:tailEnd type="none" w="med" len="med"/>
-                    </a:lnT>
-                    <a:lnB w="12700" cap="flat" cmpd="sng" algn="ctr">
-                      <a:solidFill>
-                        <a:srgbClr val="000000"/>
-                      </a:solidFill>
-                      <a:prstDash val="solid"/>
-                      <a:round/>
-                      <a:headEnd type="none" w="med" len="med"/>
-                      <a:tailEnd type="none" w="med" len="med"/>
-                    </a:lnB>
-                    <a:lnTlToBr w="12700" cap="flat" cmpd="sng" algn="ctr">
-                      <a:noFill/>
-                      <a:prstDash val="solid"/>
-                      <a:round/>
-                      <a:headEnd type="none" w="med" len="med"/>
-                      <a:tailEnd type="none" w="med" len="med"/>
-                    </a:lnTlToBr>
-                    <a:lnBlToTr w="12700" cap="flat" cmpd="sng" algn="ctr">
-                      <a:noFill/>
-                      <a:prstDash val="solid"/>
-                      <a:round/>
-                      <a:headEnd type="none" w="med" len="med"/>
-                      <a:tailEnd type="none" w="med" len="med"/>
-                    </a:lnBlToTr>
-                    <a:gradFill>
-                      <a:gsLst>
-                        <a:gs pos="0">
-                          <a:srgbClr val="674ea7"/>
-                        </a:gs>
-                        <a:gs pos="100000">
-                          <a:srgbClr val="674ea7"/>
-                        </a:gs>
-                      </a:gsLst>
-                      <a:lin ang="0" scaled="0"/>
-                    </a:gradFill>
-                  </a:tcPr>
-                </a:tc>
-                <a:tc>
-                  <a:txBody>
-                    <a:bodyPr wrap="square" rtlCol="0">
-                      <a:spAutoFit/>
-                    </a:bodyPr>
-                    <a:lstStyle/>
-                    <a:p>
-                      <a:pPr algn="l" fontAlgn="ctr" marL="0" marR="0" indent="0" lvl="0"/>
-                      <a:r>
-                        <a:rPr b="false" i="false" strike="noStrike" sz="900" u="none">
-                          <a:solidFill>
-                            <a:srgbClr val="000000"/>
-                          </a:solidFill>
-                          <a:latin typeface="Roboto Condensed"/>
-                        </a:rPr>
-                        <a:t><![CDATA[01/08/2017]]></a:t>
-                      </a:r>
-                    </a:p>
-                  </a:txBody>
-                  <a:tcPr anchor="ctr">
-                    <a:lnL w="12700" cap="flat" cmpd="sng" algn="ctr">
-                      <a:solidFill>
-                        <a:srgbClr val="000000"/>
-                      </a:solidFill>
-                      <a:prstDash val="solid"/>
-                      <a:round/>
-                      <a:headEnd type="none" w="med" len="med"/>
-                      <a:tailEnd type="none" w="med" len="med"/>
-                    </a:lnL>
-                    <a:lnR w="12700" cap="flat" cmpd="sng" algn="ctr">
-                      <a:solidFill>
-                        <a:srgbClr val="000000"/>
-                      </a:solidFill>
-                      <a:prstDash val="solid"/>
-                      <a:round/>
-                      <a:headEnd type="none" w="med" len="med"/>
-                      <a:tailEnd type="none" w="med" len="med"/>
-                    </a:lnR>
-                    <a:lnT w="12700" cap="flat" cmpd="sng" algn="ctr">
-                      <a:solidFill>
-                        <a:srgbClr val="000000"/>
-                      </a:solidFill>
-                      <a:prstDash val="solid"/>
-                      <a:round/>
-                      <a:headEnd type="none" w="med" len="med"/>
-                      <a:tailEnd type="none" w="med" len="med"/>
-                    </a:lnT>
-                    <a:lnB w="12700" cap="flat" cmpd="sng" algn="ctr">
-                      <a:solidFill>
-                        <a:srgbClr val="000000"/>
-                      </a:solidFill>
-                      <a:prstDash val="solid"/>
-                      <a:round/>
-                      <a:headEnd type="none" w="med" len="med"/>
-                      <a:tailEnd type="none" w="med" len="med"/>
-                    </a:lnB>
-                    <a:lnTlToBr w="12700" cap="flat" cmpd="sng" algn="ctr">
-                      <a:noFill/>
-                      <a:prstDash val="solid"/>
-                      <a:round/>
-                      <a:headEnd type="none" w="med" len="med"/>
-                      <a:tailEnd type="none" w="med" len="med"/>
-                    </a:lnTlToBr>
-                    <a:lnBlToTr w="12700" cap="flat" cmpd="sng" algn="ctr">
-                      <a:noFill/>
-                      <a:prstDash val="solid"/>
-                      <a:round/>
-                      <a:headEnd type="none" w="med" len="med"/>
-                      <a:tailEnd type="none" w="med" len="med"/>
-                    </a:lnBlToTr>
-                    <a:gradFill>
-                      <a:gsLst>
-                        <a:gs pos="0">
-                          <a:srgbClr val="FFFFFF"/>
-                        </a:gs>
-                        <a:gs pos="100000">
-                          <a:srgbClr val="FFFFFF"/>
-                        </a:gs>
-                      </a:gsLst>
-                      <a:lin ang="0" scaled="0"/>
-                    </a:gradFill>
-                  </a:tcPr>
-                </a:tc>
-              </a:tr>
-              <a:tr h="142875">
-                <a:tc>
-                  <a:txBody>
-                    <a:bodyPr wrap="square" rtlCol="0">
-                      <a:spAutoFit/>
-                    </a:bodyPr>
-                    <a:lstStyle/>
-                    <a:p>
-                      <a:pPr algn="l" fontAlgn="base" marL="0" marR="0" indent="0" lvl="0"/>
-                      <a:r>
-                        <a:rPr b="true" i="false" strike="noStrike" sz="900" u="none">
-                          <a:solidFill>
-                            <a:srgbClr val="FFFFFF"/>
-                          </a:solidFill>
-                          <a:latin typeface="Roboto Condensed"/>
-                        </a:rPr>
-                        <a:t><![CDATA[PRODUTO]]></a:t>
-                      </a:r>
-                    </a:p>
-                  </a:txBody>
-                  <a:tcPr>
-                    <a:lnL w="12700" cap="flat" cmpd="sng" algn="ctr">
-                      <a:solidFill>
-                        <a:srgbClr val="000000"/>
-                      </a:solidFill>
-                      <a:prstDash val="solid"/>
-                      <a:round/>
-                      <a:headEnd type="none" w="med" len="med"/>
-                      <a:tailEnd type="none" w="med" len="med"/>
-                    </a:lnL>
-                    <a:lnR w="12700" cap="flat" cmpd="sng" algn="ctr">
-                      <a:solidFill>
-                        <a:srgbClr val="000000"/>
-                      </a:solidFill>
-                      <a:prstDash val="solid"/>
-                      <a:round/>
-                      <a:headEnd type="none" w="med" len="med"/>
-                      <a:tailEnd type="none" w="med" len="med"/>
-                    </a:lnR>
-                    <a:lnT w="12700" cap="flat" cmpd="sng" algn="ctr">
-                      <a:solidFill>
-                        <a:srgbClr val="000000"/>
-                      </a:solidFill>
-                      <a:prstDash val="solid"/>
-                      <a:round/>
-                      <a:headEnd type="none" w="med" len="med"/>
-                      <a:tailEnd type="none" w="med" len="med"/>
-                    </a:lnT>
-                    <a:lnB w="12700" cap="flat" cmpd="sng" algn="ctr">
-                      <a:solidFill>
-                        <a:srgbClr val="000000"/>
-                      </a:solidFill>
-                      <a:prstDash val="solid"/>
-                      <a:round/>
-                      <a:headEnd type="none" w="med" len="med"/>
-                      <a:tailEnd type="none" w="med" len="med"/>
-                    </a:lnB>
-                    <a:lnTlToBr w="12700" cap="flat" cmpd="sng" algn="ctr">
-                      <a:noFill/>
-                      <a:prstDash val="solid"/>
-                      <a:round/>
-                      <a:headEnd type="none" w="med" len="med"/>
-                      <a:tailEnd type="none" w="med" len="med"/>
-                    </a:lnTlToBr>
-                    <a:lnBlToTr w="12700" cap="flat" cmpd="sng" algn="ctr">
-                      <a:noFill/>
-                      <a:prstDash val="solid"/>
-                      <a:round/>
-                      <a:headEnd type="none" w="med" len="med"/>
-                      <a:tailEnd type="none" w="med" len="med"/>
-                    </a:lnBlToTr>
-                    <a:gradFill>
-                      <a:gsLst>
-                        <a:gs pos="0">
-                          <a:srgbClr val="674ea7"/>
-                        </a:gs>
-                        <a:gs pos="100000">
-                          <a:srgbClr val="674ea7"/>
-                        </a:gs>
-                      </a:gsLst>
-                      <a:lin ang="0" scaled="0"/>
-                    </a:gradFill>
-                  </a:tcPr>
-                </a:tc>
-                <a:tc>
-                  <a:txBody>
-                    <a:bodyPr wrap="square" rtlCol="0">
-                      <a:spAutoFit/>
-                    </a:bodyPr>
-                    <a:lstStyle/>
-                    <a:p>
-                      <a:pPr algn="l" fontAlgn="ctr" marL="0" marR="0" indent="0" lvl="0"/>
-                      <a:r>
-                        <a:rPr b="false" i="false" strike="noStrike" sz="900" u="none">
-                          <a:solidFill>
-                            <a:srgbClr val="000000"/>
-                          </a:solidFill>
-                          <a:latin typeface="Roboto Condensed"/>
-                        </a:rPr>
-                        <a:t><![CDATA[ ]]></a:t>
-                      </a:r>
-                    </a:p>
-                  </a:txBody>
-                  <a:tcPr anchor="ctr">
-                    <a:lnL w="12700" cap="flat" cmpd="sng" algn="ctr">
-                      <a:solidFill>
-                        <a:srgbClr val="000000"/>
-                      </a:solidFill>
-                      <a:prstDash val="solid"/>
-                      <a:round/>
-                      <a:headEnd type="none" w="med" len="med"/>
-                      <a:tailEnd type="none" w="med" len="med"/>
-                    </a:lnL>
-                    <a:lnR w="12700" cap="flat" cmpd="sng" algn="ctr">
-                      <a:solidFill>
-                        <a:srgbClr val="000000"/>
-                      </a:solidFill>
-                      <a:prstDash val="solid"/>
-                      <a:round/>
-                      <a:headEnd type="none" w="med" len="med"/>
-                      <a:tailEnd type="none" w="med" len="med"/>
-                    </a:lnR>
-                    <a:lnT w="12700" cap="flat" cmpd="sng" algn="ctr">
-                      <a:solidFill>
-                        <a:srgbClr val="000000"/>
-                      </a:solidFill>
-                      <a:prstDash val="solid"/>
-                      <a:round/>
-                      <a:headEnd type="none" w="med" len="med"/>
-                      <a:tailEnd type="none" w="med" len="med"/>
-                    </a:lnT>
-                    <a:lnB w="12700" cap="flat" cmpd="sng" algn="ctr">
-                      <a:solidFill>
-                        <a:srgbClr val="000000"/>
-                      </a:solidFill>
-                      <a:prstDash val="solid"/>
-                      <a:round/>
-                      <a:headEnd type="none" w="med" len="med"/>
-                      <a:tailEnd type="none" w="med" len="med"/>
-                    </a:lnB>
-                    <a:lnTlToBr w="12700" cap="flat" cmpd="sng" algn="ctr">
-                      <a:noFill/>
-                      <a:prstDash val="solid"/>
-                      <a:round/>
-                      <a:headEnd type="none" w="med" len="med"/>
-                      <a:tailEnd type="none" w="med" len="med"/>
-                    </a:lnTlToBr>
-                    <a:lnBlToTr w="12700" cap="flat" cmpd="sng" algn="ctr">
-                      <a:noFill/>
-                      <a:prstDash val="solid"/>
-                      <a:round/>
-                      <a:headEnd type="none" w="med" len="med"/>
-                      <a:tailEnd type="none" w="med" len="med"/>
-                    </a:lnBlToTr>
-                    <a:gradFill>
-                      <a:gsLst>
-                        <a:gs pos="0">
-                          <a:srgbClr val="FFFFFF"/>
-                        </a:gs>
-                        <a:gs pos="100000">
-                          <a:srgbClr val="FFFFFF"/>
-                        </a:gs>
-                      </a:gsLst>
-                      <a:lin ang="0" scaled="0"/>
-                    </a:gradFill>
-                  </a:tcPr>
-                </a:tc>
-                <a:tc>
-                  <a:txBody>
-                    <a:bodyPr wrap="square" rtlCol="0">
-                      <a:spAutoFit/>
-                    </a:bodyPr>
-                    <a:lstStyle/>
-                    <a:p>
-                      <a:pPr algn="l" fontAlgn="base" marL="0" marR="0" indent="0" lvl="0"/>
-                      <a:r>
-                        <a:rPr b="true" i="false" strike="noStrike" sz="900" u="none">
-                          <a:solidFill>
-                            <a:srgbClr val="FFFFFF"/>
-                          </a:solidFill>
-                          <a:latin typeface="Roboto Condensed"/>
-                        </a:rPr>
-                        <a:t><![CDATA[PECAS]]></a:t>
-                      </a:r>
-                    </a:p>
-                  </a:txBody>
-                  <a:tcPr>
-                    <a:lnL w="12700" cap="flat" cmpd="sng" algn="ctr">
-                      <a:solidFill>
-                        <a:srgbClr val="000000"/>
-                      </a:solidFill>
-                      <a:prstDash val="solid"/>
-                      <a:round/>
-                      <a:headEnd type="none" w="med" len="med"/>
-                      <a:tailEnd type="none" w="med" len="med"/>
-                    </a:lnL>
-                    <a:lnR w="12700" cap="flat" cmpd="sng" algn="ctr">
-                      <a:solidFill>
-                        <a:srgbClr val="000000"/>
-                      </a:solidFill>
-                      <a:prstDash val="solid"/>
-                      <a:round/>
-                      <a:headEnd type="none" w="med" len="med"/>
-                      <a:tailEnd type="none" w="med" len="med"/>
-                    </a:lnR>
-                    <a:lnT w="12700" cap="flat" cmpd="sng" algn="ctr">
-                      <a:solidFill>
-                        <a:srgbClr val="000000"/>
-                      </a:solidFill>
-                      <a:prstDash val="solid"/>
-                      <a:round/>
-                      <a:headEnd type="none" w="med" len="med"/>
-                      <a:tailEnd type="none" w="med" len="med"/>
-                    </a:lnT>
-                    <a:lnB w="12700" cap="flat" cmpd="sng" algn="ctr">
-                      <a:solidFill>
-                        <a:srgbClr val="000000"/>
-                      </a:solidFill>
-                      <a:prstDash val="solid"/>
-                      <a:round/>
-                      <a:headEnd type="none" w="med" len="med"/>
-                      <a:tailEnd type="none" w="med" len="med"/>
-                    </a:lnB>
-                    <a:lnTlToBr w="12700" cap="flat" cmpd="sng" algn="ctr">
-                      <a:noFill/>
-                      <a:prstDash val="solid"/>
-                      <a:round/>
-                      <a:headEnd type="none" w="med" len="med"/>
-                      <a:tailEnd type="none" w="med" len="med"/>
-                    </a:lnTlToBr>
-                    <a:lnBlToTr w="12700" cap="flat" cmpd="sng" algn="ctr">
-                      <a:noFill/>
-                      <a:prstDash val="solid"/>
-                      <a:round/>
-                      <a:headEnd type="none" w="med" len="med"/>
-                      <a:tailEnd type="none" w="med" len="med"/>
-                    </a:lnBlToTr>
-                    <a:gradFill>
-                      <a:gsLst>
-                        <a:gs pos="0">
-                          <a:srgbClr val="674ea7"/>
-                        </a:gs>
-                        <a:gs pos="100000">
-                          <a:srgbClr val="674ea7"/>
-                        </a:gs>
-                      </a:gsLst>
-                      <a:lin ang="0" scaled="0"/>
-                    </a:gradFill>
-                  </a:tcPr>
-                </a:tc>
-                <a:tc>
-                  <a:txBody>
-                    <a:bodyPr wrap="square" rtlCol="0">
-                      <a:spAutoFit/>
-                    </a:bodyPr>
-                    <a:lstStyle/>
-                    <a:p>
-                      <a:pPr algn="l" fontAlgn="ctr" marL="0" marR="0" indent="0" lvl="0"/>
-                      <a:r>
-                        <a:rPr b="false" i="false" strike="noStrike" sz="900" u="none">
-                          <a:solidFill>
-                            <a:srgbClr val="000000"/>
-                          </a:solidFill>
-                          <a:latin typeface="Roboto Condensed"/>
-                        </a:rPr>
-                        <a:t><![CDATA[0 ]]></a:t>
-                      </a:r>
-                    </a:p>
-                  </a:txBody>
-                  <a:tcPr anchor="ctr">
-                    <a:lnL w="12700" cap="flat" cmpd="sng" algn="ctr">
-                      <a:solidFill>
-                        <a:srgbClr val="000000"/>
-                      </a:solidFill>
-                      <a:prstDash val="solid"/>
-                      <a:round/>
-                      <a:headEnd type="none" w="med" len="med"/>
-                      <a:tailEnd type="none" w="med" len="med"/>
-                    </a:lnL>
-                    <a:lnR w="12700" cap="flat" cmpd="sng" algn="ctr">
-                      <a:solidFill>
-                        <a:srgbClr val="000000"/>
-                      </a:solidFill>
-                      <a:prstDash val="solid"/>
-                      <a:round/>
-                      <a:headEnd type="none" w="med" len="med"/>
-                      <a:tailEnd type="none" w="med" len="med"/>
-                    </a:lnR>
-                    <a:lnT w="12700" cap="flat" cmpd="sng" algn="ctr">
-                      <a:solidFill>
-                        <a:srgbClr val="000000"/>
-                      </a:solidFill>
-                      <a:prstDash val="solid"/>
-                      <a:round/>
-                      <a:headEnd type="none" w="med" len="med"/>
-                      <a:tailEnd type="none" w="med" len="med"/>
-                    </a:lnT>
-                    <a:lnB w="12700" cap="flat" cmpd="sng" algn="ctr">
-                      <a:solidFill>
-                        <a:srgbClr val="000000"/>
-                      </a:solidFill>
-                      <a:prstDash val="solid"/>
-                      <a:round/>
-                      <a:headEnd type="none" w="med" len="med"/>
-                      <a:tailEnd type="none" w="med" len="med"/>
-                    </a:lnB>
-                    <a:lnTlToBr w="12700" cap="flat" cmpd="sng" algn="ctr">
-                      <a:noFill/>
-                      <a:prstDash val="solid"/>
-                      <a:round/>
-                      <a:headEnd type="none" w="med" len="med"/>
-                      <a:tailEnd type="none" w="med" len="med"/>
-                    </a:lnTlToBr>
-                    <a:lnBlToTr w="12700" cap="flat" cmpd="sng" algn="ctr">
-                      <a:noFill/>
-                      <a:prstDash val="solid"/>
-                      <a:round/>
-                      <a:headEnd type="none" w="med" len="med"/>
-                      <a:tailEnd type="none" w="med" len="med"/>
-                    </a:lnBlToTr>
-                    <a:gradFill>
-                      <a:gsLst>
-                        <a:gs pos="0">
-                          <a:srgbClr val="FFFFFF"/>
-                        </a:gs>
-                        <a:gs pos="100000">
-                          <a:srgbClr val="FFFFFF"/>
-                        </a:gs>
-                      </a:gsLst>
-                      <a:lin ang="0" scaled="0"/>
-                    </a:gradFill>
-                  </a:tcPr>
-                </a:tc>
-                <a:tc>
-                  <a:txBody>
-                    <a:bodyPr wrap="square" rtlCol="0">
-                      <a:spAutoFit/>
-                    </a:bodyPr>
-                    <a:lstStyle/>
-                    <a:p>
-                      <a:pPr algn="l" fontAlgn="ctr" marL="0" marR="0" indent="0" lvl="0"/>
-                      <a:r>
-                        <a:rPr b="true" i="false" strike="noStrike" sz="900" u="none">
-                          <a:solidFill>
-                            <a:srgbClr val="FFFFFF"/>
-                          </a:solidFill>
-                          <a:latin typeface="Roboto Condensed"/>
-                        </a:rPr>
-                        <a:t><![CDATA[FIM ]]></a:t>
-                      </a:r>
-                    </a:p>
-                  </a:txBody>
-                  <a:tcPr anchor="ctr">
-                    <a:lnL w="12700" cap="flat" cmpd="sng" algn="ctr">
-                      <a:solidFill>
-                        <a:srgbClr val="000000"/>
-                      </a:solidFill>
-                      <a:prstDash val="solid"/>
-                      <a:round/>
-                      <a:headEnd type="none" w="med" len="med"/>
-                      <a:tailEnd type="none" w="med" len="med"/>
-                    </a:lnL>
-                    <a:lnR w="12700" cap="flat" cmpd="sng" algn="ctr">
-                      <a:solidFill>
-                        <a:srgbClr val="000000"/>
-                      </a:solidFill>
-                      <a:prstDash val="solid"/>
-                      <a:round/>
-                      <a:headEnd type="none" w="med" len="med"/>
-                      <a:tailEnd type="none" w="med" len="med"/>
-                    </a:lnR>
-                    <a:lnT w="12700" cap="flat" cmpd="sng" algn="ctr">
-                      <a:solidFill>
-                        <a:srgbClr val="000000"/>
-                      </a:solidFill>
-                      <a:prstDash val="solid"/>
-                      <a:round/>
-                      <a:headEnd type="none" w="med" len="med"/>
-                      <a:tailEnd type="none" w="med" len="med"/>
-                    </a:lnT>
-                    <a:lnB w="12700" cap="flat" cmpd="sng" algn="ctr">
-                      <a:solidFill>
-                        <a:srgbClr val="000000"/>
-                      </a:solidFill>
-                      <a:prstDash val="solid"/>
-                      <a:round/>
-                      <a:headEnd type="none" w="med" len="med"/>
-                      <a:tailEnd type="none" w="med" len="med"/>
-                    </a:lnB>
-                    <a:lnTlToBr w="12700" cap="flat" cmpd="sng" algn="ctr">
-                      <a:noFill/>
-                      <a:prstDash val="solid"/>
-                      <a:round/>
-                      <a:headEnd type="none" w="med" len="med"/>
-                      <a:tailEnd type="none" w="med" len="med"/>
-                    </a:lnTlToBr>
-                    <a:lnBlToTr w="12700" cap="flat" cmpd="sng" algn="ctr">
-                      <a:noFill/>
-                      <a:prstDash val="solid"/>
-                      <a:round/>
-                      <a:headEnd type="none" w="med" len="med"/>
-                      <a:tailEnd type="none" w="med" len="med"/>
-                    </a:lnBlToTr>
-                    <a:gradFill>
-                      <a:gsLst>
-                        <a:gs pos="0">
-                          <a:srgbClr val="674ea7"/>
-                        </a:gs>
-                        <a:gs pos="100000">
-                          <a:srgbClr val="674ea7"/>
-                        </a:gs>
-                      </a:gsLst>
-                      <a:lin ang="0" scaled="0"/>
-                    </a:gradFill>
-                  </a:tcPr>
-                </a:tc>
-                <a:tc>
-                  <a:txBody>
-                    <a:bodyPr wrap="square" rtlCol="0">
-                      <a:spAutoFit/>
-                    </a:bodyPr>
-                    <a:lstStyle/>
-                    <a:p>
-                      <a:pPr algn="l" fontAlgn="ctr" marL="0" marR="0" indent="0" lvl="0"/>
-                      <a:r>
-                        <a:rPr b="false" i="false" strike="noStrike" sz="900" u="none">
-                          <a:solidFill>
-                            <a:srgbClr val="000000"/>
-                          </a:solidFill>
-                          <a:latin typeface="Roboto Condensed"/>
-                        </a:rPr>
-                        <a:t><![CDATA[11/05/2018 ]]></a:t>
-                      </a:r>
-                    </a:p>
-                  </a:txBody>
-                  <a:tcPr anchor="ctr">
-                    <a:lnL w="12700" cap="flat" cmpd="sng" algn="ctr">
-                      <a:solidFill>
-                        <a:srgbClr val="000000"/>
-                      </a:solidFill>
-                      <a:prstDash val="solid"/>
-                      <a:round/>
-                      <a:headEnd type="none" w="med" len="med"/>
-                      <a:tailEnd type="none" w="med" len="med"/>
-                    </a:lnL>
-                    <a:lnR w="12700" cap="flat" cmpd="sng" algn="ctr">
-                      <a:solidFill>
-                        <a:srgbClr val="000000"/>
-                      </a:solidFill>
-                      <a:prstDash val="solid"/>
-                      <a:round/>
-                      <a:headEnd type="none" w="med" len="med"/>
-                      <a:tailEnd type="none" w="med" len="med"/>
-                    </a:lnR>
-                    <a:lnT w="12700" cap="flat" cmpd="sng" algn="ctr">
-                      <a:solidFill>
-                        <a:srgbClr val="000000"/>
-                      </a:solidFill>
-                      <a:prstDash val="solid"/>
-                      <a:round/>
-                      <a:headEnd type="none" w="med" len="med"/>
-                      <a:tailEnd type="none" w="med" len="med"/>
-                    </a:lnT>
-                    <a:lnB w="12700" cap="flat" cmpd="sng" algn="ctr">
-                      <a:solidFill>
-                        <a:srgbClr val="000000"/>
-                      </a:solidFill>
-                      <a:prstDash val="solid"/>
-                      <a:round/>
-                      <a:headEnd type="none" w="med" len="med"/>
-                      <a:tailEnd type="none" w="med" len="med"/>
-                    </a:lnB>
-                    <a:lnTlToBr w="12700" cap="flat" cmpd="sng" algn="ctr">
-                      <a:noFill/>
-                      <a:prstDash val="solid"/>
-                      <a:round/>
-                      <a:headEnd type="none" w="med" len="med"/>
-                      <a:tailEnd type="none" w="med" len="med"/>
-                    </a:lnTlToBr>
-                    <a:lnBlToTr w="12700" cap="flat" cmpd="sng" algn="ctr">
-                      <a:noFill/>
-                      <a:prstDash val="solid"/>
-                      <a:round/>
-                      <a:headEnd type="none" w="med" len="med"/>
-                      <a:tailEnd type="none" w="med" len="med"/>
-                    </a:lnBlToTr>
-                    <a:gradFill>
-                      <a:gsLst>
-                        <a:gs pos="0">
-                          <a:srgbClr val="FFFFFF"/>
-                        </a:gs>
-                        <a:gs pos="100000">
-                          <a:srgbClr val="FFFFFF"/>
-                        </a:gs>
-                      </a:gsLst>
-                      <a:lin ang="0" scaled="0"/>
-                    </a:gradFill>
-                  </a:tcPr>
-                </a:tc>
-              </a:tr>
-            </a:tbl>
-          </a:graphicData>
-        </a:graphic>
-      </p:graphicFrame>
-      <p:graphicFrame>
-        <p:nvGraphicFramePr>
-          <p:cNvPr id="2" name="" descr=""/>
-          <p:cNvGraphicFramePr>
-            <a:graphicFrameLocks noGrp="1"/>
-          </p:cNvGraphicFramePr>
-          <p:nvPr/>
-        </p:nvGraphicFramePr>
-        <p:xfrm>
-          <a:off x="600075" y="1238250"/>
-          <a:ext cx="3028950" cy="0"/>
-        </p:xfrm>
-        <a:graphic>
-          <a:graphicData uri="http://schemas.openxmlformats.org/drawingml/2006/table">
-            <a:tbl>
-              <a:tblPr firstRow="1" bandRow="1"/>
-              <a:tblGrid>
-                <a:gridCol w="3028950"/>
-              </a:tblGrid>
-              <a:tr h="361950">
-                <a:tc>
-                  <a:txBody>
-                    <a:bodyPr wrap="square" rtlCol="0">
-                      <a:spAutoFit/>
-                    </a:bodyPr>
-                    <a:lstStyle/>
-                    <a:p>
-                      <a:pPr algn="ctr" fontAlgn="ctr" marL="0" marR="0" indent="0" lvl="0"/>
-                      <a:r>
-                        <a:rPr b="true" i="false" strike="noStrike" sz="1100" u="none">
-                          <a:solidFill>
-                            <a:srgbClr val="000000"/>
-                          </a:solidFill>
-                          <a:latin typeface="Roboto Condensed"/>
-                        </a:rPr>
-                        <a:t><![CDATA[Sem nome (13)]]></a:t>
-                      </a:r>
-                    </a:p>
-                  </a:txBody>
-                  <a:tcPr anchor="ctr">
-                    <a:lnL w="12700" cap="flat" cmpd="sng" algn="ctr">
-                      <a:solidFill>
-                        <a:srgbClr val="F3F3F3"/>
-                      </a:solidFill>
-                      <a:prstDash val="solid"/>
-                      <a:round/>
-                      <a:headEnd type="none" w="med" len="med"/>
-                      <a:tailEnd type="none" w="med" len="med"/>
-                    </a:lnL>
-                    <a:lnR w="12700" cap="flat" cmpd="sng" algn="ctr">
-                      <a:solidFill>
-                        <a:srgbClr val="F3F3F3"/>
-                      </a:solidFill>
-                      <a:prstDash val="solid"/>
-                      <a:round/>
-                      <a:headEnd type="none" w="med" len="med"/>
-                      <a:tailEnd type="none" w="med" len="med"/>
-                    </a:lnR>
-                    <a:lnT w="12700" cap="flat" cmpd="sng" algn="ctr">
-                      <a:solidFill>
-                        <a:srgbClr val="F3F3F3"/>
-                      </a:solidFill>
-                      <a:prstDash val="solid"/>
-                      <a:round/>
-                      <a:headEnd type="none" w="med" len="med"/>
-                      <a:tailEnd type="none" w="med" len="med"/>
-                    </a:lnT>
-                    <a:lnB w="12700" cap="flat" cmpd="sng" algn="ctr">
-                      <a:solidFill>
-                        <a:srgbClr val="F3F3F3"/>
-                      </a:solidFill>
-                      <a:prstDash val="solid"/>
-                      <a:round/>
-                      <a:headEnd type="none" w="med" len="med"/>
-                      <a:tailEnd type="none" w="med" len="med"/>
-                    </a:lnB>
-                    <a:lnTlToBr w="12700" cap="flat" cmpd="sng" algn="ctr">
-                      <a:noFill/>
-                      <a:prstDash val="solid"/>
-                      <a:round/>
-                      <a:headEnd type="none" w="med" len="med"/>
-                      <a:tailEnd type="none" w="med" len="med"/>
-                    </a:lnTlToBr>
-                    <a:lnBlToTr w="12700" cap="flat" cmpd="sng" algn="ctr">
-                      <a:noFill/>
-                      <a:prstDash val="solid"/>
-                      <a:round/>
-                      <a:headEnd type="none" w="med" len="med"/>
-                      <a:tailEnd type="none" w="med" len="med"/>
-                    </a:lnBlToTr>
-                    <a:gradFill>
-                      <a:gsLst>
-                        <a:gs pos="0">
-                          <a:srgbClr val="F3F3F3"/>
-                        </a:gs>
-                        <a:gs pos="100000">
-                          <a:srgbClr val="F3F3F3"/>
-                        </a:gs>
-                      </a:gsLst>
-                      <a:lin ang="0" scaled="0"/>
-                    </a:gradFill>
-                  </a:tcPr>
-                </a:tc>
-              </a:tr>
-              <a:tr h="1857375">
-                <a:tc>
-                  <a:txBody>
-                    <a:bodyPr wrap="square" rtlCol="0">
-                      <a:spAutoFit/>
-                    </a:bodyPr>
-                    <a:lstStyle/>
-                    <a:p>
-                      <a:pPr algn="l" fontAlgn="base" marL="0" marR="0" indent="0" lvl="0"/>
-                    </a:p>
-                  </a:txBody>
-                  <a:tcPr>
-                    <a:lnL w="12700" cap="flat" cmpd="sng" algn="ctr">
-                      <a:solidFill>
-                        <a:srgbClr val="F3F3F3"/>
-                      </a:solidFill>
-                      <a:prstDash val="solid"/>
-                      <a:round/>
-                      <a:headEnd type="none" w="med" len="med"/>
-                      <a:tailEnd type="none" w="med" len="med"/>
-                    </a:lnL>
-                    <a:lnR w="12700" cap="flat" cmpd="sng" algn="ctr">
-                      <a:solidFill>
-                        <a:srgbClr val="F3F3F3"/>
-                      </a:solidFill>
-                      <a:prstDash val="solid"/>
-                      <a:round/>
-                      <a:headEnd type="none" w="med" len="med"/>
-                      <a:tailEnd type="none" w="med" len="med"/>
-                    </a:lnR>
-                    <a:lnT w="12700" cap="flat" cmpd="sng" algn="ctr">
-                      <a:solidFill>
-                        <a:srgbClr val="F3F3F3"/>
-                      </a:solidFill>
-                      <a:prstDash val="solid"/>
-                      <a:round/>
-                      <a:headEnd type="none" w="med" len="med"/>
-                      <a:tailEnd type="none" w="med" len="med"/>
-                    </a:lnT>
-                    <a:lnB w="12700" cap="flat" cmpd="sng" algn="ctr">
-                      <a:solidFill>
-                        <a:srgbClr val="F3F3F3"/>
-                      </a:solidFill>
-                      <a:prstDash val="solid"/>
-                      <a:round/>
-                      <a:headEnd type="none" w="med" len="med"/>
-                      <a:tailEnd type="none" w="med" len="med"/>
-                    </a:lnB>
-                    <a:lnTlToBr w="12700" cap="flat" cmpd="sng" algn="ctr">
-                      <a:noFill/>
-                      <a:prstDash val="solid"/>
-                      <a:round/>
-                      <a:headEnd type="none" w="med" len="med"/>
-                      <a:tailEnd type="none" w="med" len="med"/>
-                    </a:lnTlToBr>
-                    <a:lnBlToTr w="12700" cap="flat" cmpd="sng" algn="ctr">
-                      <a:noFill/>
-                      <a:prstDash val="solid"/>
-                      <a:round/>
-                      <a:headEnd type="none" w="med" len="med"/>
-                      <a:tailEnd type="none" w="med" len="med"/>
-                    </a:lnBlToTr>
-                    <a:gradFill>
-                      <a:gsLst>
-                        <a:gs pos="0">
-                          <a:srgbClr val="FFFFFF"/>
-                        </a:gs>
-                        <a:gs pos="100000">
-                          <a:srgbClr val="FFFFFF"/>
-                        </a:gs>
-                      </a:gsLst>
-                      <a:lin ang="0" scaled="0"/>
-                    </a:gradFill>
-                  </a:tcPr>
-                </a:tc>
-              </a:tr>
-            </a:tbl>
-          </a:graphicData>
-        </a:graphic>
-      </p:graphicFrame>
-      <p:pic>
-        <p:nvPicPr>
-          <p:cNvPr id="3" name="" descr=""/>
-          <p:cNvPicPr>
-            <a:picLocks noChangeAspect="1"/>
-          </p:cNvPicPr>
-          <p:nvPr/>
-        </p:nvPicPr>
-        <p:blipFill>
-          <a:blip r:embed="rId2"/>
-          <a:stretch>
-            <a:fillRect/>
-          </a:stretch>
-        </p:blipFill>
-        <p:spPr>
-          <a:xfrm rot="0">
-            <a:off x="647700" y="1714500"/>
-            <a:ext cx="2933700" cy="2200275"/>
-          </a:xfrm>
-          <a:prstGeom prst="rect">
-            <a:avLst/>
-          </a:prstGeom>
-        </p:spPr>
-      </p:pic>
-      <p:graphicFrame>
-        <p:nvGraphicFramePr>
-          <p:cNvPr id="4" name="" descr=""/>
-          <p:cNvGraphicFramePr>
-            <a:graphicFrameLocks noGrp="1"/>
-          </p:cNvGraphicFramePr>
-          <p:nvPr/>
-        </p:nvGraphicFramePr>
-        <p:xfrm>
-          <a:off x="3810000" y="1238250"/>
-          <a:ext cx="3028950" cy="0"/>
-        </p:xfrm>
-        <a:graphic>
-          <a:graphicData uri="http://schemas.openxmlformats.org/drawingml/2006/table">
-            <a:tbl>
-              <a:tblPr firstRow="1" bandRow="1"/>
-              <a:tblGrid>
-                <a:gridCol w="3028950"/>
-              </a:tblGrid>
-              <a:tr h="361950">
-                <a:tc>
-                  <a:txBody>
-                    <a:bodyPr wrap="square" rtlCol="0">
-                      <a:spAutoFit/>
-                    </a:bodyPr>
-                    <a:lstStyle/>
-                    <a:p>
-                      <a:pPr algn="ctr" fontAlgn="ctr" marL="0" marR="0" indent="0" lvl="0"/>
-                      <a:r>
-                        <a:rPr b="true" i="false" strike="noStrike" sz="1100" u="none">
-                          <a:solidFill>
-                            <a:srgbClr val="000000"/>
-                          </a:solidFill>
-                          <a:latin typeface="Roboto Condensed"/>
-                        </a:rPr>
-                        <a:t><![CDATA[Sem nome (14)]]></a:t>
-                      </a:r>
-                    </a:p>
-                  </a:txBody>
-                  <a:tcPr anchor="ctr">
-                    <a:lnL w="12700" cap="flat" cmpd="sng" algn="ctr">
-                      <a:solidFill>
-                        <a:srgbClr val="F3F3F3"/>
-                      </a:solidFill>
-                      <a:prstDash val="solid"/>
-                      <a:round/>
-                      <a:headEnd type="none" w="med" len="med"/>
-                      <a:tailEnd type="none" w="med" len="med"/>
-                    </a:lnL>
-                    <a:lnR w="12700" cap="flat" cmpd="sng" algn="ctr">
-                      <a:solidFill>
-                        <a:srgbClr val="F3F3F3"/>
-                      </a:solidFill>
-                      <a:prstDash val="solid"/>
-                      <a:round/>
-                      <a:headEnd type="none" w="med" len="med"/>
-                      <a:tailEnd type="none" w="med" len="med"/>
-                    </a:lnR>
-                    <a:lnT w="12700" cap="flat" cmpd="sng" algn="ctr">
-                      <a:solidFill>
-                        <a:srgbClr val="F3F3F3"/>
-                      </a:solidFill>
-                      <a:prstDash val="solid"/>
-                      <a:round/>
-                      <a:headEnd type="none" w="med" len="med"/>
-                      <a:tailEnd type="none" w="med" len="med"/>
-                    </a:lnT>
-                    <a:lnB w="12700" cap="flat" cmpd="sng" algn="ctr">
-                      <a:solidFill>
-                        <a:srgbClr val="F3F3F3"/>
-                      </a:solidFill>
-                      <a:prstDash val="solid"/>
-                      <a:round/>
-                      <a:headEnd type="none" w="med" len="med"/>
-                      <a:tailEnd type="none" w="med" len="med"/>
-                    </a:lnB>
-                    <a:lnTlToBr w="12700" cap="flat" cmpd="sng" algn="ctr">
-                      <a:noFill/>
-                      <a:prstDash val="solid"/>
-                      <a:round/>
-                      <a:headEnd type="none" w="med" len="med"/>
-                      <a:tailEnd type="none" w="med" len="med"/>
-                    </a:lnTlToBr>
-                    <a:lnBlToTr w="12700" cap="flat" cmpd="sng" algn="ctr">
-                      <a:noFill/>
-                      <a:prstDash val="solid"/>
-                      <a:round/>
-                      <a:headEnd type="none" w="med" len="med"/>
-                      <a:tailEnd type="none" w="med" len="med"/>
-                    </a:lnBlToTr>
-                    <a:gradFill>
-                      <a:gsLst>
-                        <a:gs pos="0">
-                          <a:srgbClr val="F3F3F3"/>
-                        </a:gs>
-                        <a:gs pos="100000">
-                          <a:srgbClr val="F3F3F3"/>
-                        </a:gs>
-                      </a:gsLst>
-                      <a:lin ang="0" scaled="0"/>
-                    </a:gradFill>
-                  </a:tcPr>
-                </a:tc>
-              </a:tr>
-              <a:tr h="1857375">
-                <a:tc>
-                  <a:txBody>
-                    <a:bodyPr wrap="square" rtlCol="0">
-                      <a:spAutoFit/>
-                    </a:bodyPr>
-                    <a:lstStyle/>
-                    <a:p>
-                      <a:pPr algn="l" fontAlgn="base" marL="0" marR="0" indent="0" lvl="0"/>
-                    </a:p>
-                  </a:txBody>
-                  <a:tcPr>
-                    <a:lnL w="12700" cap="flat" cmpd="sng" algn="ctr">
-                      <a:solidFill>
-                        <a:srgbClr val="F3F3F3"/>
-                      </a:solidFill>
-                      <a:prstDash val="solid"/>
-                      <a:round/>
-                      <a:headEnd type="none" w="med" len="med"/>
-                      <a:tailEnd type="none" w="med" len="med"/>
-                    </a:lnL>
-                    <a:lnR w="12700" cap="flat" cmpd="sng" algn="ctr">
-                      <a:solidFill>
-                        <a:srgbClr val="F3F3F3"/>
-                      </a:solidFill>
-                      <a:prstDash val="solid"/>
-                      <a:round/>
-                      <a:headEnd type="none" w="med" len="med"/>
-                      <a:tailEnd type="none" w="med" len="med"/>
-                    </a:lnR>
-                    <a:lnT w="12700" cap="flat" cmpd="sng" algn="ctr">
-                      <a:solidFill>
-                        <a:srgbClr val="F3F3F3"/>
-                      </a:solidFill>
-                      <a:prstDash val="solid"/>
-                      <a:round/>
-                      <a:headEnd type="none" w="med" len="med"/>
-                      <a:tailEnd type="none" w="med" len="med"/>
-                    </a:lnT>
-                    <a:lnB w="12700" cap="flat" cmpd="sng" algn="ctr">
-                      <a:solidFill>
-                        <a:srgbClr val="F3F3F3"/>
-                      </a:solidFill>
-                      <a:prstDash val="solid"/>
-                      <a:round/>
-                      <a:headEnd type="none" w="med" len="med"/>
-                      <a:tailEnd type="none" w="med" len="med"/>
-                    </a:lnB>
-                    <a:lnTlToBr w="12700" cap="flat" cmpd="sng" algn="ctr">
-                      <a:noFill/>
-                      <a:prstDash val="solid"/>
-                      <a:round/>
-                      <a:headEnd type="none" w="med" len="med"/>
-                      <a:tailEnd type="none" w="med" len="med"/>
-                    </a:lnTlToBr>
-                    <a:lnBlToTr w="12700" cap="flat" cmpd="sng" algn="ctr">
-                      <a:noFill/>
-                      <a:prstDash val="solid"/>
-                      <a:round/>
-                      <a:headEnd type="none" w="med" len="med"/>
-                      <a:tailEnd type="none" w="med" len="med"/>
-                    </a:lnBlToTr>
-                    <a:gradFill>
-                      <a:gsLst>
-                        <a:gs pos="0">
-                          <a:srgbClr val="FFFFFF"/>
-                        </a:gs>
-                        <a:gs pos="100000">
-                          <a:srgbClr val="FFFFFF"/>
-                        </a:gs>
-                      </a:gsLst>
-                      <a:lin ang="0" scaled="0"/>
-                    </a:gradFill>
-                  </a:tcPr>
-                </a:tc>
-              </a:tr>
-            </a:tbl>
-          </a:graphicData>
-        </a:graphic>
-      </p:graphicFrame>
-      <p:pic>
-        <p:nvPicPr>
-          <p:cNvPr id="5" name="" descr=""/>
-          <p:cNvPicPr>
-            <a:picLocks noChangeAspect="1"/>
-          </p:cNvPicPr>
-          <p:nvPr/>
-        </p:nvPicPr>
-        <p:blipFill>
-          <a:blip r:embed="rId3"/>
-          <a:stretch>
-            <a:fillRect/>
-          </a:stretch>
-        </p:blipFill>
-        <p:spPr>
-          <a:xfrm rot="0">
-            <a:off x="3857625" y="1714500"/>
-            <a:ext cx="2933700" cy="2200275"/>
-          </a:xfrm>
-          <a:prstGeom prst="rect">
-            <a:avLst/>
-          </a:prstGeom>
-        </p:spPr>
-      </p:pic>
-      <p:graphicFrame>
-        <p:nvGraphicFramePr>
-          <p:cNvPr id="6" name="" descr=""/>
-          <p:cNvGraphicFramePr>
-            <a:graphicFrameLocks noGrp="1"/>
-          </p:cNvGraphicFramePr>
-          <p:nvPr/>
-        </p:nvGraphicFramePr>
-        <p:xfrm>
-          <a:off x="600075" y="4095750"/>
-          <a:ext cx="3028950" cy="0"/>
-        </p:xfrm>
-        <a:graphic>
-          <a:graphicData uri="http://schemas.openxmlformats.org/drawingml/2006/table">
-            <a:tbl>
-              <a:tblPr firstRow="1" bandRow="1"/>
-              <a:tblGrid>
-                <a:gridCol w="3028950"/>
-              </a:tblGrid>
-              <a:tr h="361950">
-                <a:tc>
-                  <a:txBody>
-                    <a:bodyPr wrap="square" rtlCol="0">
-                      <a:spAutoFit/>
-                    </a:bodyPr>
-                    <a:lstStyle/>
-                    <a:p>
-                      <a:pPr algn="ctr" fontAlgn="ctr" marL="0" marR="0" indent="0" lvl="0"/>
-                      <a:r>
-                        <a:rPr b="true" i="false" strike="noStrike" sz="1100" u="none">
-                          <a:solidFill>
-                            <a:srgbClr val="000000"/>
-                          </a:solidFill>
-                          <a:latin typeface="Roboto Condensed"/>
-                        </a:rPr>
-                        <a:t><![CDATA[Sem nome (15)]]></a:t>
-                      </a:r>
-                    </a:p>
-                  </a:txBody>
-                  <a:tcPr anchor="ctr">
-                    <a:lnL w="12700" cap="flat" cmpd="sng" algn="ctr">
-                      <a:solidFill>
-                        <a:srgbClr val="F3F3F3"/>
-                      </a:solidFill>
-                      <a:prstDash val="solid"/>
-                      <a:round/>
-                      <a:headEnd type="none" w="med" len="med"/>
-                      <a:tailEnd type="none" w="med" len="med"/>
-                    </a:lnL>
-                    <a:lnR w="12700" cap="flat" cmpd="sng" algn="ctr">
-                      <a:solidFill>
-                        <a:srgbClr val="F3F3F3"/>
-                      </a:solidFill>
-                      <a:prstDash val="solid"/>
-                      <a:round/>
-                      <a:headEnd type="none" w="med" len="med"/>
-                      <a:tailEnd type="none" w="med" len="med"/>
-                    </a:lnR>
-                    <a:lnT w="12700" cap="flat" cmpd="sng" algn="ctr">
-                      <a:solidFill>
-                        <a:srgbClr val="F3F3F3"/>
-                      </a:solidFill>
-                      <a:prstDash val="solid"/>
-                      <a:round/>
-                      <a:headEnd type="none" w="med" len="med"/>
-                      <a:tailEnd type="none" w="med" len="med"/>
-                    </a:lnT>
-                    <a:lnB w="12700" cap="flat" cmpd="sng" algn="ctr">
-                      <a:solidFill>
-                        <a:srgbClr val="F3F3F3"/>
-                      </a:solidFill>
-                      <a:prstDash val="solid"/>
-                      <a:round/>
-                      <a:headEnd type="none" w="med" len="med"/>
-                      <a:tailEnd type="none" w="med" len="med"/>
-                    </a:lnB>
-                    <a:lnTlToBr w="12700" cap="flat" cmpd="sng" algn="ctr">
-                      <a:noFill/>
-                      <a:prstDash val="solid"/>
-                      <a:round/>
-                      <a:headEnd type="none" w="med" len="med"/>
-                      <a:tailEnd type="none" w="med" len="med"/>
-                    </a:lnTlToBr>
-                    <a:lnBlToTr w="12700" cap="flat" cmpd="sng" algn="ctr">
-                      <a:noFill/>
-                      <a:prstDash val="solid"/>
-                      <a:round/>
-                      <a:headEnd type="none" w="med" len="med"/>
-                      <a:tailEnd type="none" w="med" len="med"/>
-                    </a:lnBlToTr>
-                    <a:gradFill>
-                      <a:gsLst>
-                        <a:gs pos="0">
-                          <a:srgbClr val="F3F3F3"/>
-                        </a:gs>
-                        <a:gs pos="100000">
-                          <a:srgbClr val="F3F3F3"/>
-                        </a:gs>
-                      </a:gsLst>
-                      <a:lin ang="0" scaled="0"/>
-                    </a:gradFill>
-                  </a:tcPr>
-                </a:tc>
-              </a:tr>
-              <a:tr h="1857375">
-                <a:tc>
-                  <a:txBody>
-                    <a:bodyPr wrap="square" rtlCol="0">
-                      <a:spAutoFit/>
-                    </a:bodyPr>
-                    <a:lstStyle/>
-                    <a:p>
-                      <a:pPr algn="l" fontAlgn="base" marL="0" marR="0" indent="0" lvl="0"/>
-                    </a:p>
-                  </a:txBody>
-                  <a:tcPr>
-                    <a:lnL w="12700" cap="flat" cmpd="sng" algn="ctr">
-                      <a:solidFill>
-                        <a:srgbClr val="F3F3F3"/>
-                      </a:solidFill>
-                      <a:prstDash val="solid"/>
-                      <a:round/>
-                      <a:headEnd type="none" w="med" len="med"/>
-                      <a:tailEnd type="none" w="med" len="med"/>
-                    </a:lnL>
-                    <a:lnR w="12700" cap="flat" cmpd="sng" algn="ctr">
-                      <a:solidFill>
-                        <a:srgbClr val="F3F3F3"/>
-                      </a:solidFill>
-                      <a:prstDash val="solid"/>
-                      <a:round/>
-                      <a:headEnd type="none" w="med" len="med"/>
-                      <a:tailEnd type="none" w="med" len="med"/>
-                    </a:lnR>
-                    <a:lnT w="12700" cap="flat" cmpd="sng" algn="ctr">
-                      <a:solidFill>
-                        <a:srgbClr val="F3F3F3"/>
-                      </a:solidFill>
-                      <a:prstDash val="solid"/>
-                      <a:round/>
-                      <a:headEnd type="none" w="med" len="med"/>
-                      <a:tailEnd type="none" w="med" len="med"/>
-                    </a:lnT>
-                    <a:lnB w="12700" cap="flat" cmpd="sng" algn="ctr">
-                      <a:solidFill>
-                        <a:srgbClr val="F3F3F3"/>
-                      </a:solidFill>
-                      <a:prstDash val="solid"/>
-                      <a:round/>
-                      <a:headEnd type="none" w="med" len="med"/>
-                      <a:tailEnd type="none" w="med" len="med"/>
-                    </a:lnB>
-                    <a:lnTlToBr w="12700" cap="flat" cmpd="sng" algn="ctr">
-                      <a:noFill/>
-                      <a:prstDash val="solid"/>
-                      <a:round/>
-                      <a:headEnd type="none" w="med" len="med"/>
-                      <a:tailEnd type="none" w="med" len="med"/>
-                    </a:lnTlToBr>
-                    <a:lnBlToTr w="12700" cap="flat" cmpd="sng" algn="ctr">
-                      <a:noFill/>
-                      <a:prstDash val="solid"/>
-                      <a:round/>
-                      <a:headEnd type="none" w="med" len="med"/>
-                      <a:tailEnd type="none" w="med" len="med"/>
-                    </a:lnBlToTr>
-                    <a:gradFill>
-                      <a:gsLst>
-                        <a:gs pos="0">
-                          <a:srgbClr val="FFFFFF"/>
-                        </a:gs>
-                        <a:gs pos="100000">
-                          <a:srgbClr val="FFFFFF"/>
-                        </a:gs>
-                      </a:gsLst>
-                      <a:lin ang="0" scaled="0"/>
-                    </a:gradFill>
-                  </a:tcPr>
-                </a:tc>
-              </a:tr>
-            </a:tbl>
-          </a:graphicData>
-        </a:graphic>
-      </p:graphicFrame>
-      <p:pic>
-        <p:nvPicPr>
-          <p:cNvPr id="7" name="" descr=""/>
-          <p:cNvPicPr>
-            <a:picLocks noChangeAspect="1"/>
-          </p:cNvPicPr>
-          <p:nvPr/>
-        </p:nvPicPr>
-        <p:blipFill>
-          <a:blip r:embed="rId4"/>
-          <a:stretch>
-            <a:fillRect/>
-          </a:stretch>
-        </p:blipFill>
-        <p:spPr>
-          <a:xfrm rot="0">
-            <a:off x="647700" y="4572000"/>
-            <a:ext cx="2933700" cy="2200275"/>
-          </a:xfrm>
-          <a:prstGeom prst="rect">
-            <a:avLst/>
-          </a:prstGeom>
-        </p:spPr>
-      </p:pic>
-      <p:graphicFrame>
-        <p:nvGraphicFramePr>
-          <p:cNvPr id="8" name="" descr=""/>
-          <p:cNvGraphicFramePr>
-            <a:graphicFrameLocks noGrp="1"/>
-          </p:cNvGraphicFramePr>
-          <p:nvPr/>
-        </p:nvGraphicFramePr>
-        <p:xfrm>
-          <a:off x="3810000" y="4095750"/>
-          <a:ext cx="3028950" cy="0"/>
-        </p:xfrm>
-        <a:graphic>
-          <a:graphicData uri="http://schemas.openxmlformats.org/drawingml/2006/table">
-            <a:tbl>
-              <a:tblPr firstRow="1" bandRow="1"/>
-              <a:tblGrid>
-                <a:gridCol w="3028950"/>
-              </a:tblGrid>
-              <a:tr h="361950">
-                <a:tc>
-                  <a:txBody>
-                    <a:bodyPr wrap="square" rtlCol="0">
-                      <a:spAutoFit/>
-                    </a:bodyPr>
-                    <a:lstStyle/>
-                    <a:p>
-                      <a:pPr algn="ctr" fontAlgn="ctr" marL="0" marR="0" indent="0" lvl="0"/>
-                      <a:r>
-                        <a:rPr b="true" i="false" strike="noStrike" sz="1100" u="none">
-                          <a:solidFill>
-                            <a:srgbClr val="000000"/>
-                          </a:solidFill>
-                          <a:latin typeface="Roboto Condensed"/>
-                        </a:rPr>
-                        <a:t><![CDATA[Sem nome (16)]]></a:t>
-                      </a:r>
-                    </a:p>
-                  </a:txBody>
-                  <a:tcPr anchor="ctr">
-                    <a:lnL w="12700" cap="flat" cmpd="sng" algn="ctr">
-                      <a:solidFill>
-                        <a:srgbClr val="F3F3F3"/>
-                      </a:solidFill>
-                      <a:prstDash val="solid"/>
-                      <a:round/>
-                      <a:headEnd type="none" w="med" len="med"/>
-                      <a:tailEnd type="none" w="med" len="med"/>
-                    </a:lnL>
-                    <a:lnR w="12700" cap="flat" cmpd="sng" algn="ctr">
-                      <a:solidFill>
-                        <a:srgbClr val="F3F3F3"/>
-                      </a:solidFill>
-                      <a:prstDash val="solid"/>
-                      <a:round/>
-                      <a:headEnd type="none" w="med" len="med"/>
-                      <a:tailEnd type="none" w="med" len="med"/>
-                    </a:lnR>
-                    <a:lnT w="12700" cap="flat" cmpd="sng" algn="ctr">
-                      <a:solidFill>
-                        <a:srgbClr val="F3F3F3"/>
-                      </a:solidFill>
-                      <a:prstDash val="solid"/>
-                      <a:round/>
-                      <a:headEnd type="none" w="med" len="med"/>
-                      <a:tailEnd type="none" w="med" len="med"/>
-                    </a:lnT>
-                    <a:lnB w="12700" cap="flat" cmpd="sng" algn="ctr">
-                      <a:solidFill>
-                        <a:srgbClr val="F3F3F3"/>
-                      </a:solidFill>
-                      <a:prstDash val="solid"/>
-                      <a:round/>
-                      <a:headEnd type="none" w="med" len="med"/>
-                      <a:tailEnd type="none" w="med" len="med"/>
-                    </a:lnB>
-                    <a:lnTlToBr w="12700" cap="flat" cmpd="sng" algn="ctr">
-                      <a:noFill/>
-                      <a:prstDash val="solid"/>
-                      <a:round/>
-                      <a:headEnd type="none" w="med" len="med"/>
-                      <a:tailEnd type="none" w="med" len="med"/>
-                    </a:lnTlToBr>
-                    <a:lnBlToTr w="12700" cap="flat" cmpd="sng" algn="ctr">
-                      <a:noFill/>
-                      <a:prstDash val="solid"/>
-                      <a:round/>
-                      <a:headEnd type="none" w="med" len="med"/>
-                      <a:tailEnd type="none" w="med" len="med"/>
-                    </a:lnBlToTr>
-                    <a:gradFill>
-                      <a:gsLst>
-                        <a:gs pos="0">
-                          <a:srgbClr val="F3F3F3"/>
-                        </a:gs>
-                        <a:gs pos="100000">
-                          <a:srgbClr val="F3F3F3"/>
-                        </a:gs>
-                      </a:gsLst>
-                      <a:lin ang="0" scaled="0"/>
-                    </a:gradFill>
-                  </a:tcPr>
-                </a:tc>
-              </a:tr>
-              <a:tr h="1857375">
-                <a:tc>
-                  <a:txBody>
-                    <a:bodyPr wrap="square" rtlCol="0">
-                      <a:spAutoFit/>
-                    </a:bodyPr>
-                    <a:lstStyle/>
-                    <a:p>
-                      <a:pPr algn="l" fontAlgn="base" marL="0" marR="0" indent="0" lvl="0"/>
-                    </a:p>
-                  </a:txBody>
-                  <a:tcPr>
-                    <a:lnL w="12700" cap="flat" cmpd="sng" algn="ctr">
-                      <a:solidFill>
-                        <a:srgbClr val="F3F3F3"/>
-                      </a:solidFill>
-                      <a:prstDash val="solid"/>
-                      <a:round/>
-                      <a:headEnd type="none" w="med" len="med"/>
-                      <a:tailEnd type="none" w="med" len="med"/>
-                    </a:lnL>
-                    <a:lnR w="12700" cap="flat" cmpd="sng" algn="ctr">
-                      <a:solidFill>
-                        <a:srgbClr val="F3F3F3"/>
-                      </a:solidFill>
-                      <a:prstDash val="solid"/>
-                      <a:round/>
-                      <a:headEnd type="none" w="med" len="med"/>
-                      <a:tailEnd type="none" w="med" len="med"/>
-                    </a:lnR>
-                    <a:lnT w="12700" cap="flat" cmpd="sng" algn="ctr">
-                      <a:solidFill>
-                        <a:srgbClr val="F3F3F3"/>
-                      </a:solidFill>
-                      <a:prstDash val="solid"/>
-                      <a:round/>
-                      <a:headEnd type="none" w="med" len="med"/>
-                      <a:tailEnd type="none" w="med" len="med"/>
-                    </a:lnT>
-                    <a:lnB w="12700" cap="flat" cmpd="sng" algn="ctr">
-                      <a:solidFill>
-                        <a:srgbClr val="F3F3F3"/>
-                      </a:solidFill>
-                      <a:prstDash val="solid"/>
-                      <a:round/>
-                      <a:headEnd type="none" w="med" len="med"/>
-                      <a:tailEnd type="none" w="med" len="med"/>
-                    </a:lnB>
-                    <a:lnTlToBr w="12700" cap="flat" cmpd="sng" algn="ctr">
-                      <a:noFill/>
-                      <a:prstDash val="solid"/>
-                      <a:round/>
-                      <a:headEnd type="none" w="med" len="med"/>
-                      <a:tailEnd type="none" w="med" len="med"/>
-                    </a:lnTlToBr>
-                    <a:lnBlToTr w="12700" cap="flat" cmpd="sng" algn="ctr">
-                      <a:noFill/>
-                      <a:prstDash val="solid"/>
-                      <a:round/>
-                      <a:headEnd type="none" w="med" len="med"/>
-                      <a:tailEnd type="none" w="med" len="med"/>
-                    </a:lnBlToTr>
-                    <a:gradFill>
-                      <a:gsLst>
-                        <a:gs pos="0">
-                          <a:srgbClr val="FFFFFF"/>
-                        </a:gs>
-                        <a:gs pos="100000">
-                          <a:srgbClr val="FFFFFF"/>
-                        </a:gs>
-                      </a:gsLst>
-                      <a:lin ang="0" scaled="0"/>
-                    </a:gradFill>
-                  </a:tcPr>
-                </a:tc>
-              </a:tr>
-            </a:tbl>
-          </a:graphicData>
-        </a:graphic>
-      </p:graphicFrame>
-      <p:pic>
-        <p:nvPicPr>
-          <p:cNvPr id="9" name="" descr=""/>
-          <p:cNvPicPr>
-            <a:picLocks noChangeAspect="1"/>
-          </p:cNvPicPr>
-          <p:nvPr/>
-        </p:nvPicPr>
-        <p:blipFill>
-          <a:blip r:embed="rId5"/>
-          <a:stretch>
-            <a:fillRect/>
-          </a:stretch>
-        </p:blipFill>
-        <p:spPr>
-          <a:xfrm rot="0">
-            <a:off x="3857625" y="4572000"/>
-            <a:ext cx="2933700" cy="2200275"/>
-          </a:xfrm>
-          <a:prstGeom prst="rect">
-            <a:avLst/>
-          </a:prstGeom>
-        </p:spPr>
-      </p:pic>
-      <p:graphicFrame>
-        <p:nvGraphicFramePr>
-          <p:cNvPr id="10" name="" descr=""/>
-          <p:cNvGraphicFramePr>
-            <a:graphicFrameLocks noGrp="1"/>
-          </p:cNvGraphicFramePr>
-          <p:nvPr/>
-        </p:nvGraphicFramePr>
-        <p:xfrm>
-          <a:off x="600075" y="6953250"/>
-          <a:ext cx="3028950" cy="0"/>
-        </p:xfrm>
-        <a:graphic>
-          <a:graphicData uri="http://schemas.openxmlformats.org/drawingml/2006/table">
-            <a:tbl>
-              <a:tblPr firstRow="1" bandRow="1"/>
-              <a:tblGrid>
-                <a:gridCol w="3028950"/>
-              </a:tblGrid>
-              <a:tr h="361950">
-                <a:tc>
-                  <a:txBody>
-                    <a:bodyPr wrap="square" rtlCol="0">
-                      <a:spAutoFit/>
-                    </a:bodyPr>
-                    <a:lstStyle/>
-                    <a:p>
-                      <a:pPr algn="ctr" fontAlgn="ctr" marL="0" marR="0" indent="0" lvl="0"/>
-                      <a:r>
-                        <a:rPr b="true" i="false" strike="noStrike" sz="1100" u="none">
-                          <a:solidFill>
-                            <a:srgbClr val="000000"/>
-                          </a:solidFill>
-                          <a:latin typeface="Roboto Condensed"/>
-                        </a:rPr>
-                        <a:t><![CDATA[Sem nome (17)]]></a:t>
-                      </a:r>
-                    </a:p>
-                  </a:txBody>
-                  <a:tcPr anchor="ctr">
-                    <a:lnL w="12700" cap="flat" cmpd="sng" algn="ctr">
-                      <a:solidFill>
-                        <a:srgbClr val="F3F3F3"/>
-                      </a:solidFill>
-                      <a:prstDash val="solid"/>
-                      <a:round/>
-                      <a:headEnd type="none" w="med" len="med"/>
-                      <a:tailEnd type="none" w="med" len="med"/>
-                    </a:lnL>
-                    <a:lnR w="12700" cap="flat" cmpd="sng" algn="ctr">
-                      <a:solidFill>
-                        <a:srgbClr val="F3F3F3"/>
-                      </a:solidFill>
-                      <a:prstDash val="solid"/>
-                      <a:round/>
-                      <a:headEnd type="none" w="med" len="med"/>
-                      <a:tailEnd type="none" w="med" len="med"/>
-                    </a:lnR>
-                    <a:lnT w="12700" cap="flat" cmpd="sng" algn="ctr">
-                      <a:solidFill>
-                        <a:srgbClr val="F3F3F3"/>
-                      </a:solidFill>
-                      <a:prstDash val="solid"/>
-                      <a:round/>
-                      <a:headEnd type="none" w="med" len="med"/>
-                      <a:tailEnd type="none" w="med" len="med"/>
-                    </a:lnT>
-                    <a:lnB w="12700" cap="flat" cmpd="sng" algn="ctr">
-                      <a:solidFill>
-                        <a:srgbClr val="F3F3F3"/>
-                      </a:solidFill>
-                      <a:prstDash val="solid"/>
-                      <a:round/>
-                      <a:headEnd type="none" w="med" len="med"/>
-                      <a:tailEnd type="none" w="med" len="med"/>
-                    </a:lnB>
-                    <a:lnTlToBr w="12700" cap="flat" cmpd="sng" algn="ctr">
-                      <a:noFill/>
-                      <a:prstDash val="solid"/>
-                      <a:round/>
-                      <a:headEnd type="none" w="med" len="med"/>
-                      <a:tailEnd type="none" w="med" len="med"/>
-                    </a:lnTlToBr>
-                    <a:lnBlToTr w="12700" cap="flat" cmpd="sng" algn="ctr">
-                      <a:noFill/>
-                      <a:prstDash val="solid"/>
-                      <a:round/>
-                      <a:headEnd type="none" w="med" len="med"/>
-                      <a:tailEnd type="none" w="med" len="med"/>
-                    </a:lnBlToTr>
-                    <a:gradFill>
-                      <a:gsLst>
-                        <a:gs pos="0">
-                          <a:srgbClr val="F3F3F3"/>
-                        </a:gs>
-                        <a:gs pos="100000">
-                          <a:srgbClr val="F3F3F3"/>
-                        </a:gs>
-                      </a:gsLst>
-                      <a:lin ang="0" scaled="0"/>
-                    </a:gradFill>
-                  </a:tcPr>
-                </a:tc>
-              </a:tr>
-              <a:tr h="1857375">
-                <a:tc>
-                  <a:txBody>
-                    <a:bodyPr wrap="square" rtlCol="0">
-                      <a:spAutoFit/>
-                    </a:bodyPr>
-                    <a:lstStyle/>
-                    <a:p>
-                      <a:pPr algn="l" fontAlgn="base" marL="0" marR="0" indent="0" lvl="0"/>
-                    </a:p>
-                  </a:txBody>
-                  <a:tcPr>
-                    <a:lnL w="12700" cap="flat" cmpd="sng" algn="ctr">
-                      <a:solidFill>
-                        <a:srgbClr val="F3F3F3"/>
-                      </a:solidFill>
-                      <a:prstDash val="solid"/>
-                      <a:round/>
-                      <a:headEnd type="none" w="med" len="med"/>
-                      <a:tailEnd type="none" w="med" len="med"/>
-                    </a:lnL>
-                    <a:lnR w="12700" cap="flat" cmpd="sng" algn="ctr">
-                      <a:solidFill>
-                        <a:srgbClr val="F3F3F3"/>
-                      </a:solidFill>
-                      <a:prstDash val="solid"/>
-                      <a:round/>
-                      <a:headEnd type="none" w="med" len="med"/>
-                      <a:tailEnd type="none" w="med" len="med"/>
-                    </a:lnR>
-                    <a:lnT w="12700" cap="flat" cmpd="sng" algn="ctr">
-                      <a:solidFill>
-                        <a:srgbClr val="F3F3F3"/>
-                      </a:solidFill>
-                      <a:prstDash val="solid"/>
-                      <a:round/>
-                      <a:headEnd type="none" w="med" len="med"/>
-                      <a:tailEnd type="none" w="med" len="med"/>
-                    </a:lnT>
-                    <a:lnB w="12700" cap="flat" cmpd="sng" algn="ctr">
-                      <a:solidFill>
-                        <a:srgbClr val="F3F3F3"/>
-                      </a:solidFill>
-                      <a:prstDash val="solid"/>
-                      <a:round/>
-                      <a:headEnd type="none" w="med" len="med"/>
-                      <a:tailEnd type="none" w="med" len="med"/>
-                    </a:lnB>
-                    <a:lnTlToBr w="12700" cap="flat" cmpd="sng" algn="ctr">
-                      <a:noFill/>
-                      <a:prstDash val="solid"/>
-                      <a:round/>
-                      <a:headEnd type="none" w="med" len="med"/>
-                      <a:tailEnd type="none" w="med" len="med"/>
-                    </a:lnTlToBr>
-                    <a:lnBlToTr w="12700" cap="flat" cmpd="sng" algn="ctr">
-                      <a:noFill/>
-                      <a:prstDash val="solid"/>
-                      <a:round/>
-                      <a:headEnd type="none" w="med" len="med"/>
-                      <a:tailEnd type="none" w="med" len="med"/>
-                    </a:lnBlToTr>
-                    <a:gradFill>
-                      <a:gsLst>
-                        <a:gs pos="0">
-                          <a:srgbClr val="FFFFFF"/>
-                        </a:gs>
-                        <a:gs pos="100000">
-                          <a:srgbClr val="FFFFFF"/>
-                        </a:gs>
-                      </a:gsLst>
-                      <a:lin ang="0" scaled="0"/>
-                    </a:gradFill>
-                  </a:tcPr>
-                </a:tc>
-              </a:tr>
-            </a:tbl>
-          </a:graphicData>
-        </a:graphic>
-      </p:graphicFrame>
-      <p:pic>
-        <p:nvPicPr>
-          <p:cNvPr id="11" name="" descr=""/>
-          <p:cNvPicPr>
-            <a:picLocks noChangeAspect="1"/>
-          </p:cNvPicPr>
-          <p:nvPr/>
-        </p:nvPicPr>
-        <p:blipFill>
-          <a:blip r:embed="rId6"/>
-          <a:stretch>
-            <a:fillRect/>
-          </a:stretch>
-        </p:blipFill>
-        <p:spPr>
-          <a:xfrm rot="0">
-            <a:off x="647700" y="7429500"/>
-            <a:ext cx="2933700" cy="2200275"/>
-          </a:xfrm>
-          <a:prstGeom prst="rect">
-            <a:avLst/>
-          </a:prstGeom>
-        </p:spPr>
-      </p:pic>
-      <p:graphicFrame>
-        <p:nvGraphicFramePr>
-          <p:cNvPr id="12" name="" descr=""/>
-          <p:cNvGraphicFramePr>
-            <a:graphicFrameLocks noGrp="1"/>
-          </p:cNvGraphicFramePr>
-          <p:nvPr/>
-        </p:nvGraphicFramePr>
-        <p:xfrm>
-          <a:off x="3810000" y="6953250"/>
-          <a:ext cx="3028950" cy="0"/>
-        </p:xfrm>
-        <a:graphic>
-          <a:graphicData uri="http://schemas.openxmlformats.org/drawingml/2006/table">
-            <a:tbl>
-              <a:tblPr firstRow="1" bandRow="1"/>
-              <a:tblGrid>
-                <a:gridCol w="3028950"/>
-              </a:tblGrid>
-              <a:tr h="361950">
-                <a:tc>
-                  <a:txBody>
-                    <a:bodyPr wrap="square" rtlCol="0">
-                      <a:spAutoFit/>
-                    </a:bodyPr>
-                    <a:lstStyle/>
-                    <a:p>
-                      <a:pPr algn="ctr" fontAlgn="ctr" marL="0" marR="0" indent="0" lvl="0"/>
-                      <a:r>
-                        <a:rPr b="true" i="false" strike="noStrike" sz="1100" u="none">
-                          <a:solidFill>
-                            <a:srgbClr val="000000"/>
-                          </a:solidFill>
-                          <a:latin typeface="Roboto Condensed"/>
-                        </a:rPr>
-                        <a:t><![CDATA[Sem nome (18)]]></a:t>
-                      </a:r>
-                    </a:p>
-                  </a:txBody>
-                  <a:tcPr anchor="ctr">
-                    <a:lnL w="12700" cap="flat" cmpd="sng" algn="ctr">
-                      <a:solidFill>
-                        <a:srgbClr val="F3F3F3"/>
-                      </a:solidFill>
-                      <a:prstDash val="solid"/>
-                      <a:round/>
-                      <a:headEnd type="none" w="med" len="med"/>
-                      <a:tailEnd type="none" w="med" len="med"/>
-                    </a:lnL>
-                    <a:lnR w="12700" cap="flat" cmpd="sng" algn="ctr">
-                      <a:solidFill>
-                        <a:srgbClr val="F3F3F3"/>
-                      </a:solidFill>
-                      <a:prstDash val="solid"/>
-                      <a:round/>
-                      <a:headEnd type="none" w="med" len="med"/>
-                      <a:tailEnd type="none" w="med" len="med"/>
-                    </a:lnR>
-                    <a:lnT w="12700" cap="flat" cmpd="sng" algn="ctr">
-                      <a:solidFill>
-                        <a:srgbClr val="F3F3F3"/>
-                      </a:solidFill>
-                      <a:prstDash val="solid"/>
-                      <a:round/>
-                      <a:headEnd type="none" w="med" len="med"/>
-                      <a:tailEnd type="none" w="med" len="med"/>
-                    </a:lnT>
-                    <a:lnB w="12700" cap="flat" cmpd="sng" algn="ctr">
-                      <a:solidFill>
-                        <a:srgbClr val="F3F3F3"/>
-                      </a:solidFill>
-                      <a:prstDash val="solid"/>
-                      <a:round/>
-                      <a:headEnd type="none" w="med" len="med"/>
-                      <a:tailEnd type="none" w="med" len="med"/>
-                    </a:lnB>
-                    <a:lnTlToBr w="12700" cap="flat" cmpd="sng" algn="ctr">
-                      <a:noFill/>
-                      <a:prstDash val="solid"/>
-                      <a:round/>
-                      <a:headEnd type="none" w="med" len="med"/>
-                      <a:tailEnd type="none" w="med" len="med"/>
-                    </a:lnTlToBr>
-                    <a:lnBlToTr w="12700" cap="flat" cmpd="sng" algn="ctr">
-                      <a:noFill/>
-                      <a:prstDash val="solid"/>
-                      <a:round/>
-                      <a:headEnd type="none" w="med" len="med"/>
-                      <a:tailEnd type="none" w="med" len="med"/>
-                    </a:lnBlToTr>
-                    <a:gradFill>
-                      <a:gsLst>
-                        <a:gs pos="0">
-                          <a:srgbClr val="F3F3F3"/>
-                        </a:gs>
-                        <a:gs pos="100000">
-                          <a:srgbClr val="F3F3F3"/>
-                        </a:gs>
-                      </a:gsLst>
-                      <a:lin ang="0" scaled="0"/>
-                    </a:gradFill>
-                  </a:tcPr>
-                </a:tc>
-              </a:tr>
-              <a:tr h="1857375">
-                <a:tc>
-                  <a:txBody>
-                    <a:bodyPr wrap="square" rtlCol="0">
-                      <a:spAutoFit/>
-                    </a:bodyPr>
-                    <a:lstStyle/>
-                    <a:p>
-                      <a:pPr algn="l" fontAlgn="base" marL="0" marR="0" indent="0" lvl="0"/>
-                    </a:p>
-                  </a:txBody>
-                  <a:tcPr>
-                    <a:lnL w="12700" cap="flat" cmpd="sng" algn="ctr">
-                      <a:solidFill>
-                        <a:srgbClr val="F3F3F3"/>
-                      </a:solidFill>
-                      <a:prstDash val="solid"/>
-                      <a:round/>
-                      <a:headEnd type="none" w="med" len="med"/>
-                      <a:tailEnd type="none" w="med" len="med"/>
-                    </a:lnL>
-                    <a:lnR w="12700" cap="flat" cmpd="sng" algn="ctr">
-                      <a:solidFill>
-                        <a:srgbClr val="F3F3F3"/>
-                      </a:solidFill>
-                      <a:prstDash val="solid"/>
-                      <a:round/>
-                      <a:headEnd type="none" w="med" len="med"/>
-                      <a:tailEnd type="none" w="med" len="med"/>
-                    </a:lnR>
-                    <a:lnT w="12700" cap="flat" cmpd="sng" algn="ctr">
-                      <a:solidFill>
-                        <a:srgbClr val="F3F3F3"/>
-                      </a:solidFill>
-                      <a:prstDash val="solid"/>
-                      <a:round/>
-                      <a:headEnd type="none" w="med" len="med"/>
-                      <a:tailEnd type="none" w="med" len="med"/>
-                    </a:lnT>
-                    <a:lnB w="12700" cap="flat" cmpd="sng" algn="ctr">
-                      <a:solidFill>
-                        <a:srgbClr val="F3F3F3"/>
-                      </a:solidFill>
-                      <a:prstDash val="solid"/>
-                      <a:round/>
-                      <a:headEnd type="none" w="med" len="med"/>
-                      <a:tailEnd type="none" w="med" len="med"/>
-                    </a:lnB>
-                    <a:lnTlToBr w="12700" cap="flat" cmpd="sng" algn="ctr">
-                      <a:noFill/>
-                      <a:prstDash val="solid"/>
-                      <a:round/>
-                      <a:headEnd type="none" w="med" len="med"/>
-                      <a:tailEnd type="none" w="med" len="med"/>
-                    </a:lnTlToBr>
-                    <a:lnBlToTr w="12700" cap="flat" cmpd="sng" algn="ctr">
-                      <a:noFill/>
-                      <a:prstDash val="solid"/>
-                      <a:round/>
-                      <a:headEnd type="none" w="med" len="med"/>
-                      <a:tailEnd type="none" w="med" len="med"/>
-                    </a:lnBlToTr>
-                    <a:gradFill>
-                      <a:gsLst>
-                        <a:gs pos="0">
-                          <a:srgbClr val="FFFFFF"/>
-                        </a:gs>
-                        <a:gs pos="100000">
-                          <a:srgbClr val="FFFFFF"/>
-                        </a:gs>
-                      </a:gsLst>
-                      <a:lin ang="0" scaled="0"/>
-                    </a:gradFill>
-                  </a:tcPr>
-                </a:tc>
-              </a:tr>
-            </a:tbl>
-          </a:graphicData>
-        </a:graphic>
-      </p:graphicFrame>
-      <p:pic>
-        <p:nvPicPr>
-          <p:cNvPr id="13" name="" descr=""/>
-          <p:cNvPicPr>
-            <a:picLocks noChangeAspect="1"/>
-          </p:cNvPicPr>
-          <p:nvPr/>
-        </p:nvPicPr>
-        <p:blipFill>
-          <a:blip r:embed="rId7"/>
-          <a:stretch>
-            <a:fillRect/>
-          </a:stretch>
-        </p:blipFill>
-        <p:spPr>
-          <a:xfrm rot="0">
-            <a:off x="3857625" y="7429500"/>
-            <a:ext cx="2933700" cy="2200275"/>
-          </a:xfrm>
-          <a:prstGeom prst="rect">
-            <a:avLst/>
-          </a:prstGeom>
-        </p:spPr>
-      </p:pic>
-      <p:pic>
-        <p:nvPicPr>
-          <p:cNvPr id="14" name="" descr=""/>
-          <p:cNvPicPr>
-            <a:picLocks noChangeAspect="1"/>
-          </p:cNvPicPr>
-          <p:nvPr/>
-        </p:nvPicPr>
-        <p:blipFill>
-          <a:blip r:embed="rId8"/>
-          <a:stretch>
-            <a:fillRect/>
-          </a:stretch>
-        </p:blipFill>
-        <p:spPr>
-          <a:xfrm rot="0">
-            <a:off x="285750" y="9944100"/>
-            <a:ext cx="1495425" cy="190500"/>
-          </a:xfrm>
-          <a:prstGeom prst="rect">
-            <a:avLst/>
-          </a:prstGeom>
-        </p:spPr>
-      </p:pic>
-      <p:sp>
-        <p:nvSpPr>
-          <p:cNvPr id="15" name=""/>
-          <p:cNvSpPr txBox="1"/>
-          <p:nvPr/>
-        </p:nvSpPr>
-        <p:spPr>
-          <a:xfrm rot="0">
-            <a:off x="666750" y="9906000"/>
-            <a:ext cx="6667500" cy="381000"/>
-          </a:xfrm>
-          <a:prstGeom prst="rect"/>
-        </p:spPr>
-        <p:txBody>
-          <a:bodyPr wrap="square" rtlCol="0" horzOverflow="overflow" vertOverflow="overflow" bIns="45720" lIns="91440" rIns="91440" tIns="45720" numCol="1">
-            <a:spAutoFit/>
-          </a:bodyPr>
-          <a:lstStyle/>
-          <a:p>
-            <a:pPr algn="ctr" fontAlgn="base" marL="0" marR="0" indent="0" lvl="0"/>
-            <a:r>
-              <a:rPr b="true" i="false" strike="noStrike" sz="1000" u="none">
-                <a:solidFill>
-                  <a:srgbClr val="000000"/>
-                </a:solidFill>
-                <a:latin typeface="Calibri"/>
-              </a:rPr>
-              <a:t><![CDATA[OPEC: ]]></a:t>
-            </a:r>
-            <a:r>
-              <a:rPr b="false" i="false" strike="noStrike" sz="800" u="none">
-                <a:solidFill>
-                  <a:srgbClr val="000000"/>
-                </a:solidFill>
-                <a:latin typeface="Roboto Condensed"/>
-              </a:rPr>
-              <a:t><![CDATA[Rafael Rodrigo de AraÃºjo de Souza _ CPF: 736.922.981-53 _ RG: 2.378.507 - SSP/DF]]></a:t>
-            </a:r>
-          </a:p>
-        </p:txBody>
-      </p:sp>
-      <p:sp>
-        <p:nvSpPr>
-          <p:cNvPr id="16" name=""/>
-          <p:cNvSpPr txBox="1"/>
-          <p:nvPr/>
-        </p:nvSpPr>
-        <p:spPr>
-          <a:xfrm rot="0">
-            <a:off x="6953250" y="9953625"/>
-            <a:ext cx="571500" cy="285750"/>
-          </a:xfrm>
-          <a:prstGeom prst="rect"/>
-        </p:spPr>
-        <p:txBody>
-          <a:bodyPr wrap="square" rtlCol="0" horzOverflow="overflow" vertOverflow="overflow" bIns="45720" lIns="91440" rIns="91440" tIns="45720" numCol="1">
-            <a:spAutoFit/>
-          </a:bodyPr>
-          <a:lstStyle/>
-          <a:p>
-            <a:pPr algn="ctr" fontAlgn="base" marL="0" marR="0" indent="0" lvl="0"/>
-            <a:r>
-              <a:rPr b="false" i="false" strike="noStrike" sz="900" u="none">
-                <a:solidFill>
-                  <a:srgbClr val="000000"/>
-                </a:solidFill>
-                <a:latin typeface="Roboto Condensed"/>
-              </a:rPr>
-              <a:t><![CDATA[6]]></a:t>
-            </a:r>
-            <a:br/>
-          </a:p>
-        </p:txBody>
-      </p:sp>
-    </p:spTree>
-  </p:cSld>
-  <p:clrMapOvr>
-    <a:masterClrMapping/>
-  </p:clrMapOvr>
-</p:sld>
-</file>
-
-<file path=ppt/slides/slide7.xml><?xml version="1.0" encoding="utf-8"?>
-<p:sld xmlns:a="http://schemas.openxmlformats.org/drawingml/2006/main" xmlns:r="http://schemas.openxmlformats.org/officeDocument/2006/relationships" xmlns:p="http://schemas.openxmlformats.org/presentationml/2006/main">
-  <p:cSld>
-    <p:spTree>
-      <p:nvGrpSpPr>
-        <p:cNvPr id="1" name=""/>
-        <p:cNvGrpSpPr/>
-        <p:nvPr/>
-      </p:nvGrpSpPr>
-      <p:grpSpPr>
-        <a:xfrm>
-          <a:off x="0" y="0"/>
-          <a:ext cx="0" cy="0"/>
-          <a:chOff x="0" y="0"/>
-          <a:chExt cx="0" cy="0"/>
-        </a:xfrm>
-      </p:grpSpPr>
-      <p:graphicFrame>
-        <p:nvGraphicFramePr>
-          <p:cNvPr id="1" name="" descr=""/>
-          <p:cNvGraphicFramePr>
-            <a:graphicFrameLocks noGrp="1"/>
-          </p:cNvGraphicFramePr>
-          <p:nvPr/>
-        </p:nvGraphicFramePr>
-        <p:xfrm>
-          <a:off x="619125" y="381000"/>
-          <a:ext cx="8953500" cy="0"/>
-        </p:xfrm>
-        <a:graphic>
-          <a:graphicData uri="http://schemas.openxmlformats.org/drawingml/2006/table">
-            <a:tbl>
-              <a:tblPr firstRow="1" bandRow="1"/>
-              <a:tblGrid>
-                <a:gridCol w="666750"/>
-                <a:gridCol w="1428750"/>
-                <a:gridCol w="762000"/>
-                <a:gridCol w="1905000"/>
-                <a:gridCol w="571500"/>
-                <a:gridCol w="857250"/>
-              </a:tblGrid>
-              <a:tr h="142875">
-                <a:tc>
-                  <a:txBody>
-                    <a:bodyPr wrap="square" rtlCol="0">
-                      <a:spAutoFit/>
-                    </a:bodyPr>
-                    <a:lstStyle/>
-                    <a:p>
-                      <a:pPr algn="l" fontAlgn="ctr" marL="0" marR="0" indent="0" lvl="0"/>
-                      <a:r>
-                        <a:rPr b="true" i="false" strike="noStrike" sz="900" u="none">
-                          <a:solidFill>
-                            <a:srgbClr val="FFFFFF"/>
-                          </a:solidFill>
-                          <a:latin typeface="Roboto Condensed"/>
-                        </a:rPr>
-                        <a:t><![CDATA[CLIENTE]]></a:t>
-                      </a:r>
-                    </a:p>
-                  </a:txBody>
-                  <a:tcPr anchor="ctr">
-                    <a:lnL w="12700" cap="flat" cmpd="sng" algn="ctr">
-                      <a:solidFill>
-                        <a:srgbClr val="000000"/>
-                      </a:solidFill>
-                      <a:prstDash val="solid"/>
-                      <a:round/>
-                      <a:headEnd type="none" w="med" len="med"/>
-                      <a:tailEnd type="none" w="med" len="med"/>
-                    </a:lnL>
-                    <a:lnR w="12700" cap="flat" cmpd="sng" algn="ctr">
-                      <a:solidFill>
-                        <a:srgbClr val="000000"/>
-                      </a:solidFill>
-                      <a:prstDash val="solid"/>
-                      <a:round/>
-                      <a:headEnd type="none" w="med" len="med"/>
-                      <a:tailEnd type="none" w="med" len="med"/>
-                    </a:lnR>
-                    <a:lnT w="12700" cap="flat" cmpd="sng" algn="ctr">
-                      <a:solidFill>
-                        <a:srgbClr val="000000"/>
-                      </a:solidFill>
-                      <a:prstDash val="solid"/>
-                      <a:round/>
-                      <a:headEnd type="none" w="med" len="med"/>
-                      <a:tailEnd type="none" w="med" len="med"/>
-                    </a:lnT>
-                    <a:lnB w="12700" cap="flat" cmpd="sng" algn="ctr">
-                      <a:solidFill>
-                        <a:srgbClr val="000000"/>
-                      </a:solidFill>
-                      <a:prstDash val="solid"/>
-                      <a:round/>
-                      <a:headEnd type="none" w="med" len="med"/>
-                      <a:tailEnd type="none" w="med" len="med"/>
-                    </a:lnB>
-                    <a:lnTlToBr w="12700" cap="flat" cmpd="sng" algn="ctr">
-                      <a:noFill/>
-                      <a:prstDash val="solid"/>
-                      <a:round/>
-                      <a:headEnd type="none" w="med" len="med"/>
-                      <a:tailEnd type="none" w="med" len="med"/>
-                    </a:lnTlToBr>
-                    <a:lnBlToTr w="12700" cap="flat" cmpd="sng" algn="ctr">
-                      <a:noFill/>
-                      <a:prstDash val="solid"/>
-                      <a:round/>
-                      <a:headEnd type="none" w="med" len="med"/>
-                      <a:tailEnd type="none" w="med" len="med"/>
-                    </a:lnBlToTr>
-                    <a:gradFill>
-                      <a:gsLst>
-                        <a:gs pos="0">
-                          <a:srgbClr val="674ea7"/>
-                        </a:gs>
-                        <a:gs pos="100000">
-                          <a:srgbClr val="674ea7"/>
-                        </a:gs>
-                      </a:gsLst>
-                      <a:lin ang="0" scaled="0"/>
-                    </a:gradFill>
-                  </a:tcPr>
-                </a:tc>
-                <a:tc>
-                  <a:txBody>
-                    <a:bodyPr wrap="square" rtlCol="0">
-                      <a:spAutoFit/>
-                    </a:bodyPr>
-                    <a:lstStyle/>
-                    <a:p>
-                      <a:pPr algn="l" fontAlgn="ctr" marL="0" marR="0" indent="0" lvl="0"/>
-                      <a:r>
-                        <a:rPr b="false" i="false" strike="noStrike" sz="900" u="none">
-                          <a:solidFill>
-                            <a:srgbClr val="000000"/>
-                          </a:solidFill>
-                          <a:latin typeface="Roboto Condensed"/>
-                        </a:rPr>
-                        <a:t><![CDATA[Himeji Sushi Bar ]]></a:t>
-                      </a:r>
-                    </a:p>
-                  </a:txBody>
-                  <a:tcPr anchor="ctr">
-                    <a:lnL w="12700" cap="flat" cmpd="sng" algn="ctr">
-                      <a:solidFill>
-                        <a:srgbClr val="000000"/>
-                      </a:solidFill>
-                      <a:prstDash val="solid"/>
-                      <a:round/>
-                      <a:headEnd type="none" w="med" len="med"/>
-                      <a:tailEnd type="none" w="med" len="med"/>
-                    </a:lnL>
-                    <a:lnR w="12700" cap="flat" cmpd="sng" algn="ctr">
-                      <a:solidFill>
-                        <a:srgbClr val="000000"/>
-                      </a:solidFill>
-                      <a:prstDash val="solid"/>
-                      <a:round/>
-                      <a:headEnd type="none" w="med" len="med"/>
-                      <a:tailEnd type="none" w="med" len="med"/>
-                    </a:lnR>
-                    <a:lnT w="12700" cap="flat" cmpd="sng" algn="ctr">
-                      <a:solidFill>
-                        <a:srgbClr val="000000"/>
-                      </a:solidFill>
-                      <a:prstDash val="solid"/>
-                      <a:round/>
-                      <a:headEnd type="none" w="med" len="med"/>
-                      <a:tailEnd type="none" w="med" len="med"/>
-                    </a:lnT>
-                    <a:lnB w="12700" cap="flat" cmpd="sng" algn="ctr">
-                      <a:solidFill>
-                        <a:srgbClr val="000000"/>
-                      </a:solidFill>
-                      <a:prstDash val="solid"/>
-                      <a:round/>
-                      <a:headEnd type="none" w="med" len="med"/>
-                      <a:tailEnd type="none" w="med" len="med"/>
-                    </a:lnB>
-                    <a:lnTlToBr w="12700" cap="flat" cmpd="sng" algn="ctr">
-                      <a:noFill/>
-                      <a:prstDash val="solid"/>
-                      <a:round/>
-                      <a:headEnd type="none" w="med" len="med"/>
-                      <a:tailEnd type="none" w="med" len="med"/>
-                    </a:lnTlToBr>
-                    <a:lnBlToTr w="12700" cap="flat" cmpd="sng" algn="ctr">
-                      <a:noFill/>
-                      <a:prstDash val="solid"/>
-                      <a:round/>
-                      <a:headEnd type="none" w="med" len="med"/>
-                      <a:tailEnd type="none" w="med" len="med"/>
-                    </a:lnBlToTr>
-                    <a:gradFill>
-                      <a:gsLst>
-                        <a:gs pos="0">
-                          <a:srgbClr val="FFFFFF"/>
-                        </a:gs>
-                        <a:gs pos="100000">
-                          <a:srgbClr val="FFFFFF"/>
-                        </a:gs>
-                      </a:gsLst>
-                      <a:lin ang="0" scaled="0"/>
-                    </a:gradFill>
-                  </a:tcPr>
-                </a:tc>
-                <a:tc>
-                  <a:txBody>
-                    <a:bodyPr wrap="square" rtlCol="0">
-                      <a:spAutoFit/>
-                    </a:bodyPr>
-                    <a:lstStyle/>
-                    <a:p>
-                      <a:pPr algn="l" fontAlgn="ctr" marL="0" marR="0" indent="0" lvl="0"/>
-                      <a:r>
-                        <a:rPr b="true" i="false" strike="noStrike" sz="900" u="none">
-                          <a:solidFill>
-                            <a:srgbClr val="FFFFFF"/>
-                          </a:solidFill>
-                          <a:latin typeface="Roboto Condensed"/>
-                        </a:rPr>
-                        <a:t><![CDATA[CAMPANHA]]></a:t>
-                      </a:r>
-                    </a:p>
-                  </a:txBody>
-                  <a:tcPr anchor="ctr">
-                    <a:lnL w="12700" cap="flat" cmpd="sng" algn="ctr">
-                      <a:solidFill>
-                        <a:srgbClr val="000000"/>
-                      </a:solidFill>
-                      <a:prstDash val="solid"/>
-                      <a:round/>
-                      <a:headEnd type="none" w="med" len="med"/>
-                      <a:tailEnd type="none" w="med" len="med"/>
-                    </a:lnL>
-                    <a:lnR w="12700" cap="flat" cmpd="sng" algn="ctr">
-                      <a:solidFill>
-                        <a:srgbClr val="000000"/>
-                      </a:solidFill>
-                      <a:prstDash val="solid"/>
-                      <a:round/>
-                      <a:headEnd type="none" w="med" len="med"/>
-                      <a:tailEnd type="none" w="med" len="med"/>
-                    </a:lnR>
-                    <a:lnT w="12700" cap="flat" cmpd="sng" algn="ctr">
-                      <a:solidFill>
-                        <a:srgbClr val="000000"/>
-                      </a:solidFill>
-                      <a:prstDash val="solid"/>
-                      <a:round/>
-                      <a:headEnd type="none" w="med" len="med"/>
-                      <a:tailEnd type="none" w="med" len="med"/>
-                    </a:lnT>
-                    <a:lnB w="12700" cap="flat" cmpd="sng" algn="ctr">
-                      <a:solidFill>
-                        <a:srgbClr val="000000"/>
-                      </a:solidFill>
-                      <a:prstDash val="solid"/>
-                      <a:round/>
-                      <a:headEnd type="none" w="med" len="med"/>
-                      <a:tailEnd type="none" w="med" len="med"/>
-                    </a:lnB>
-                    <a:lnTlToBr w="12700" cap="flat" cmpd="sng" algn="ctr">
-                      <a:noFill/>
-                      <a:prstDash val="solid"/>
-                      <a:round/>
-                      <a:headEnd type="none" w="med" len="med"/>
-                      <a:tailEnd type="none" w="med" len="med"/>
-                    </a:lnTlToBr>
-                    <a:lnBlToTr w="12700" cap="flat" cmpd="sng" algn="ctr">
-                      <a:noFill/>
-                      <a:prstDash val="solid"/>
-                      <a:round/>
-                      <a:headEnd type="none" w="med" len="med"/>
-                      <a:tailEnd type="none" w="med" len="med"/>
-                    </a:lnBlToTr>
-                    <a:gradFill>
-                      <a:gsLst>
-                        <a:gs pos="0">
-                          <a:srgbClr val="674ea7"/>
-                        </a:gs>
-                        <a:gs pos="100000">
-                          <a:srgbClr val="674ea7"/>
-                        </a:gs>
-                      </a:gsLst>
-                      <a:lin ang="0" scaled="0"/>
-                    </a:gradFill>
-                  </a:tcPr>
-                </a:tc>
-                <a:tc>
-                  <a:txBody>
-                    <a:bodyPr wrap="square" rtlCol="0">
-                      <a:spAutoFit/>
-                    </a:bodyPr>
-                    <a:lstStyle/>
-                    <a:p>
-                      <a:pPr algn="l" fontAlgn="ctr" marL="0" marR="0" indent="0" lvl="0"/>
-                      <a:r>
-                        <a:rPr b="false" i="false" strike="noStrike" sz="900" u="none">
-                          <a:solidFill>
-                            <a:srgbClr val="000000"/>
-                          </a:solidFill>
-                          <a:latin typeface="Roboto Condensed"/>
-                        </a:rPr>
-                        <a:t><![CDATA[VAREJO AGOSTO 2017 ]]></a:t>
-                      </a:r>
-                    </a:p>
-                  </a:txBody>
-                  <a:tcPr anchor="ctr">
-                    <a:lnL w="12700" cap="flat" cmpd="sng" algn="ctr">
-                      <a:solidFill>
-                        <a:srgbClr val="000000"/>
-                      </a:solidFill>
-                      <a:prstDash val="solid"/>
-                      <a:round/>
-                      <a:headEnd type="none" w="med" len="med"/>
-                      <a:tailEnd type="none" w="med" len="med"/>
-                    </a:lnL>
-                    <a:lnR w="12700" cap="flat" cmpd="sng" algn="ctr">
-                      <a:solidFill>
-                        <a:srgbClr val="000000"/>
-                      </a:solidFill>
-                      <a:prstDash val="solid"/>
-                      <a:round/>
-                      <a:headEnd type="none" w="med" len="med"/>
-                      <a:tailEnd type="none" w="med" len="med"/>
-                    </a:lnR>
-                    <a:lnT w="12700" cap="flat" cmpd="sng" algn="ctr">
-                      <a:solidFill>
-                        <a:srgbClr val="000000"/>
-                      </a:solidFill>
-                      <a:prstDash val="solid"/>
-                      <a:round/>
-                      <a:headEnd type="none" w="med" len="med"/>
-                      <a:tailEnd type="none" w="med" len="med"/>
-                    </a:lnT>
-                    <a:lnB w="12700" cap="flat" cmpd="sng" algn="ctr">
-                      <a:solidFill>
-                        <a:srgbClr val="000000"/>
-                      </a:solidFill>
-                      <a:prstDash val="solid"/>
-                      <a:round/>
-                      <a:headEnd type="none" w="med" len="med"/>
-                      <a:tailEnd type="none" w="med" len="med"/>
-                    </a:lnB>
-                    <a:lnTlToBr w="12700" cap="flat" cmpd="sng" algn="ctr">
-                      <a:noFill/>
-                      <a:prstDash val="solid"/>
-                      <a:round/>
-                      <a:headEnd type="none" w="med" len="med"/>
-                      <a:tailEnd type="none" w="med" len="med"/>
-                    </a:lnTlToBr>
-                    <a:lnBlToTr w="12700" cap="flat" cmpd="sng" algn="ctr">
-                      <a:noFill/>
-                      <a:prstDash val="solid"/>
-                      <a:round/>
-                      <a:headEnd type="none" w="med" len="med"/>
-                      <a:tailEnd type="none" w="med" len="med"/>
-                    </a:lnBlToTr>
-                    <a:gradFill>
-                      <a:gsLst>
-                        <a:gs pos="0">
-                          <a:srgbClr val="FFFFFF"/>
-                        </a:gs>
-                        <a:gs pos="100000">
-                          <a:srgbClr val="FFFFFF"/>
-                        </a:gs>
-                      </a:gsLst>
-                      <a:lin ang="0" scaled="0"/>
-                    </a:gradFill>
-                  </a:tcPr>
-                </a:tc>
-                <a:tc>
-                  <a:txBody>
-                    <a:bodyPr wrap="square" rtlCol="0">
-                      <a:spAutoFit/>
-                    </a:bodyPr>
-                    <a:lstStyle/>
-                    <a:p>
-                      <a:pPr algn="l" fontAlgn="ctr" marL="0" marR="0" indent="0" lvl="0"/>
-                      <a:r>
-                        <a:rPr b="true" i="false" strike="noStrike" sz="900" u="none">
-                          <a:solidFill>
-                            <a:srgbClr val="FFFFFF"/>
-                          </a:solidFill>
-                          <a:latin typeface="Roboto Condensed"/>
-                        </a:rPr>
-                        <a:t><![CDATA[INICIO]]></a:t>
-                      </a:r>
-                    </a:p>
-                  </a:txBody>
-                  <a:tcPr anchor="ctr">
-                    <a:lnL w="12700" cap="flat" cmpd="sng" algn="ctr">
-                      <a:solidFill>
-                        <a:srgbClr val="000000"/>
-                      </a:solidFill>
-                      <a:prstDash val="solid"/>
-                      <a:round/>
-                      <a:headEnd type="none" w="med" len="med"/>
-                      <a:tailEnd type="none" w="med" len="med"/>
-                    </a:lnL>
-                    <a:lnR w="12700" cap="flat" cmpd="sng" algn="ctr">
-                      <a:solidFill>
-                        <a:srgbClr val="000000"/>
-                      </a:solidFill>
-                      <a:prstDash val="solid"/>
-                      <a:round/>
-                      <a:headEnd type="none" w="med" len="med"/>
-                      <a:tailEnd type="none" w="med" len="med"/>
-                    </a:lnR>
-                    <a:lnT w="12700" cap="flat" cmpd="sng" algn="ctr">
-                      <a:solidFill>
-                        <a:srgbClr val="000000"/>
-                      </a:solidFill>
-                      <a:prstDash val="solid"/>
-                      <a:round/>
-                      <a:headEnd type="none" w="med" len="med"/>
-                      <a:tailEnd type="none" w="med" len="med"/>
-                    </a:lnT>
-                    <a:lnB w="12700" cap="flat" cmpd="sng" algn="ctr">
-                      <a:solidFill>
-                        <a:srgbClr val="000000"/>
-                      </a:solidFill>
-                      <a:prstDash val="solid"/>
-                      <a:round/>
-                      <a:headEnd type="none" w="med" len="med"/>
-                      <a:tailEnd type="none" w="med" len="med"/>
-                    </a:lnB>
-                    <a:lnTlToBr w="12700" cap="flat" cmpd="sng" algn="ctr">
-                      <a:noFill/>
-                      <a:prstDash val="solid"/>
-                      <a:round/>
-                      <a:headEnd type="none" w="med" len="med"/>
-                      <a:tailEnd type="none" w="med" len="med"/>
-                    </a:lnTlToBr>
-                    <a:lnBlToTr w="12700" cap="flat" cmpd="sng" algn="ctr">
-                      <a:noFill/>
-                      <a:prstDash val="solid"/>
-                      <a:round/>
-                      <a:headEnd type="none" w="med" len="med"/>
-                      <a:tailEnd type="none" w="med" len="med"/>
-                    </a:lnBlToTr>
-                    <a:gradFill>
-                      <a:gsLst>
-                        <a:gs pos="0">
-                          <a:srgbClr val="674ea7"/>
-                        </a:gs>
-                        <a:gs pos="100000">
-                          <a:srgbClr val="674ea7"/>
-                        </a:gs>
-                      </a:gsLst>
-                      <a:lin ang="0" scaled="0"/>
-                    </a:gradFill>
-                  </a:tcPr>
-                </a:tc>
-                <a:tc>
-                  <a:txBody>
-                    <a:bodyPr wrap="square" rtlCol="0">
-                      <a:spAutoFit/>
-                    </a:bodyPr>
-                    <a:lstStyle/>
-                    <a:p>
-                      <a:pPr algn="l" fontAlgn="ctr" marL="0" marR="0" indent="0" lvl="0"/>
-                      <a:r>
-                        <a:rPr b="false" i="false" strike="noStrike" sz="900" u="none">
-                          <a:solidFill>
-                            <a:srgbClr val="000000"/>
-                          </a:solidFill>
-                          <a:latin typeface="Roboto Condensed"/>
-                        </a:rPr>
-                        <a:t><![CDATA[01/08/2017]]></a:t>
-                      </a:r>
-                    </a:p>
-                  </a:txBody>
-                  <a:tcPr anchor="ctr">
-                    <a:lnL w="12700" cap="flat" cmpd="sng" algn="ctr">
-                      <a:solidFill>
-                        <a:srgbClr val="000000"/>
-                      </a:solidFill>
-                      <a:prstDash val="solid"/>
-                      <a:round/>
-                      <a:headEnd type="none" w="med" len="med"/>
-                      <a:tailEnd type="none" w="med" len="med"/>
-                    </a:lnL>
-                    <a:lnR w="12700" cap="flat" cmpd="sng" algn="ctr">
-                      <a:solidFill>
-                        <a:srgbClr val="000000"/>
-                      </a:solidFill>
-                      <a:prstDash val="solid"/>
-                      <a:round/>
-                      <a:headEnd type="none" w="med" len="med"/>
-                      <a:tailEnd type="none" w="med" len="med"/>
-                    </a:lnR>
-                    <a:lnT w="12700" cap="flat" cmpd="sng" algn="ctr">
-                      <a:solidFill>
-                        <a:srgbClr val="000000"/>
-                      </a:solidFill>
-                      <a:prstDash val="solid"/>
-                      <a:round/>
-                      <a:headEnd type="none" w="med" len="med"/>
-                      <a:tailEnd type="none" w="med" len="med"/>
-                    </a:lnT>
-                    <a:lnB w="12700" cap="flat" cmpd="sng" algn="ctr">
-                      <a:solidFill>
-                        <a:srgbClr val="000000"/>
-                      </a:solidFill>
-                      <a:prstDash val="solid"/>
-                      <a:round/>
-                      <a:headEnd type="none" w="med" len="med"/>
-                      <a:tailEnd type="none" w="med" len="med"/>
-                    </a:lnB>
-                    <a:lnTlToBr w="12700" cap="flat" cmpd="sng" algn="ctr">
-                      <a:noFill/>
-                      <a:prstDash val="solid"/>
-                      <a:round/>
-                      <a:headEnd type="none" w="med" len="med"/>
-                      <a:tailEnd type="none" w="med" len="med"/>
-                    </a:lnTlToBr>
-                    <a:lnBlToTr w="12700" cap="flat" cmpd="sng" algn="ctr">
-                      <a:noFill/>
-                      <a:prstDash val="solid"/>
-                      <a:round/>
-                      <a:headEnd type="none" w="med" len="med"/>
-                      <a:tailEnd type="none" w="med" len="med"/>
-                    </a:lnBlToTr>
-                    <a:gradFill>
-                      <a:gsLst>
-                        <a:gs pos="0">
-                          <a:srgbClr val="FFFFFF"/>
-                        </a:gs>
-                        <a:gs pos="100000">
-                          <a:srgbClr val="FFFFFF"/>
-                        </a:gs>
-                      </a:gsLst>
-                      <a:lin ang="0" scaled="0"/>
-                    </a:gradFill>
-                  </a:tcPr>
-                </a:tc>
-              </a:tr>
-              <a:tr h="142875">
-                <a:tc>
-                  <a:txBody>
-                    <a:bodyPr wrap="square" rtlCol="0">
-                      <a:spAutoFit/>
-                    </a:bodyPr>
-                    <a:lstStyle/>
-                    <a:p>
-                      <a:pPr algn="l" fontAlgn="base" marL="0" marR="0" indent="0" lvl="0"/>
-                      <a:r>
-                        <a:rPr b="true" i="false" strike="noStrike" sz="900" u="none">
-                          <a:solidFill>
-                            <a:srgbClr val="FFFFFF"/>
-                          </a:solidFill>
-                          <a:latin typeface="Roboto Condensed"/>
-                        </a:rPr>
-                        <a:t><![CDATA[PRODUTO]]></a:t>
-                      </a:r>
-                    </a:p>
-                  </a:txBody>
-                  <a:tcPr>
-                    <a:lnL w="12700" cap="flat" cmpd="sng" algn="ctr">
-                      <a:solidFill>
-                        <a:srgbClr val="000000"/>
-                      </a:solidFill>
-                      <a:prstDash val="solid"/>
-                      <a:round/>
-                      <a:headEnd type="none" w="med" len="med"/>
-                      <a:tailEnd type="none" w="med" len="med"/>
-                    </a:lnL>
-                    <a:lnR w="12700" cap="flat" cmpd="sng" algn="ctr">
-                      <a:solidFill>
-                        <a:srgbClr val="000000"/>
-                      </a:solidFill>
-                      <a:prstDash val="solid"/>
-                      <a:round/>
-                      <a:headEnd type="none" w="med" len="med"/>
-                      <a:tailEnd type="none" w="med" len="med"/>
-                    </a:lnR>
-                    <a:lnT w="12700" cap="flat" cmpd="sng" algn="ctr">
-                      <a:solidFill>
-                        <a:srgbClr val="000000"/>
-                      </a:solidFill>
-                      <a:prstDash val="solid"/>
-                      <a:round/>
-                      <a:headEnd type="none" w="med" len="med"/>
-                      <a:tailEnd type="none" w="med" len="med"/>
-                    </a:lnT>
-                    <a:lnB w="12700" cap="flat" cmpd="sng" algn="ctr">
-                      <a:solidFill>
-                        <a:srgbClr val="000000"/>
-                      </a:solidFill>
-                      <a:prstDash val="solid"/>
-                      <a:round/>
-                      <a:headEnd type="none" w="med" len="med"/>
-                      <a:tailEnd type="none" w="med" len="med"/>
-                    </a:lnB>
-                    <a:lnTlToBr w="12700" cap="flat" cmpd="sng" algn="ctr">
-                      <a:noFill/>
-                      <a:prstDash val="solid"/>
-                      <a:round/>
-                      <a:headEnd type="none" w="med" len="med"/>
-                      <a:tailEnd type="none" w="med" len="med"/>
-                    </a:lnTlToBr>
-                    <a:lnBlToTr w="12700" cap="flat" cmpd="sng" algn="ctr">
-                      <a:noFill/>
-                      <a:prstDash val="solid"/>
-                      <a:round/>
-                      <a:headEnd type="none" w="med" len="med"/>
-                      <a:tailEnd type="none" w="med" len="med"/>
-                    </a:lnBlToTr>
-                    <a:gradFill>
-                      <a:gsLst>
-                        <a:gs pos="0">
-                          <a:srgbClr val="674ea7"/>
-                        </a:gs>
-                        <a:gs pos="100000">
-                          <a:srgbClr val="674ea7"/>
-                        </a:gs>
-                      </a:gsLst>
-                      <a:lin ang="0" scaled="0"/>
-                    </a:gradFill>
-                  </a:tcPr>
-                </a:tc>
-                <a:tc>
-                  <a:txBody>
-                    <a:bodyPr wrap="square" rtlCol="0">
-                      <a:spAutoFit/>
-                    </a:bodyPr>
-                    <a:lstStyle/>
-                    <a:p>
-                      <a:pPr algn="l" fontAlgn="ctr" marL="0" marR="0" indent="0" lvl="0"/>
-                      <a:r>
-                        <a:rPr b="false" i="false" strike="noStrike" sz="900" u="none">
-                          <a:solidFill>
-                            <a:srgbClr val="000000"/>
-                          </a:solidFill>
-                          <a:latin typeface="Roboto Condensed"/>
-                        </a:rPr>
-                        <a:t><![CDATA[ ]]></a:t>
-                      </a:r>
-                    </a:p>
-                  </a:txBody>
-                  <a:tcPr anchor="ctr">
-                    <a:lnL w="12700" cap="flat" cmpd="sng" algn="ctr">
-                      <a:solidFill>
-                        <a:srgbClr val="000000"/>
-                      </a:solidFill>
-                      <a:prstDash val="solid"/>
-                      <a:round/>
-                      <a:headEnd type="none" w="med" len="med"/>
-                      <a:tailEnd type="none" w="med" len="med"/>
-                    </a:lnL>
-                    <a:lnR w="12700" cap="flat" cmpd="sng" algn="ctr">
-                      <a:solidFill>
-                        <a:srgbClr val="000000"/>
-                      </a:solidFill>
-                      <a:prstDash val="solid"/>
-                      <a:round/>
-                      <a:headEnd type="none" w="med" len="med"/>
-                      <a:tailEnd type="none" w="med" len="med"/>
-                    </a:lnR>
-                    <a:lnT w="12700" cap="flat" cmpd="sng" algn="ctr">
-                      <a:solidFill>
-                        <a:srgbClr val="000000"/>
-                      </a:solidFill>
-                      <a:prstDash val="solid"/>
-                      <a:round/>
-                      <a:headEnd type="none" w="med" len="med"/>
-                      <a:tailEnd type="none" w="med" len="med"/>
-                    </a:lnT>
-                    <a:lnB w="12700" cap="flat" cmpd="sng" algn="ctr">
-                      <a:solidFill>
-                        <a:srgbClr val="000000"/>
-                      </a:solidFill>
-                      <a:prstDash val="solid"/>
-                      <a:round/>
-                      <a:headEnd type="none" w="med" len="med"/>
-                      <a:tailEnd type="none" w="med" len="med"/>
-                    </a:lnB>
-                    <a:lnTlToBr w="12700" cap="flat" cmpd="sng" algn="ctr">
-                      <a:noFill/>
-                      <a:prstDash val="solid"/>
-                      <a:round/>
-                      <a:headEnd type="none" w="med" len="med"/>
-                      <a:tailEnd type="none" w="med" len="med"/>
-                    </a:lnTlToBr>
-                    <a:lnBlToTr w="12700" cap="flat" cmpd="sng" algn="ctr">
-                      <a:noFill/>
-                      <a:prstDash val="solid"/>
-                      <a:round/>
-                      <a:headEnd type="none" w="med" len="med"/>
-                      <a:tailEnd type="none" w="med" len="med"/>
-                    </a:lnBlToTr>
-                    <a:gradFill>
-                      <a:gsLst>
-                        <a:gs pos="0">
-                          <a:srgbClr val="FFFFFF"/>
-                        </a:gs>
-                        <a:gs pos="100000">
-                          <a:srgbClr val="FFFFFF"/>
-                        </a:gs>
-                      </a:gsLst>
-                      <a:lin ang="0" scaled="0"/>
-                    </a:gradFill>
-                  </a:tcPr>
-                </a:tc>
-                <a:tc>
-                  <a:txBody>
-                    <a:bodyPr wrap="square" rtlCol="0">
-                      <a:spAutoFit/>
-                    </a:bodyPr>
-                    <a:lstStyle/>
-                    <a:p>
-                      <a:pPr algn="l" fontAlgn="base" marL="0" marR="0" indent="0" lvl="0"/>
-                      <a:r>
-                        <a:rPr b="true" i="false" strike="noStrike" sz="900" u="none">
-                          <a:solidFill>
-                            <a:srgbClr val="FFFFFF"/>
-                          </a:solidFill>
-                          <a:latin typeface="Roboto Condensed"/>
-                        </a:rPr>
-                        <a:t><![CDATA[PECAS]]></a:t>
-                      </a:r>
-                    </a:p>
-                  </a:txBody>
-                  <a:tcPr>
-                    <a:lnL w="12700" cap="flat" cmpd="sng" algn="ctr">
-                      <a:solidFill>
-                        <a:srgbClr val="000000"/>
-                      </a:solidFill>
-                      <a:prstDash val="solid"/>
-                      <a:round/>
-                      <a:headEnd type="none" w="med" len="med"/>
-                      <a:tailEnd type="none" w="med" len="med"/>
-                    </a:lnL>
-                    <a:lnR w="12700" cap="flat" cmpd="sng" algn="ctr">
-                      <a:solidFill>
-                        <a:srgbClr val="000000"/>
-                      </a:solidFill>
-                      <a:prstDash val="solid"/>
-                      <a:round/>
-                      <a:headEnd type="none" w="med" len="med"/>
-                      <a:tailEnd type="none" w="med" len="med"/>
-                    </a:lnR>
-                    <a:lnT w="12700" cap="flat" cmpd="sng" algn="ctr">
-                      <a:solidFill>
-                        <a:srgbClr val="000000"/>
-                      </a:solidFill>
-                      <a:prstDash val="solid"/>
-                      <a:round/>
-                      <a:headEnd type="none" w="med" len="med"/>
-                      <a:tailEnd type="none" w="med" len="med"/>
-                    </a:lnT>
-                    <a:lnB w="12700" cap="flat" cmpd="sng" algn="ctr">
-                      <a:solidFill>
-                        <a:srgbClr val="000000"/>
-                      </a:solidFill>
-                      <a:prstDash val="solid"/>
-                      <a:round/>
-                      <a:headEnd type="none" w="med" len="med"/>
-                      <a:tailEnd type="none" w="med" len="med"/>
-                    </a:lnB>
-                    <a:lnTlToBr w="12700" cap="flat" cmpd="sng" algn="ctr">
-                      <a:noFill/>
-                      <a:prstDash val="solid"/>
-                      <a:round/>
-                      <a:headEnd type="none" w="med" len="med"/>
-                      <a:tailEnd type="none" w="med" len="med"/>
-                    </a:lnTlToBr>
-                    <a:lnBlToTr w="12700" cap="flat" cmpd="sng" algn="ctr">
-                      <a:noFill/>
-                      <a:prstDash val="solid"/>
-                      <a:round/>
-                      <a:headEnd type="none" w="med" len="med"/>
-                      <a:tailEnd type="none" w="med" len="med"/>
-                    </a:lnBlToTr>
-                    <a:gradFill>
-                      <a:gsLst>
-                        <a:gs pos="0">
-                          <a:srgbClr val="674ea7"/>
-                        </a:gs>
-                        <a:gs pos="100000">
-                          <a:srgbClr val="674ea7"/>
-                        </a:gs>
-                      </a:gsLst>
-                      <a:lin ang="0" scaled="0"/>
-                    </a:gradFill>
-                  </a:tcPr>
-                </a:tc>
-                <a:tc>
-                  <a:txBody>
-                    <a:bodyPr wrap="square" rtlCol="0">
-                      <a:spAutoFit/>
-                    </a:bodyPr>
-                    <a:lstStyle/>
-                    <a:p>
-                      <a:pPr algn="l" fontAlgn="ctr" marL="0" marR="0" indent="0" lvl="0"/>
-                      <a:r>
-                        <a:rPr b="false" i="false" strike="noStrike" sz="900" u="none">
-                          <a:solidFill>
-                            <a:srgbClr val="000000"/>
-                          </a:solidFill>
-                          <a:latin typeface="Roboto Condensed"/>
-                        </a:rPr>
-                        <a:t><![CDATA[0 ]]></a:t>
-                      </a:r>
-                    </a:p>
-                  </a:txBody>
-                  <a:tcPr anchor="ctr">
-                    <a:lnL w="12700" cap="flat" cmpd="sng" algn="ctr">
-                      <a:solidFill>
-                        <a:srgbClr val="000000"/>
-                      </a:solidFill>
-                      <a:prstDash val="solid"/>
-                      <a:round/>
-                      <a:headEnd type="none" w="med" len="med"/>
-                      <a:tailEnd type="none" w="med" len="med"/>
-                    </a:lnL>
-                    <a:lnR w="12700" cap="flat" cmpd="sng" algn="ctr">
-                      <a:solidFill>
-                        <a:srgbClr val="000000"/>
-                      </a:solidFill>
-                      <a:prstDash val="solid"/>
-                      <a:round/>
-                      <a:headEnd type="none" w="med" len="med"/>
-                      <a:tailEnd type="none" w="med" len="med"/>
-                    </a:lnR>
-                    <a:lnT w="12700" cap="flat" cmpd="sng" algn="ctr">
-                      <a:solidFill>
-                        <a:srgbClr val="000000"/>
-                      </a:solidFill>
-                      <a:prstDash val="solid"/>
-                      <a:round/>
-                      <a:headEnd type="none" w="med" len="med"/>
-                      <a:tailEnd type="none" w="med" len="med"/>
-                    </a:lnT>
-                    <a:lnB w="12700" cap="flat" cmpd="sng" algn="ctr">
-                      <a:solidFill>
-                        <a:srgbClr val="000000"/>
-                      </a:solidFill>
-                      <a:prstDash val="solid"/>
-                      <a:round/>
-                      <a:headEnd type="none" w="med" len="med"/>
-                      <a:tailEnd type="none" w="med" len="med"/>
-                    </a:lnB>
-                    <a:lnTlToBr w="12700" cap="flat" cmpd="sng" algn="ctr">
-                      <a:noFill/>
-                      <a:prstDash val="solid"/>
-                      <a:round/>
-                      <a:headEnd type="none" w="med" len="med"/>
-                      <a:tailEnd type="none" w="med" len="med"/>
-                    </a:lnTlToBr>
-                    <a:lnBlToTr w="12700" cap="flat" cmpd="sng" algn="ctr">
-                      <a:noFill/>
-                      <a:prstDash val="solid"/>
-                      <a:round/>
-                      <a:headEnd type="none" w="med" len="med"/>
-                      <a:tailEnd type="none" w="med" len="med"/>
-                    </a:lnBlToTr>
-                    <a:gradFill>
-                      <a:gsLst>
-                        <a:gs pos="0">
-                          <a:srgbClr val="FFFFFF"/>
-                        </a:gs>
-                        <a:gs pos="100000">
-                          <a:srgbClr val="FFFFFF"/>
-                        </a:gs>
-                      </a:gsLst>
-                      <a:lin ang="0" scaled="0"/>
-                    </a:gradFill>
-                  </a:tcPr>
-                </a:tc>
-                <a:tc>
-                  <a:txBody>
-                    <a:bodyPr wrap="square" rtlCol="0">
-                      <a:spAutoFit/>
-                    </a:bodyPr>
-                    <a:lstStyle/>
-                    <a:p>
-                      <a:pPr algn="l" fontAlgn="ctr" marL="0" marR="0" indent="0" lvl="0"/>
-                      <a:r>
-                        <a:rPr b="true" i="false" strike="noStrike" sz="900" u="none">
-                          <a:solidFill>
-                            <a:srgbClr val="FFFFFF"/>
-                          </a:solidFill>
-                          <a:latin typeface="Roboto Condensed"/>
-                        </a:rPr>
-                        <a:t><![CDATA[FIM ]]></a:t>
-                      </a:r>
-                    </a:p>
-                  </a:txBody>
-                  <a:tcPr anchor="ctr">
-                    <a:lnL w="12700" cap="flat" cmpd="sng" algn="ctr">
-                      <a:solidFill>
-                        <a:srgbClr val="000000"/>
-                      </a:solidFill>
-                      <a:prstDash val="solid"/>
-                      <a:round/>
-                      <a:headEnd type="none" w="med" len="med"/>
-                      <a:tailEnd type="none" w="med" len="med"/>
-                    </a:lnL>
-                    <a:lnR w="12700" cap="flat" cmpd="sng" algn="ctr">
-                      <a:solidFill>
-                        <a:srgbClr val="000000"/>
-                      </a:solidFill>
-                      <a:prstDash val="solid"/>
-                      <a:round/>
-                      <a:headEnd type="none" w="med" len="med"/>
-                      <a:tailEnd type="none" w="med" len="med"/>
-                    </a:lnR>
-                    <a:lnT w="12700" cap="flat" cmpd="sng" algn="ctr">
-                      <a:solidFill>
-                        <a:srgbClr val="000000"/>
-                      </a:solidFill>
-                      <a:prstDash val="solid"/>
-                      <a:round/>
-                      <a:headEnd type="none" w="med" len="med"/>
-                      <a:tailEnd type="none" w="med" len="med"/>
-                    </a:lnT>
-                    <a:lnB w="12700" cap="flat" cmpd="sng" algn="ctr">
-                      <a:solidFill>
-                        <a:srgbClr val="000000"/>
-                      </a:solidFill>
-                      <a:prstDash val="solid"/>
-                      <a:round/>
-                      <a:headEnd type="none" w="med" len="med"/>
-                      <a:tailEnd type="none" w="med" len="med"/>
-                    </a:lnB>
-                    <a:lnTlToBr w="12700" cap="flat" cmpd="sng" algn="ctr">
-                      <a:noFill/>
-                      <a:prstDash val="solid"/>
-                      <a:round/>
-                      <a:headEnd type="none" w="med" len="med"/>
-                      <a:tailEnd type="none" w="med" len="med"/>
-                    </a:lnTlToBr>
-                    <a:lnBlToTr w="12700" cap="flat" cmpd="sng" algn="ctr">
-                      <a:noFill/>
-                      <a:prstDash val="solid"/>
-                      <a:round/>
-                      <a:headEnd type="none" w="med" len="med"/>
-                      <a:tailEnd type="none" w="med" len="med"/>
-                    </a:lnBlToTr>
-                    <a:gradFill>
-                      <a:gsLst>
-                        <a:gs pos="0">
-                          <a:srgbClr val="674ea7"/>
-                        </a:gs>
-                        <a:gs pos="100000">
-                          <a:srgbClr val="674ea7"/>
-                        </a:gs>
-                      </a:gsLst>
-                      <a:lin ang="0" scaled="0"/>
-                    </a:gradFill>
-                  </a:tcPr>
-                </a:tc>
-                <a:tc>
-                  <a:txBody>
-                    <a:bodyPr wrap="square" rtlCol="0">
-                      <a:spAutoFit/>
-                    </a:bodyPr>
-                    <a:lstStyle/>
-                    <a:p>
-                      <a:pPr algn="l" fontAlgn="ctr" marL="0" marR="0" indent="0" lvl="0"/>
-                      <a:r>
-                        <a:rPr b="false" i="false" strike="noStrike" sz="900" u="none">
-                          <a:solidFill>
-                            <a:srgbClr val="000000"/>
-                          </a:solidFill>
-                          <a:latin typeface="Roboto Condensed"/>
-                        </a:rPr>
-                        <a:t><![CDATA[11/05/2018 ]]></a:t>
-                      </a:r>
-                    </a:p>
-                  </a:txBody>
-                  <a:tcPr anchor="ctr">
-                    <a:lnL w="12700" cap="flat" cmpd="sng" algn="ctr">
-                      <a:solidFill>
-                        <a:srgbClr val="000000"/>
-                      </a:solidFill>
-                      <a:prstDash val="solid"/>
-                      <a:round/>
-                      <a:headEnd type="none" w="med" len="med"/>
-                      <a:tailEnd type="none" w="med" len="med"/>
-                    </a:lnL>
-                    <a:lnR w="12700" cap="flat" cmpd="sng" algn="ctr">
-                      <a:solidFill>
-                        <a:srgbClr val="000000"/>
-                      </a:solidFill>
-                      <a:prstDash val="solid"/>
-                      <a:round/>
-                      <a:headEnd type="none" w="med" len="med"/>
-                      <a:tailEnd type="none" w="med" len="med"/>
-                    </a:lnR>
-                    <a:lnT w="12700" cap="flat" cmpd="sng" algn="ctr">
-                      <a:solidFill>
-                        <a:srgbClr val="000000"/>
-                      </a:solidFill>
-                      <a:prstDash val="solid"/>
-                      <a:round/>
-                      <a:headEnd type="none" w="med" len="med"/>
-                      <a:tailEnd type="none" w="med" len="med"/>
-                    </a:lnT>
-                    <a:lnB w="12700" cap="flat" cmpd="sng" algn="ctr">
-                      <a:solidFill>
-                        <a:srgbClr val="000000"/>
-                      </a:solidFill>
-                      <a:prstDash val="solid"/>
-                      <a:round/>
-                      <a:headEnd type="none" w="med" len="med"/>
-                      <a:tailEnd type="none" w="med" len="med"/>
-                    </a:lnB>
-                    <a:lnTlToBr w="12700" cap="flat" cmpd="sng" algn="ctr">
-                      <a:noFill/>
-                      <a:prstDash val="solid"/>
-                      <a:round/>
-                      <a:headEnd type="none" w="med" len="med"/>
-                      <a:tailEnd type="none" w="med" len="med"/>
-                    </a:lnTlToBr>
-                    <a:lnBlToTr w="12700" cap="flat" cmpd="sng" algn="ctr">
-                      <a:noFill/>
-                      <a:prstDash val="solid"/>
-                      <a:round/>
-                      <a:headEnd type="none" w="med" len="med"/>
-                      <a:tailEnd type="none" w="med" len="med"/>
-                    </a:lnBlToTr>
-                    <a:gradFill>
-                      <a:gsLst>
-                        <a:gs pos="0">
-                          <a:srgbClr val="FFFFFF"/>
-                        </a:gs>
-                        <a:gs pos="100000">
-                          <a:srgbClr val="FFFFFF"/>
-                        </a:gs>
-                      </a:gsLst>
-                      <a:lin ang="0" scaled="0"/>
-                    </a:gradFill>
-                  </a:tcPr>
-                </a:tc>
-              </a:tr>
-            </a:tbl>
-          </a:graphicData>
-        </a:graphic>
-      </p:graphicFrame>
-      <p:graphicFrame>
-        <p:nvGraphicFramePr>
-          <p:cNvPr id="2" name="" descr=""/>
-          <p:cNvGraphicFramePr>
-            <a:graphicFrameLocks noGrp="1"/>
-          </p:cNvGraphicFramePr>
-          <p:nvPr/>
-        </p:nvGraphicFramePr>
-        <p:xfrm>
-          <a:off x="600075" y="1238250"/>
-          <a:ext cx="3028950" cy="0"/>
-        </p:xfrm>
-        <a:graphic>
-          <a:graphicData uri="http://schemas.openxmlformats.org/drawingml/2006/table">
-            <a:tbl>
-              <a:tblPr firstRow="1" bandRow="1"/>
-              <a:tblGrid>
-                <a:gridCol w="3028950"/>
-              </a:tblGrid>
-              <a:tr h="361950">
-                <a:tc>
-                  <a:txBody>
-                    <a:bodyPr wrap="square" rtlCol="0">
-                      <a:spAutoFit/>
-                    </a:bodyPr>
-                    <a:lstStyle/>
-                    <a:p>
-                      <a:pPr algn="ctr" fontAlgn="ctr" marL="0" marR="0" indent="0" lvl="0"/>
-                      <a:r>
-                        <a:rPr b="true" i="false" strike="noStrike" sz="1100" u="none">
-                          <a:solidFill>
-                            <a:srgbClr val="000000"/>
-                          </a:solidFill>
-                          <a:latin typeface="Roboto Condensed"/>
-                        </a:rPr>
-                        <a:t><![CDATA[Sem nome (19)]]></a:t>
-                      </a:r>
-                    </a:p>
-                  </a:txBody>
-                  <a:tcPr anchor="ctr">
-                    <a:lnL w="12700" cap="flat" cmpd="sng" algn="ctr">
-                      <a:solidFill>
-                        <a:srgbClr val="F3F3F3"/>
-                      </a:solidFill>
-                      <a:prstDash val="solid"/>
-                      <a:round/>
-                      <a:headEnd type="none" w="med" len="med"/>
-                      <a:tailEnd type="none" w="med" len="med"/>
-                    </a:lnL>
-                    <a:lnR w="12700" cap="flat" cmpd="sng" algn="ctr">
-                      <a:solidFill>
-                        <a:srgbClr val="F3F3F3"/>
-                      </a:solidFill>
-                      <a:prstDash val="solid"/>
-                      <a:round/>
-                      <a:headEnd type="none" w="med" len="med"/>
-                      <a:tailEnd type="none" w="med" len="med"/>
-                    </a:lnR>
-                    <a:lnT w="12700" cap="flat" cmpd="sng" algn="ctr">
-                      <a:solidFill>
-                        <a:srgbClr val="F3F3F3"/>
-                      </a:solidFill>
-                      <a:prstDash val="solid"/>
-                      <a:round/>
-                      <a:headEnd type="none" w="med" len="med"/>
-                      <a:tailEnd type="none" w="med" len="med"/>
-                    </a:lnT>
-                    <a:lnB w="12700" cap="flat" cmpd="sng" algn="ctr">
-                      <a:solidFill>
-                        <a:srgbClr val="F3F3F3"/>
-                      </a:solidFill>
-                      <a:prstDash val="solid"/>
-                      <a:round/>
-                      <a:headEnd type="none" w="med" len="med"/>
-                      <a:tailEnd type="none" w="med" len="med"/>
-                    </a:lnB>
-                    <a:lnTlToBr w="12700" cap="flat" cmpd="sng" algn="ctr">
-                      <a:noFill/>
-                      <a:prstDash val="solid"/>
-                      <a:round/>
-                      <a:headEnd type="none" w="med" len="med"/>
-                      <a:tailEnd type="none" w="med" len="med"/>
-                    </a:lnTlToBr>
-                    <a:lnBlToTr w="12700" cap="flat" cmpd="sng" algn="ctr">
-                      <a:noFill/>
-                      <a:prstDash val="solid"/>
-                      <a:round/>
-                      <a:headEnd type="none" w="med" len="med"/>
-                      <a:tailEnd type="none" w="med" len="med"/>
-                    </a:lnBlToTr>
-                    <a:gradFill>
-                      <a:gsLst>
-                        <a:gs pos="0">
-                          <a:srgbClr val="F3F3F3"/>
-                        </a:gs>
-                        <a:gs pos="100000">
-                          <a:srgbClr val="F3F3F3"/>
-                        </a:gs>
-                      </a:gsLst>
-                      <a:lin ang="0" scaled="0"/>
-                    </a:gradFill>
-                  </a:tcPr>
-                </a:tc>
-              </a:tr>
-              <a:tr h="1857375">
-                <a:tc>
-                  <a:txBody>
-                    <a:bodyPr wrap="square" rtlCol="0">
-                      <a:spAutoFit/>
-                    </a:bodyPr>
-                    <a:lstStyle/>
-                    <a:p>
-                      <a:pPr algn="l" fontAlgn="base" marL="0" marR="0" indent="0" lvl="0"/>
-                    </a:p>
-                  </a:txBody>
-                  <a:tcPr>
-                    <a:lnL w="12700" cap="flat" cmpd="sng" algn="ctr">
-                      <a:solidFill>
-                        <a:srgbClr val="F3F3F3"/>
-                      </a:solidFill>
-                      <a:prstDash val="solid"/>
-                      <a:round/>
-                      <a:headEnd type="none" w="med" len="med"/>
-                      <a:tailEnd type="none" w="med" len="med"/>
-                    </a:lnL>
-                    <a:lnR w="12700" cap="flat" cmpd="sng" algn="ctr">
-                      <a:solidFill>
-                        <a:srgbClr val="F3F3F3"/>
-                      </a:solidFill>
-                      <a:prstDash val="solid"/>
-                      <a:round/>
-                      <a:headEnd type="none" w="med" len="med"/>
-                      <a:tailEnd type="none" w="med" len="med"/>
-                    </a:lnR>
-                    <a:lnT w="12700" cap="flat" cmpd="sng" algn="ctr">
-                      <a:solidFill>
-                        <a:srgbClr val="F3F3F3"/>
-                      </a:solidFill>
-                      <a:prstDash val="solid"/>
-                      <a:round/>
-                      <a:headEnd type="none" w="med" len="med"/>
-                      <a:tailEnd type="none" w="med" len="med"/>
-                    </a:lnT>
-                    <a:lnB w="12700" cap="flat" cmpd="sng" algn="ctr">
-                      <a:solidFill>
-                        <a:srgbClr val="F3F3F3"/>
-                      </a:solidFill>
-                      <a:prstDash val="solid"/>
-                      <a:round/>
-                      <a:headEnd type="none" w="med" len="med"/>
-                      <a:tailEnd type="none" w="med" len="med"/>
-                    </a:lnB>
-                    <a:lnTlToBr w="12700" cap="flat" cmpd="sng" algn="ctr">
-                      <a:noFill/>
-                      <a:prstDash val="solid"/>
-                      <a:round/>
-                      <a:headEnd type="none" w="med" len="med"/>
-                      <a:tailEnd type="none" w="med" len="med"/>
-                    </a:lnTlToBr>
-                    <a:lnBlToTr w="12700" cap="flat" cmpd="sng" algn="ctr">
-                      <a:noFill/>
-                      <a:prstDash val="solid"/>
-                      <a:round/>
-                      <a:headEnd type="none" w="med" len="med"/>
-                      <a:tailEnd type="none" w="med" len="med"/>
-                    </a:lnBlToTr>
-                    <a:gradFill>
-                      <a:gsLst>
-                        <a:gs pos="0">
-                          <a:srgbClr val="FFFFFF"/>
-                        </a:gs>
-                        <a:gs pos="100000">
-                          <a:srgbClr val="FFFFFF"/>
-                        </a:gs>
-                      </a:gsLst>
-                      <a:lin ang="0" scaled="0"/>
-                    </a:gradFill>
-                  </a:tcPr>
-                </a:tc>
-              </a:tr>
-            </a:tbl>
-          </a:graphicData>
-        </a:graphic>
-      </p:graphicFrame>
-      <p:pic>
-        <p:nvPicPr>
-          <p:cNvPr id="3" name="" descr=""/>
-          <p:cNvPicPr>
-            <a:picLocks noChangeAspect="1"/>
-          </p:cNvPicPr>
-          <p:nvPr/>
-        </p:nvPicPr>
-        <p:blipFill>
-          <a:blip r:embed="rId2"/>
-          <a:stretch>
-            <a:fillRect/>
-          </a:stretch>
-        </p:blipFill>
-        <p:spPr>
-          <a:xfrm rot="0">
-            <a:off x="647700" y="1714500"/>
-            <a:ext cx="2933700" cy="2200275"/>
-          </a:xfrm>
-          <a:prstGeom prst="rect">
-            <a:avLst/>
-          </a:prstGeom>
-        </p:spPr>
-      </p:pic>
-      <p:graphicFrame>
-        <p:nvGraphicFramePr>
-          <p:cNvPr id="4" name="" descr=""/>
-          <p:cNvGraphicFramePr>
-            <a:graphicFrameLocks noGrp="1"/>
-          </p:cNvGraphicFramePr>
-          <p:nvPr/>
-        </p:nvGraphicFramePr>
-        <p:xfrm>
-          <a:off x="3810000" y="1238250"/>
-          <a:ext cx="3028950" cy="0"/>
-        </p:xfrm>
-        <a:graphic>
-          <a:graphicData uri="http://schemas.openxmlformats.org/drawingml/2006/table">
-            <a:tbl>
-              <a:tblPr firstRow="1" bandRow="1"/>
-              <a:tblGrid>
-                <a:gridCol w="3028950"/>
-              </a:tblGrid>
-              <a:tr h="361950">
-                <a:tc>
-                  <a:txBody>
-                    <a:bodyPr wrap="square" rtlCol="0">
-                      <a:spAutoFit/>
-                    </a:bodyPr>
-                    <a:lstStyle/>
-                    <a:p>
-                      <a:pPr algn="ctr" fontAlgn="ctr" marL="0" marR="0" indent="0" lvl="0"/>
-                      <a:r>
-                        <a:rPr b="true" i="false" strike="noStrike" sz="1100" u="none">
-                          <a:solidFill>
-                            <a:srgbClr val="000000"/>
-                          </a:solidFill>
-                          <a:latin typeface="Roboto Condensed"/>
-                        </a:rPr>
-                        <a:t><![CDATA[Sem nome (20)]]></a:t>
-                      </a:r>
-                    </a:p>
-                  </a:txBody>
-                  <a:tcPr anchor="ctr">
-                    <a:lnL w="12700" cap="flat" cmpd="sng" algn="ctr">
-                      <a:solidFill>
-                        <a:srgbClr val="F3F3F3"/>
-                      </a:solidFill>
-                      <a:prstDash val="solid"/>
-                      <a:round/>
-                      <a:headEnd type="none" w="med" len="med"/>
-                      <a:tailEnd type="none" w="med" len="med"/>
-                    </a:lnL>
-                    <a:lnR w="12700" cap="flat" cmpd="sng" algn="ctr">
-                      <a:solidFill>
-                        <a:srgbClr val="F3F3F3"/>
-                      </a:solidFill>
-                      <a:prstDash val="solid"/>
-                      <a:round/>
-                      <a:headEnd type="none" w="med" len="med"/>
-                      <a:tailEnd type="none" w="med" len="med"/>
-                    </a:lnR>
-                    <a:lnT w="12700" cap="flat" cmpd="sng" algn="ctr">
-                      <a:solidFill>
-                        <a:srgbClr val="F3F3F3"/>
-                      </a:solidFill>
-                      <a:prstDash val="solid"/>
-                      <a:round/>
-                      <a:headEnd type="none" w="med" len="med"/>
-                      <a:tailEnd type="none" w="med" len="med"/>
-                    </a:lnT>
-                    <a:lnB w="12700" cap="flat" cmpd="sng" algn="ctr">
-                      <a:solidFill>
-                        <a:srgbClr val="F3F3F3"/>
-                      </a:solidFill>
-                      <a:prstDash val="solid"/>
-                      <a:round/>
-                      <a:headEnd type="none" w="med" len="med"/>
-                      <a:tailEnd type="none" w="med" len="med"/>
-                    </a:lnB>
-                    <a:lnTlToBr w="12700" cap="flat" cmpd="sng" algn="ctr">
-                      <a:noFill/>
-                      <a:prstDash val="solid"/>
-                      <a:round/>
-                      <a:headEnd type="none" w="med" len="med"/>
-                      <a:tailEnd type="none" w="med" len="med"/>
-                    </a:lnTlToBr>
-                    <a:lnBlToTr w="12700" cap="flat" cmpd="sng" algn="ctr">
-                      <a:noFill/>
-                      <a:prstDash val="solid"/>
-                      <a:round/>
-                      <a:headEnd type="none" w="med" len="med"/>
-                      <a:tailEnd type="none" w="med" len="med"/>
-                    </a:lnBlToTr>
-                    <a:gradFill>
-                      <a:gsLst>
-                        <a:gs pos="0">
-                          <a:srgbClr val="F3F3F3"/>
-                        </a:gs>
-                        <a:gs pos="100000">
-                          <a:srgbClr val="F3F3F3"/>
-                        </a:gs>
-                      </a:gsLst>
-                      <a:lin ang="0" scaled="0"/>
-                    </a:gradFill>
-                  </a:tcPr>
-                </a:tc>
-              </a:tr>
-              <a:tr h="1857375">
-                <a:tc>
-                  <a:txBody>
-                    <a:bodyPr wrap="square" rtlCol="0">
-                      <a:spAutoFit/>
-                    </a:bodyPr>
-                    <a:lstStyle/>
-                    <a:p>
-                      <a:pPr algn="l" fontAlgn="base" marL="0" marR="0" indent="0" lvl="0"/>
-                    </a:p>
-                  </a:txBody>
-                  <a:tcPr>
-                    <a:lnL w="12700" cap="flat" cmpd="sng" algn="ctr">
-                      <a:solidFill>
-                        <a:srgbClr val="F3F3F3"/>
-                      </a:solidFill>
-                      <a:prstDash val="solid"/>
-                      <a:round/>
-                      <a:headEnd type="none" w="med" len="med"/>
-                      <a:tailEnd type="none" w="med" len="med"/>
-                    </a:lnL>
-                    <a:lnR w="12700" cap="flat" cmpd="sng" algn="ctr">
-                      <a:solidFill>
-                        <a:srgbClr val="F3F3F3"/>
-                      </a:solidFill>
-                      <a:prstDash val="solid"/>
-                      <a:round/>
-                      <a:headEnd type="none" w="med" len="med"/>
-                      <a:tailEnd type="none" w="med" len="med"/>
-                    </a:lnR>
-                    <a:lnT w="12700" cap="flat" cmpd="sng" algn="ctr">
-                      <a:solidFill>
-                        <a:srgbClr val="F3F3F3"/>
-                      </a:solidFill>
-                      <a:prstDash val="solid"/>
-                      <a:round/>
-                      <a:headEnd type="none" w="med" len="med"/>
-                      <a:tailEnd type="none" w="med" len="med"/>
-                    </a:lnT>
-                    <a:lnB w="12700" cap="flat" cmpd="sng" algn="ctr">
-                      <a:solidFill>
-                        <a:srgbClr val="F3F3F3"/>
-                      </a:solidFill>
-                      <a:prstDash val="solid"/>
-                      <a:round/>
-                      <a:headEnd type="none" w="med" len="med"/>
-                      <a:tailEnd type="none" w="med" len="med"/>
-                    </a:lnB>
-                    <a:lnTlToBr w="12700" cap="flat" cmpd="sng" algn="ctr">
-                      <a:noFill/>
-                      <a:prstDash val="solid"/>
-                      <a:round/>
-                      <a:headEnd type="none" w="med" len="med"/>
-                      <a:tailEnd type="none" w="med" len="med"/>
-                    </a:lnTlToBr>
-                    <a:lnBlToTr w="12700" cap="flat" cmpd="sng" algn="ctr">
-                      <a:noFill/>
-                      <a:prstDash val="solid"/>
-                      <a:round/>
-                      <a:headEnd type="none" w="med" len="med"/>
-                      <a:tailEnd type="none" w="med" len="med"/>
-                    </a:lnBlToTr>
-                    <a:gradFill>
-                      <a:gsLst>
-                        <a:gs pos="0">
-                          <a:srgbClr val="FFFFFF"/>
-                        </a:gs>
-                        <a:gs pos="100000">
-                          <a:srgbClr val="FFFFFF"/>
-                        </a:gs>
-                      </a:gsLst>
-                      <a:lin ang="0" scaled="0"/>
-                    </a:gradFill>
-                  </a:tcPr>
-                </a:tc>
-              </a:tr>
-            </a:tbl>
-          </a:graphicData>
-        </a:graphic>
-      </p:graphicFrame>
-      <p:pic>
-        <p:nvPicPr>
-          <p:cNvPr id="5" name="" descr=""/>
-          <p:cNvPicPr>
-            <a:picLocks noChangeAspect="1"/>
-          </p:cNvPicPr>
-          <p:nvPr/>
-        </p:nvPicPr>
-        <p:blipFill>
-          <a:blip r:embed="rId3"/>
-          <a:stretch>
-            <a:fillRect/>
-          </a:stretch>
-        </p:blipFill>
-        <p:spPr>
-          <a:xfrm rot="0">
-            <a:off x="3857625" y="1714500"/>
-            <a:ext cx="2933700" cy="2200275"/>
-          </a:xfrm>
-          <a:prstGeom prst="rect">
-            <a:avLst/>
-          </a:prstGeom>
-        </p:spPr>
-      </p:pic>
-      <p:graphicFrame>
-        <p:nvGraphicFramePr>
-          <p:cNvPr id="6" name="" descr=""/>
-          <p:cNvGraphicFramePr>
-            <a:graphicFrameLocks noGrp="1"/>
-          </p:cNvGraphicFramePr>
-          <p:nvPr/>
-        </p:nvGraphicFramePr>
-        <p:xfrm>
-          <a:off x="600075" y="4095750"/>
-          <a:ext cx="3028950" cy="0"/>
-        </p:xfrm>
-        <a:graphic>
-          <a:graphicData uri="http://schemas.openxmlformats.org/drawingml/2006/table">
-            <a:tbl>
-              <a:tblPr firstRow="1" bandRow="1"/>
-              <a:tblGrid>
-                <a:gridCol w="3028950"/>
-              </a:tblGrid>
-              <a:tr h="361950">
-                <a:tc>
-                  <a:txBody>
-                    <a:bodyPr wrap="square" rtlCol="0">
-                      <a:spAutoFit/>
-                    </a:bodyPr>
-                    <a:lstStyle/>
-                    <a:p>
-                      <a:pPr algn="ctr" fontAlgn="ctr" marL="0" marR="0" indent="0" lvl="0"/>
-                      <a:r>
-                        <a:rPr b="true" i="false" strike="noStrike" sz="1100" u="none">
-                          <a:solidFill>
-                            <a:srgbClr val="000000"/>
-                          </a:solidFill>
-                          <a:latin typeface="Roboto Condensed"/>
-                        </a:rPr>
-                        <a:t><![CDATA[Sem nome (21)]]></a:t>
-                      </a:r>
-                    </a:p>
-                  </a:txBody>
-                  <a:tcPr anchor="ctr">
-                    <a:lnL w="12700" cap="flat" cmpd="sng" algn="ctr">
-                      <a:solidFill>
-                        <a:srgbClr val="F3F3F3"/>
-                      </a:solidFill>
-                      <a:prstDash val="solid"/>
-                      <a:round/>
-                      <a:headEnd type="none" w="med" len="med"/>
-                      <a:tailEnd type="none" w="med" len="med"/>
-                    </a:lnL>
-                    <a:lnR w="12700" cap="flat" cmpd="sng" algn="ctr">
-                      <a:solidFill>
-                        <a:srgbClr val="F3F3F3"/>
-                      </a:solidFill>
-                      <a:prstDash val="solid"/>
-                      <a:round/>
-                      <a:headEnd type="none" w="med" len="med"/>
-                      <a:tailEnd type="none" w="med" len="med"/>
-                    </a:lnR>
-                    <a:lnT w="12700" cap="flat" cmpd="sng" algn="ctr">
-                      <a:solidFill>
-                        <a:srgbClr val="F3F3F3"/>
-                      </a:solidFill>
-                      <a:prstDash val="solid"/>
-                      <a:round/>
-                      <a:headEnd type="none" w="med" len="med"/>
-                      <a:tailEnd type="none" w="med" len="med"/>
-                    </a:lnT>
-                    <a:lnB w="12700" cap="flat" cmpd="sng" algn="ctr">
-                      <a:solidFill>
-                        <a:srgbClr val="F3F3F3"/>
-                      </a:solidFill>
-                      <a:prstDash val="solid"/>
-                      <a:round/>
-                      <a:headEnd type="none" w="med" len="med"/>
-                      <a:tailEnd type="none" w="med" len="med"/>
-                    </a:lnB>
-                    <a:lnTlToBr w="12700" cap="flat" cmpd="sng" algn="ctr">
-                      <a:noFill/>
-                      <a:prstDash val="solid"/>
-                      <a:round/>
-                      <a:headEnd type="none" w="med" len="med"/>
-                      <a:tailEnd type="none" w="med" len="med"/>
-                    </a:lnTlToBr>
-                    <a:lnBlToTr w="12700" cap="flat" cmpd="sng" algn="ctr">
-                      <a:noFill/>
-                      <a:prstDash val="solid"/>
-                      <a:round/>
-                      <a:headEnd type="none" w="med" len="med"/>
-                      <a:tailEnd type="none" w="med" len="med"/>
-                    </a:lnBlToTr>
-                    <a:gradFill>
-                      <a:gsLst>
-                        <a:gs pos="0">
-                          <a:srgbClr val="F3F3F3"/>
-                        </a:gs>
-                        <a:gs pos="100000">
-                          <a:srgbClr val="F3F3F3"/>
-                        </a:gs>
-                      </a:gsLst>
-                      <a:lin ang="0" scaled="0"/>
-                    </a:gradFill>
-                  </a:tcPr>
-                </a:tc>
-              </a:tr>
-              <a:tr h="1857375">
-                <a:tc>
-                  <a:txBody>
-                    <a:bodyPr wrap="square" rtlCol="0">
-                      <a:spAutoFit/>
-                    </a:bodyPr>
-                    <a:lstStyle/>
-                    <a:p>
-                      <a:pPr algn="l" fontAlgn="base" marL="0" marR="0" indent="0" lvl="0"/>
-                    </a:p>
-                  </a:txBody>
-                  <a:tcPr>
-                    <a:lnL w="12700" cap="flat" cmpd="sng" algn="ctr">
-                      <a:solidFill>
-                        <a:srgbClr val="F3F3F3"/>
-                      </a:solidFill>
-                      <a:prstDash val="solid"/>
-                      <a:round/>
-                      <a:headEnd type="none" w="med" len="med"/>
-                      <a:tailEnd type="none" w="med" len="med"/>
-                    </a:lnL>
-                    <a:lnR w="12700" cap="flat" cmpd="sng" algn="ctr">
-                      <a:solidFill>
-                        <a:srgbClr val="F3F3F3"/>
-                      </a:solidFill>
-                      <a:prstDash val="solid"/>
-                      <a:round/>
-                      <a:headEnd type="none" w="med" len="med"/>
-                      <a:tailEnd type="none" w="med" len="med"/>
-                    </a:lnR>
-                    <a:lnT w="12700" cap="flat" cmpd="sng" algn="ctr">
-                      <a:solidFill>
-                        <a:srgbClr val="F3F3F3"/>
-                      </a:solidFill>
-                      <a:prstDash val="solid"/>
-                      <a:round/>
-                      <a:headEnd type="none" w="med" len="med"/>
-                      <a:tailEnd type="none" w="med" len="med"/>
-                    </a:lnT>
-                    <a:lnB w="12700" cap="flat" cmpd="sng" algn="ctr">
-                      <a:solidFill>
-                        <a:srgbClr val="F3F3F3"/>
-                      </a:solidFill>
-                      <a:prstDash val="solid"/>
-                      <a:round/>
-                      <a:headEnd type="none" w="med" len="med"/>
-                      <a:tailEnd type="none" w="med" len="med"/>
-                    </a:lnB>
-                    <a:lnTlToBr w="12700" cap="flat" cmpd="sng" algn="ctr">
-                      <a:noFill/>
-                      <a:prstDash val="solid"/>
-                      <a:round/>
-                      <a:headEnd type="none" w="med" len="med"/>
-                      <a:tailEnd type="none" w="med" len="med"/>
-                    </a:lnTlToBr>
-                    <a:lnBlToTr w="12700" cap="flat" cmpd="sng" algn="ctr">
-                      <a:noFill/>
-                      <a:prstDash val="solid"/>
-                      <a:round/>
-                      <a:headEnd type="none" w="med" len="med"/>
-                      <a:tailEnd type="none" w="med" len="med"/>
-                    </a:lnBlToTr>
-                    <a:gradFill>
-                      <a:gsLst>
-                        <a:gs pos="0">
-                          <a:srgbClr val="FFFFFF"/>
-                        </a:gs>
-                        <a:gs pos="100000">
-                          <a:srgbClr val="FFFFFF"/>
-                        </a:gs>
-                      </a:gsLst>
-                      <a:lin ang="0" scaled="0"/>
-                    </a:gradFill>
-                  </a:tcPr>
-                </a:tc>
-              </a:tr>
-            </a:tbl>
-          </a:graphicData>
-        </a:graphic>
-      </p:graphicFrame>
-      <p:pic>
-        <p:nvPicPr>
-          <p:cNvPr id="7" name="" descr=""/>
-          <p:cNvPicPr>
-            <a:picLocks noChangeAspect="1"/>
-          </p:cNvPicPr>
-          <p:nvPr/>
-        </p:nvPicPr>
-        <p:blipFill>
-          <a:blip r:embed="rId4"/>
-          <a:stretch>
-            <a:fillRect/>
-          </a:stretch>
-        </p:blipFill>
-        <p:spPr>
-          <a:xfrm rot="0">
-            <a:off x="647700" y="4572000"/>
-            <a:ext cx="2933700" cy="2200275"/>
-          </a:xfrm>
-          <a:prstGeom prst="rect">
-            <a:avLst/>
-          </a:prstGeom>
-        </p:spPr>
-      </p:pic>
-      <p:graphicFrame>
-        <p:nvGraphicFramePr>
-          <p:cNvPr id="8" name="" descr=""/>
-          <p:cNvGraphicFramePr>
-            <a:graphicFrameLocks noGrp="1"/>
-          </p:cNvGraphicFramePr>
-          <p:nvPr/>
-        </p:nvGraphicFramePr>
-        <p:xfrm>
-          <a:off x="3810000" y="4095750"/>
-          <a:ext cx="3028950" cy="0"/>
-        </p:xfrm>
-        <a:graphic>
-          <a:graphicData uri="http://schemas.openxmlformats.org/drawingml/2006/table">
-            <a:tbl>
-              <a:tblPr firstRow="1" bandRow="1"/>
-              <a:tblGrid>
-                <a:gridCol w="3028950"/>
-              </a:tblGrid>
-              <a:tr h="361950">
-                <a:tc>
-                  <a:txBody>
-                    <a:bodyPr wrap="square" rtlCol="0">
-                      <a:spAutoFit/>
-                    </a:bodyPr>
-                    <a:lstStyle/>
-                    <a:p>
-                      <a:pPr algn="ctr" fontAlgn="ctr" marL="0" marR="0" indent="0" lvl="0"/>
-                      <a:r>
-                        <a:rPr b="true" i="false" strike="noStrike" sz="1100" u="none">
-                          <a:solidFill>
-                            <a:srgbClr val="000000"/>
-                          </a:solidFill>
-                          <a:latin typeface="Roboto Condensed"/>
-                        </a:rPr>
-                        <a:t><![CDATA[Sem nome (22)]]></a:t>
-                      </a:r>
-                    </a:p>
-                  </a:txBody>
-                  <a:tcPr anchor="ctr">
-                    <a:lnL w="12700" cap="flat" cmpd="sng" algn="ctr">
-                      <a:solidFill>
-                        <a:srgbClr val="F3F3F3"/>
-                      </a:solidFill>
-                      <a:prstDash val="solid"/>
-                      <a:round/>
-                      <a:headEnd type="none" w="med" len="med"/>
-                      <a:tailEnd type="none" w="med" len="med"/>
-                    </a:lnL>
-                    <a:lnR w="12700" cap="flat" cmpd="sng" algn="ctr">
-                      <a:solidFill>
-                        <a:srgbClr val="F3F3F3"/>
-                      </a:solidFill>
-                      <a:prstDash val="solid"/>
-                      <a:round/>
-                      <a:headEnd type="none" w="med" len="med"/>
-                      <a:tailEnd type="none" w="med" len="med"/>
-                    </a:lnR>
-                    <a:lnT w="12700" cap="flat" cmpd="sng" algn="ctr">
-                      <a:solidFill>
-                        <a:srgbClr val="F3F3F3"/>
-                      </a:solidFill>
-                      <a:prstDash val="solid"/>
-                      <a:round/>
-                      <a:headEnd type="none" w="med" len="med"/>
-                      <a:tailEnd type="none" w="med" len="med"/>
-                    </a:lnT>
-                    <a:lnB w="12700" cap="flat" cmpd="sng" algn="ctr">
-                      <a:solidFill>
-                        <a:srgbClr val="F3F3F3"/>
-                      </a:solidFill>
-                      <a:prstDash val="solid"/>
-                      <a:round/>
-                      <a:headEnd type="none" w="med" len="med"/>
-                      <a:tailEnd type="none" w="med" len="med"/>
-                    </a:lnB>
-                    <a:lnTlToBr w="12700" cap="flat" cmpd="sng" algn="ctr">
-                      <a:noFill/>
-                      <a:prstDash val="solid"/>
-                      <a:round/>
-                      <a:headEnd type="none" w="med" len="med"/>
-                      <a:tailEnd type="none" w="med" len="med"/>
-                    </a:lnTlToBr>
-                    <a:lnBlToTr w="12700" cap="flat" cmpd="sng" algn="ctr">
-                      <a:noFill/>
-                      <a:prstDash val="solid"/>
-                      <a:round/>
-                      <a:headEnd type="none" w="med" len="med"/>
-                      <a:tailEnd type="none" w="med" len="med"/>
-                    </a:lnBlToTr>
-                    <a:gradFill>
-                      <a:gsLst>
-                        <a:gs pos="0">
-                          <a:srgbClr val="F3F3F3"/>
-                        </a:gs>
-                        <a:gs pos="100000">
-                          <a:srgbClr val="F3F3F3"/>
-                        </a:gs>
-                      </a:gsLst>
-                      <a:lin ang="0" scaled="0"/>
-                    </a:gradFill>
-                  </a:tcPr>
-                </a:tc>
-              </a:tr>
-              <a:tr h="1857375">
-                <a:tc>
-                  <a:txBody>
-                    <a:bodyPr wrap="square" rtlCol="0">
-                      <a:spAutoFit/>
-                    </a:bodyPr>
-                    <a:lstStyle/>
-                    <a:p>
-                      <a:pPr algn="l" fontAlgn="base" marL="0" marR="0" indent="0" lvl="0"/>
-                    </a:p>
-                  </a:txBody>
-                  <a:tcPr>
-                    <a:lnL w="12700" cap="flat" cmpd="sng" algn="ctr">
-                      <a:solidFill>
-                        <a:srgbClr val="F3F3F3"/>
-                      </a:solidFill>
-                      <a:prstDash val="solid"/>
-                      <a:round/>
-                      <a:headEnd type="none" w="med" len="med"/>
-                      <a:tailEnd type="none" w="med" len="med"/>
-                    </a:lnL>
-                    <a:lnR w="12700" cap="flat" cmpd="sng" algn="ctr">
-                      <a:solidFill>
-                        <a:srgbClr val="F3F3F3"/>
-                      </a:solidFill>
-                      <a:prstDash val="solid"/>
-                      <a:round/>
-                      <a:headEnd type="none" w="med" len="med"/>
-                      <a:tailEnd type="none" w="med" len="med"/>
-                    </a:lnR>
-                    <a:lnT w="12700" cap="flat" cmpd="sng" algn="ctr">
-                      <a:solidFill>
-                        <a:srgbClr val="F3F3F3"/>
-                      </a:solidFill>
-                      <a:prstDash val="solid"/>
-                      <a:round/>
-                      <a:headEnd type="none" w="med" len="med"/>
-                      <a:tailEnd type="none" w="med" len="med"/>
-                    </a:lnT>
-                    <a:lnB w="12700" cap="flat" cmpd="sng" algn="ctr">
-                      <a:solidFill>
-                        <a:srgbClr val="F3F3F3"/>
-                      </a:solidFill>
-                      <a:prstDash val="solid"/>
-                      <a:round/>
-                      <a:headEnd type="none" w="med" len="med"/>
-                      <a:tailEnd type="none" w="med" len="med"/>
-                    </a:lnB>
-                    <a:lnTlToBr w="12700" cap="flat" cmpd="sng" algn="ctr">
-                      <a:noFill/>
-                      <a:prstDash val="solid"/>
-                      <a:round/>
-                      <a:headEnd type="none" w="med" len="med"/>
-                      <a:tailEnd type="none" w="med" len="med"/>
-                    </a:lnTlToBr>
-                    <a:lnBlToTr w="12700" cap="flat" cmpd="sng" algn="ctr">
-                      <a:noFill/>
-                      <a:prstDash val="solid"/>
-                      <a:round/>
-                      <a:headEnd type="none" w="med" len="med"/>
-                      <a:tailEnd type="none" w="med" len="med"/>
-                    </a:lnBlToTr>
-                    <a:gradFill>
-                      <a:gsLst>
-                        <a:gs pos="0">
-                          <a:srgbClr val="FFFFFF"/>
-                        </a:gs>
-                        <a:gs pos="100000">
-                          <a:srgbClr val="FFFFFF"/>
-                        </a:gs>
-                      </a:gsLst>
-                      <a:lin ang="0" scaled="0"/>
-                    </a:gradFill>
-                  </a:tcPr>
-                </a:tc>
-              </a:tr>
-            </a:tbl>
-          </a:graphicData>
-        </a:graphic>
-      </p:graphicFrame>
-      <p:pic>
-        <p:nvPicPr>
-          <p:cNvPr id="9" name="" descr=""/>
-          <p:cNvPicPr>
-            <a:picLocks noChangeAspect="1"/>
-          </p:cNvPicPr>
-          <p:nvPr/>
-        </p:nvPicPr>
-        <p:blipFill>
-          <a:blip r:embed="rId5"/>
-          <a:stretch>
-            <a:fillRect/>
-          </a:stretch>
-        </p:blipFill>
-        <p:spPr>
-          <a:xfrm rot="0">
-            <a:off x="3857625" y="4572000"/>
-            <a:ext cx="2933700" cy="2200275"/>
-          </a:xfrm>
-          <a:prstGeom prst="rect">
-            <a:avLst/>
-          </a:prstGeom>
-        </p:spPr>
-      </p:pic>
-      <p:graphicFrame>
-        <p:nvGraphicFramePr>
-          <p:cNvPr id="10" name="" descr=""/>
-          <p:cNvGraphicFramePr>
-            <a:graphicFrameLocks noGrp="1"/>
-          </p:cNvGraphicFramePr>
-          <p:nvPr/>
-        </p:nvGraphicFramePr>
-        <p:xfrm>
-          <a:off x="600075" y="6953250"/>
-          <a:ext cx="3028950" cy="0"/>
-        </p:xfrm>
-        <a:graphic>
-          <a:graphicData uri="http://schemas.openxmlformats.org/drawingml/2006/table">
-            <a:tbl>
-              <a:tblPr firstRow="1" bandRow="1"/>
-              <a:tblGrid>
-                <a:gridCol w="3028950"/>
-              </a:tblGrid>
-              <a:tr h="361950">
-                <a:tc>
-                  <a:txBody>
-                    <a:bodyPr wrap="square" rtlCol="0">
-                      <a:spAutoFit/>
-                    </a:bodyPr>
-                    <a:lstStyle/>
-                    <a:p>
-                      <a:pPr algn="ctr" fontAlgn="ctr" marL="0" marR="0" indent="0" lvl="0"/>
-                      <a:r>
-                        <a:rPr b="true" i="false" strike="noStrike" sz="1100" u="none">
-                          <a:solidFill>
-                            <a:srgbClr val="000000"/>
-                          </a:solidFill>
-                          <a:latin typeface="Roboto Condensed"/>
-                        </a:rPr>
-                        <a:t><![CDATA[Sem nome (23)]]></a:t>
-                      </a:r>
-                    </a:p>
-                  </a:txBody>
-                  <a:tcPr anchor="ctr">
-                    <a:lnL w="12700" cap="flat" cmpd="sng" algn="ctr">
-                      <a:solidFill>
-                        <a:srgbClr val="F3F3F3"/>
-                      </a:solidFill>
-                      <a:prstDash val="solid"/>
-                      <a:round/>
-                      <a:headEnd type="none" w="med" len="med"/>
-                      <a:tailEnd type="none" w="med" len="med"/>
-                    </a:lnL>
-                    <a:lnR w="12700" cap="flat" cmpd="sng" algn="ctr">
-                      <a:solidFill>
-                        <a:srgbClr val="F3F3F3"/>
-                      </a:solidFill>
-                      <a:prstDash val="solid"/>
-                      <a:round/>
-                      <a:headEnd type="none" w="med" len="med"/>
-                      <a:tailEnd type="none" w="med" len="med"/>
-                    </a:lnR>
-                    <a:lnT w="12700" cap="flat" cmpd="sng" algn="ctr">
-                      <a:solidFill>
-                        <a:srgbClr val="F3F3F3"/>
-                      </a:solidFill>
-                      <a:prstDash val="solid"/>
-                      <a:round/>
-                      <a:headEnd type="none" w="med" len="med"/>
-                      <a:tailEnd type="none" w="med" len="med"/>
-                    </a:lnT>
-                    <a:lnB w="12700" cap="flat" cmpd="sng" algn="ctr">
-                      <a:solidFill>
-                        <a:srgbClr val="F3F3F3"/>
-                      </a:solidFill>
-                      <a:prstDash val="solid"/>
-                      <a:round/>
-                      <a:headEnd type="none" w="med" len="med"/>
-                      <a:tailEnd type="none" w="med" len="med"/>
-                    </a:lnB>
-                    <a:lnTlToBr w="12700" cap="flat" cmpd="sng" algn="ctr">
-                      <a:noFill/>
-                      <a:prstDash val="solid"/>
-                      <a:round/>
-                      <a:headEnd type="none" w="med" len="med"/>
-                      <a:tailEnd type="none" w="med" len="med"/>
-                    </a:lnTlToBr>
-                    <a:lnBlToTr w="12700" cap="flat" cmpd="sng" algn="ctr">
-                      <a:noFill/>
-                      <a:prstDash val="solid"/>
-                      <a:round/>
-                      <a:headEnd type="none" w="med" len="med"/>
-                      <a:tailEnd type="none" w="med" len="med"/>
-                    </a:lnBlToTr>
-                    <a:gradFill>
-                      <a:gsLst>
-                        <a:gs pos="0">
-                          <a:srgbClr val="F3F3F3"/>
-                        </a:gs>
-                        <a:gs pos="100000">
-                          <a:srgbClr val="F3F3F3"/>
-                        </a:gs>
-                      </a:gsLst>
-                      <a:lin ang="0" scaled="0"/>
-                    </a:gradFill>
-                  </a:tcPr>
-                </a:tc>
-              </a:tr>
-              <a:tr h="1857375">
-                <a:tc>
-                  <a:txBody>
-                    <a:bodyPr wrap="square" rtlCol="0">
-                      <a:spAutoFit/>
-                    </a:bodyPr>
-                    <a:lstStyle/>
-                    <a:p>
-                      <a:pPr algn="l" fontAlgn="base" marL="0" marR="0" indent="0" lvl="0"/>
-                    </a:p>
-                  </a:txBody>
-                  <a:tcPr>
-                    <a:lnL w="12700" cap="flat" cmpd="sng" algn="ctr">
-                      <a:solidFill>
-                        <a:srgbClr val="F3F3F3"/>
-                      </a:solidFill>
-                      <a:prstDash val="solid"/>
-                      <a:round/>
-                      <a:headEnd type="none" w="med" len="med"/>
-                      <a:tailEnd type="none" w="med" len="med"/>
-                    </a:lnL>
-                    <a:lnR w="12700" cap="flat" cmpd="sng" algn="ctr">
-                      <a:solidFill>
-                        <a:srgbClr val="F3F3F3"/>
-                      </a:solidFill>
-                      <a:prstDash val="solid"/>
-                      <a:round/>
-                      <a:headEnd type="none" w="med" len="med"/>
-                      <a:tailEnd type="none" w="med" len="med"/>
-                    </a:lnR>
-                    <a:lnT w="12700" cap="flat" cmpd="sng" algn="ctr">
-                      <a:solidFill>
-                        <a:srgbClr val="F3F3F3"/>
-                      </a:solidFill>
-                      <a:prstDash val="solid"/>
-                      <a:round/>
-                      <a:headEnd type="none" w="med" len="med"/>
-                      <a:tailEnd type="none" w="med" len="med"/>
-                    </a:lnT>
-                    <a:lnB w="12700" cap="flat" cmpd="sng" algn="ctr">
-                      <a:solidFill>
-                        <a:srgbClr val="F3F3F3"/>
-                      </a:solidFill>
-                      <a:prstDash val="solid"/>
-                      <a:round/>
-                      <a:headEnd type="none" w="med" len="med"/>
-                      <a:tailEnd type="none" w="med" len="med"/>
-                    </a:lnB>
-                    <a:lnTlToBr w="12700" cap="flat" cmpd="sng" algn="ctr">
-                      <a:noFill/>
-                      <a:prstDash val="solid"/>
-                      <a:round/>
-                      <a:headEnd type="none" w="med" len="med"/>
-                      <a:tailEnd type="none" w="med" len="med"/>
-                    </a:lnTlToBr>
-                    <a:lnBlToTr w="12700" cap="flat" cmpd="sng" algn="ctr">
-                      <a:noFill/>
-                      <a:prstDash val="solid"/>
-                      <a:round/>
-                      <a:headEnd type="none" w="med" len="med"/>
-                      <a:tailEnd type="none" w="med" len="med"/>
-                    </a:lnBlToTr>
-                    <a:gradFill>
-                      <a:gsLst>
-                        <a:gs pos="0">
-                          <a:srgbClr val="FFFFFF"/>
-                        </a:gs>
-                        <a:gs pos="100000">
-                          <a:srgbClr val="FFFFFF"/>
-                        </a:gs>
-                      </a:gsLst>
-                      <a:lin ang="0" scaled="0"/>
-                    </a:gradFill>
-                  </a:tcPr>
-                </a:tc>
-              </a:tr>
-            </a:tbl>
-          </a:graphicData>
-        </a:graphic>
-      </p:graphicFrame>
-      <p:pic>
-        <p:nvPicPr>
-          <p:cNvPr id="11" name="" descr=""/>
-          <p:cNvPicPr>
-            <a:picLocks noChangeAspect="1"/>
-          </p:cNvPicPr>
-          <p:nvPr/>
-        </p:nvPicPr>
-        <p:blipFill>
-          <a:blip r:embed="rId6"/>
-          <a:stretch>
-            <a:fillRect/>
-          </a:stretch>
-        </p:blipFill>
-        <p:spPr>
-          <a:xfrm rot="0">
-            <a:off x="647700" y="7429500"/>
-            <a:ext cx="2933700" cy="2200275"/>
-          </a:xfrm>
-          <a:prstGeom prst="rect">
-            <a:avLst/>
-          </a:prstGeom>
-        </p:spPr>
-      </p:pic>
-      <p:graphicFrame>
-        <p:nvGraphicFramePr>
-          <p:cNvPr id="12" name="" descr=""/>
-          <p:cNvGraphicFramePr>
-            <a:graphicFrameLocks noGrp="1"/>
-          </p:cNvGraphicFramePr>
-          <p:nvPr/>
-        </p:nvGraphicFramePr>
-        <p:xfrm>
-          <a:off x="3810000" y="6953250"/>
-          <a:ext cx="3028950" cy="0"/>
-        </p:xfrm>
-        <a:graphic>
-          <a:graphicData uri="http://schemas.openxmlformats.org/drawingml/2006/table">
-            <a:tbl>
-              <a:tblPr firstRow="1" bandRow="1"/>
-              <a:tblGrid>
-                <a:gridCol w="3028950"/>
-              </a:tblGrid>
-              <a:tr h="361950">
-                <a:tc>
-                  <a:txBody>
-                    <a:bodyPr wrap="square" rtlCol="0">
-                      <a:spAutoFit/>
-                    </a:bodyPr>
-                    <a:lstStyle/>
-                    <a:p>
-                      <a:pPr algn="ctr" fontAlgn="ctr" marL="0" marR="0" indent="0" lvl="0"/>
-                      <a:r>
-                        <a:rPr b="true" i="false" strike="noStrike" sz="1100" u="none">
-                          <a:solidFill>
-                            <a:srgbClr val="000000"/>
-                          </a:solidFill>
-                          <a:latin typeface="Roboto Condensed"/>
-                        </a:rPr>
-                        <a:t><![CDATA[Sem nome (24)]]></a:t>
-                      </a:r>
-                    </a:p>
-                  </a:txBody>
-                  <a:tcPr anchor="ctr">
-                    <a:lnL w="12700" cap="flat" cmpd="sng" algn="ctr">
-                      <a:solidFill>
-                        <a:srgbClr val="F3F3F3"/>
-                      </a:solidFill>
-                      <a:prstDash val="solid"/>
-                      <a:round/>
-                      <a:headEnd type="none" w="med" len="med"/>
-                      <a:tailEnd type="none" w="med" len="med"/>
-                    </a:lnL>
-                    <a:lnR w="12700" cap="flat" cmpd="sng" algn="ctr">
-                      <a:solidFill>
-                        <a:srgbClr val="F3F3F3"/>
-                      </a:solidFill>
-                      <a:prstDash val="solid"/>
-                      <a:round/>
-                      <a:headEnd type="none" w="med" len="med"/>
-                      <a:tailEnd type="none" w="med" len="med"/>
-                    </a:lnR>
-                    <a:lnT w="12700" cap="flat" cmpd="sng" algn="ctr">
-                      <a:solidFill>
-                        <a:srgbClr val="F3F3F3"/>
-                      </a:solidFill>
-                      <a:prstDash val="solid"/>
-                      <a:round/>
-                      <a:headEnd type="none" w="med" len="med"/>
-                      <a:tailEnd type="none" w="med" len="med"/>
-                    </a:lnT>
-                    <a:lnB w="12700" cap="flat" cmpd="sng" algn="ctr">
-                      <a:solidFill>
-                        <a:srgbClr val="F3F3F3"/>
-                      </a:solidFill>
-                      <a:prstDash val="solid"/>
-                      <a:round/>
-                      <a:headEnd type="none" w="med" len="med"/>
-                      <a:tailEnd type="none" w="med" len="med"/>
-                    </a:lnB>
-                    <a:lnTlToBr w="12700" cap="flat" cmpd="sng" algn="ctr">
-                      <a:noFill/>
-                      <a:prstDash val="solid"/>
-                      <a:round/>
-                      <a:headEnd type="none" w="med" len="med"/>
-                      <a:tailEnd type="none" w="med" len="med"/>
-                    </a:lnTlToBr>
-                    <a:lnBlToTr w="12700" cap="flat" cmpd="sng" algn="ctr">
-                      <a:noFill/>
-                      <a:prstDash val="solid"/>
-                      <a:round/>
-                      <a:headEnd type="none" w="med" len="med"/>
-                      <a:tailEnd type="none" w="med" len="med"/>
-                    </a:lnBlToTr>
-                    <a:gradFill>
-                      <a:gsLst>
-                        <a:gs pos="0">
-                          <a:srgbClr val="F3F3F3"/>
-                        </a:gs>
-                        <a:gs pos="100000">
-                          <a:srgbClr val="F3F3F3"/>
-                        </a:gs>
-                      </a:gsLst>
-                      <a:lin ang="0" scaled="0"/>
-                    </a:gradFill>
-                  </a:tcPr>
-                </a:tc>
-              </a:tr>
-              <a:tr h="1857375">
-                <a:tc>
-                  <a:txBody>
-                    <a:bodyPr wrap="square" rtlCol="0">
-                      <a:spAutoFit/>
-                    </a:bodyPr>
-                    <a:lstStyle/>
-                    <a:p>
-                      <a:pPr algn="l" fontAlgn="base" marL="0" marR="0" indent="0" lvl="0"/>
-                    </a:p>
-                  </a:txBody>
-                  <a:tcPr>
-                    <a:lnL w="12700" cap="flat" cmpd="sng" algn="ctr">
-                      <a:solidFill>
-                        <a:srgbClr val="F3F3F3"/>
-                      </a:solidFill>
-                      <a:prstDash val="solid"/>
-                      <a:round/>
-                      <a:headEnd type="none" w="med" len="med"/>
-                      <a:tailEnd type="none" w="med" len="med"/>
-                    </a:lnL>
-                    <a:lnR w="12700" cap="flat" cmpd="sng" algn="ctr">
-                      <a:solidFill>
-                        <a:srgbClr val="F3F3F3"/>
-                      </a:solidFill>
-                      <a:prstDash val="solid"/>
-                      <a:round/>
-                      <a:headEnd type="none" w="med" len="med"/>
-                      <a:tailEnd type="none" w="med" len="med"/>
-                    </a:lnR>
-                    <a:lnT w="12700" cap="flat" cmpd="sng" algn="ctr">
-                      <a:solidFill>
-                        <a:srgbClr val="F3F3F3"/>
-                      </a:solidFill>
-                      <a:prstDash val="solid"/>
-                      <a:round/>
-                      <a:headEnd type="none" w="med" len="med"/>
-                      <a:tailEnd type="none" w="med" len="med"/>
-                    </a:lnT>
-                    <a:lnB w="12700" cap="flat" cmpd="sng" algn="ctr">
-                      <a:solidFill>
-                        <a:srgbClr val="F3F3F3"/>
-                      </a:solidFill>
-                      <a:prstDash val="solid"/>
-                      <a:round/>
-                      <a:headEnd type="none" w="med" len="med"/>
-                      <a:tailEnd type="none" w="med" len="med"/>
-                    </a:lnB>
-                    <a:lnTlToBr w="12700" cap="flat" cmpd="sng" algn="ctr">
-                      <a:noFill/>
-                      <a:prstDash val="solid"/>
-                      <a:round/>
-                      <a:headEnd type="none" w="med" len="med"/>
-                      <a:tailEnd type="none" w="med" len="med"/>
-                    </a:lnTlToBr>
-                    <a:lnBlToTr w="12700" cap="flat" cmpd="sng" algn="ctr">
-                      <a:noFill/>
-                      <a:prstDash val="solid"/>
-                      <a:round/>
-                      <a:headEnd type="none" w="med" len="med"/>
-                      <a:tailEnd type="none" w="med" len="med"/>
-                    </a:lnBlToTr>
-                    <a:gradFill>
-                      <a:gsLst>
-                        <a:gs pos="0">
-                          <a:srgbClr val="FFFFFF"/>
-                        </a:gs>
-                        <a:gs pos="100000">
-                          <a:srgbClr val="FFFFFF"/>
-                        </a:gs>
-                      </a:gsLst>
-                      <a:lin ang="0" scaled="0"/>
-                    </a:gradFill>
-                  </a:tcPr>
-                </a:tc>
-              </a:tr>
-            </a:tbl>
-          </a:graphicData>
-        </a:graphic>
-      </p:graphicFrame>
-      <p:pic>
-        <p:nvPicPr>
-          <p:cNvPr id="13" name="" descr=""/>
-          <p:cNvPicPr>
-            <a:picLocks noChangeAspect="1"/>
-          </p:cNvPicPr>
-          <p:nvPr/>
-        </p:nvPicPr>
-        <p:blipFill>
-          <a:blip r:embed="rId7"/>
-          <a:stretch>
-            <a:fillRect/>
-          </a:stretch>
-        </p:blipFill>
-        <p:spPr>
-          <a:xfrm rot="0">
-            <a:off x="3857625" y="7429500"/>
-            <a:ext cx="2933700" cy="2200275"/>
-          </a:xfrm>
-          <a:prstGeom prst="rect">
-            <a:avLst/>
-          </a:prstGeom>
-        </p:spPr>
-      </p:pic>
-      <p:pic>
-        <p:nvPicPr>
-          <p:cNvPr id="14" name="" descr=""/>
-          <p:cNvPicPr>
-            <a:picLocks noChangeAspect="1"/>
-          </p:cNvPicPr>
-          <p:nvPr/>
-        </p:nvPicPr>
-        <p:blipFill>
-          <a:blip r:embed="rId8"/>
-          <a:stretch>
-            <a:fillRect/>
-          </a:stretch>
-        </p:blipFill>
-        <p:spPr>
-          <a:xfrm rot="0">
-            <a:off x="285750" y="9944100"/>
-            <a:ext cx="1495425" cy="190500"/>
-          </a:xfrm>
-          <a:prstGeom prst="rect">
-            <a:avLst/>
-          </a:prstGeom>
-        </p:spPr>
-      </p:pic>
-      <p:sp>
-        <p:nvSpPr>
-          <p:cNvPr id="15" name=""/>
-          <p:cNvSpPr txBox="1"/>
-          <p:nvPr/>
-        </p:nvSpPr>
-        <p:spPr>
-          <a:xfrm rot="0">
-            <a:off x="666750" y="9906000"/>
-            <a:ext cx="6667500" cy="381000"/>
-          </a:xfrm>
-          <a:prstGeom prst="rect"/>
-        </p:spPr>
-        <p:txBody>
-          <a:bodyPr wrap="square" rtlCol="0" horzOverflow="overflow" vertOverflow="overflow" bIns="45720" lIns="91440" rIns="91440" tIns="45720" numCol="1">
-            <a:spAutoFit/>
-          </a:bodyPr>
-          <a:lstStyle/>
-          <a:p>
-            <a:pPr algn="ctr" fontAlgn="base" marL="0" marR="0" indent="0" lvl="0"/>
-            <a:r>
-              <a:rPr b="true" i="false" strike="noStrike" sz="1000" u="none">
-                <a:solidFill>
-                  <a:srgbClr val="000000"/>
-                </a:solidFill>
-                <a:latin typeface="Calibri"/>
-              </a:rPr>
-              <a:t><![CDATA[OPEC: ]]></a:t>
-            </a:r>
-            <a:r>
-              <a:rPr b="false" i="false" strike="noStrike" sz="800" u="none">
-                <a:solidFill>
-                  <a:srgbClr val="000000"/>
-                </a:solidFill>
-                <a:latin typeface="Roboto Condensed"/>
-              </a:rPr>
-              <a:t><![CDATA[Rafael Rodrigo de AraÃºjo de Souza _ CPF: 736.922.981-53 _ RG: 2.378.507 - SSP/DF]]></a:t>
-            </a:r>
-          </a:p>
-        </p:txBody>
-      </p:sp>
-      <p:sp>
-        <p:nvSpPr>
-          <p:cNvPr id="16" name=""/>
-          <p:cNvSpPr txBox="1"/>
-          <p:nvPr/>
-        </p:nvSpPr>
-        <p:spPr>
-          <a:xfrm rot="0">
-            <a:off x="6953250" y="9953625"/>
-            <a:ext cx="571500" cy="285750"/>
-          </a:xfrm>
-          <a:prstGeom prst="rect"/>
-        </p:spPr>
-        <p:txBody>
-          <a:bodyPr wrap="square" rtlCol="0" horzOverflow="overflow" vertOverflow="overflow" bIns="45720" lIns="91440" rIns="91440" tIns="45720" numCol="1">
-            <a:spAutoFit/>
-          </a:bodyPr>
-          <a:lstStyle/>
-          <a:p>
-            <a:pPr algn="ctr" fontAlgn="base" marL="0" marR="0" indent="0" lvl="0"/>
-            <a:r>
-              <a:rPr b="false" i="false" strike="noStrike" sz="900" u="none">
-                <a:solidFill>
-                  <a:srgbClr val="000000"/>
-                </a:solidFill>
-                <a:latin typeface="Roboto Condensed"/>
-              </a:rPr>
-              <a:t><![CDATA[7]]></a:t>
-            </a:r>
-            <a:br/>
-          </a:p>
-        </p:txBody>
-      </p:sp>
-    </p:spTree>
-  </p:cSld>
-  <p:clrMapOvr>
-    <a:masterClrMapping/>
-  </p:clrMapOvr>
-</p:sld>
-</file>
-
-<file path=ppt/slides/slide8.xml><?xml version="1.0" encoding="utf-8"?>
-<p:sld xmlns:a="http://schemas.openxmlformats.org/drawingml/2006/main" xmlns:r="http://schemas.openxmlformats.org/officeDocument/2006/relationships" xmlns:p="http://schemas.openxmlformats.org/presentationml/2006/main">
-  <p:cSld>
-    <p:spTree>
-      <p:nvGrpSpPr>
-        <p:cNvPr id="1" name=""/>
-        <p:cNvGrpSpPr/>
-        <p:nvPr/>
-      </p:nvGrpSpPr>
-      <p:grpSpPr>
-        <a:xfrm>
-          <a:off x="0" y="0"/>
-          <a:ext cx="0" cy="0"/>
-          <a:chOff x="0" y="0"/>
-          <a:chExt cx="0" cy="0"/>
-        </a:xfrm>
-      </p:grpSpPr>
-      <p:graphicFrame>
-        <p:nvGraphicFramePr>
-          <p:cNvPr id="1" name="" descr=""/>
-          <p:cNvGraphicFramePr>
-            <a:graphicFrameLocks noGrp="1"/>
-          </p:cNvGraphicFramePr>
-          <p:nvPr/>
-        </p:nvGraphicFramePr>
-        <p:xfrm>
-          <a:off x="619125" y="381000"/>
-          <a:ext cx="8953500" cy="0"/>
-        </p:xfrm>
-        <a:graphic>
-          <a:graphicData uri="http://schemas.openxmlformats.org/drawingml/2006/table">
-            <a:tbl>
-              <a:tblPr firstRow="1" bandRow="1"/>
-              <a:tblGrid>
-                <a:gridCol w="666750"/>
-                <a:gridCol w="1428750"/>
-                <a:gridCol w="762000"/>
-                <a:gridCol w="1905000"/>
-                <a:gridCol w="571500"/>
-                <a:gridCol w="857250"/>
-              </a:tblGrid>
-              <a:tr h="142875">
-                <a:tc>
-                  <a:txBody>
-                    <a:bodyPr wrap="square" rtlCol="0">
-                      <a:spAutoFit/>
-                    </a:bodyPr>
-                    <a:lstStyle/>
-                    <a:p>
-                      <a:pPr algn="l" fontAlgn="ctr" marL="0" marR="0" indent="0" lvl="0"/>
-                      <a:r>
-                        <a:rPr b="true" i="false" strike="noStrike" sz="900" u="none">
-                          <a:solidFill>
-                            <a:srgbClr val="FFFFFF"/>
-                          </a:solidFill>
-                          <a:latin typeface="Roboto Condensed"/>
-                        </a:rPr>
-                        <a:t><![CDATA[CLIENTE]]></a:t>
-                      </a:r>
-                    </a:p>
-                  </a:txBody>
-                  <a:tcPr anchor="ctr">
-                    <a:lnL w="12700" cap="flat" cmpd="sng" algn="ctr">
-                      <a:solidFill>
-                        <a:srgbClr val="000000"/>
-                      </a:solidFill>
-                      <a:prstDash val="solid"/>
-                      <a:round/>
-                      <a:headEnd type="none" w="med" len="med"/>
-                      <a:tailEnd type="none" w="med" len="med"/>
-                    </a:lnL>
-                    <a:lnR w="12700" cap="flat" cmpd="sng" algn="ctr">
-                      <a:solidFill>
-                        <a:srgbClr val="000000"/>
-                      </a:solidFill>
-                      <a:prstDash val="solid"/>
-                      <a:round/>
-                      <a:headEnd type="none" w="med" len="med"/>
-                      <a:tailEnd type="none" w="med" len="med"/>
-                    </a:lnR>
-                    <a:lnT w="12700" cap="flat" cmpd="sng" algn="ctr">
-                      <a:solidFill>
-                        <a:srgbClr val="000000"/>
-                      </a:solidFill>
-                      <a:prstDash val="solid"/>
-                      <a:round/>
-                      <a:headEnd type="none" w="med" len="med"/>
-                      <a:tailEnd type="none" w="med" len="med"/>
-                    </a:lnT>
-                    <a:lnB w="12700" cap="flat" cmpd="sng" algn="ctr">
-                      <a:solidFill>
-                        <a:srgbClr val="000000"/>
-                      </a:solidFill>
-                      <a:prstDash val="solid"/>
-                      <a:round/>
-                      <a:headEnd type="none" w="med" len="med"/>
-                      <a:tailEnd type="none" w="med" len="med"/>
-                    </a:lnB>
-                    <a:lnTlToBr w="12700" cap="flat" cmpd="sng" algn="ctr">
-                      <a:noFill/>
-                      <a:prstDash val="solid"/>
-                      <a:round/>
-                      <a:headEnd type="none" w="med" len="med"/>
-                      <a:tailEnd type="none" w="med" len="med"/>
-                    </a:lnTlToBr>
-                    <a:lnBlToTr w="12700" cap="flat" cmpd="sng" algn="ctr">
-                      <a:noFill/>
-                      <a:prstDash val="solid"/>
-                      <a:round/>
-                      <a:headEnd type="none" w="med" len="med"/>
-                      <a:tailEnd type="none" w="med" len="med"/>
-                    </a:lnBlToTr>
-                    <a:gradFill>
-                      <a:gsLst>
-                        <a:gs pos="0">
-                          <a:srgbClr val="674ea7"/>
-                        </a:gs>
-                        <a:gs pos="100000">
-                          <a:srgbClr val="674ea7"/>
-                        </a:gs>
-                      </a:gsLst>
-                      <a:lin ang="0" scaled="0"/>
-                    </a:gradFill>
-                  </a:tcPr>
-                </a:tc>
-                <a:tc>
-                  <a:txBody>
-                    <a:bodyPr wrap="square" rtlCol="0">
-                      <a:spAutoFit/>
-                    </a:bodyPr>
-                    <a:lstStyle/>
-                    <a:p>
-                      <a:pPr algn="l" fontAlgn="ctr" marL="0" marR="0" indent="0" lvl="0"/>
-                      <a:r>
-                        <a:rPr b="false" i="false" strike="noStrike" sz="900" u="none">
-                          <a:solidFill>
-                            <a:srgbClr val="000000"/>
-                          </a:solidFill>
-                          <a:latin typeface="Roboto Condensed"/>
-                        </a:rPr>
-                        <a:t><![CDATA[Himeji Sushi Bar ]]></a:t>
-                      </a:r>
-                    </a:p>
-                  </a:txBody>
-                  <a:tcPr anchor="ctr">
-                    <a:lnL w="12700" cap="flat" cmpd="sng" algn="ctr">
-                      <a:solidFill>
-                        <a:srgbClr val="000000"/>
-                      </a:solidFill>
-                      <a:prstDash val="solid"/>
-                      <a:round/>
-                      <a:headEnd type="none" w="med" len="med"/>
-                      <a:tailEnd type="none" w="med" len="med"/>
-                    </a:lnL>
-                    <a:lnR w="12700" cap="flat" cmpd="sng" algn="ctr">
-                      <a:solidFill>
-                        <a:srgbClr val="000000"/>
-                      </a:solidFill>
-                      <a:prstDash val="solid"/>
-                      <a:round/>
-                      <a:headEnd type="none" w="med" len="med"/>
-                      <a:tailEnd type="none" w="med" len="med"/>
-                    </a:lnR>
-                    <a:lnT w="12700" cap="flat" cmpd="sng" algn="ctr">
-                      <a:solidFill>
-                        <a:srgbClr val="000000"/>
-                      </a:solidFill>
-                      <a:prstDash val="solid"/>
-                      <a:round/>
-                      <a:headEnd type="none" w="med" len="med"/>
-                      <a:tailEnd type="none" w="med" len="med"/>
-                    </a:lnT>
-                    <a:lnB w="12700" cap="flat" cmpd="sng" algn="ctr">
-                      <a:solidFill>
-                        <a:srgbClr val="000000"/>
-                      </a:solidFill>
-                      <a:prstDash val="solid"/>
-                      <a:round/>
-                      <a:headEnd type="none" w="med" len="med"/>
-                      <a:tailEnd type="none" w="med" len="med"/>
-                    </a:lnB>
-                    <a:lnTlToBr w="12700" cap="flat" cmpd="sng" algn="ctr">
-                      <a:noFill/>
-                      <a:prstDash val="solid"/>
-                      <a:round/>
-                      <a:headEnd type="none" w="med" len="med"/>
-                      <a:tailEnd type="none" w="med" len="med"/>
-                    </a:lnTlToBr>
-                    <a:lnBlToTr w="12700" cap="flat" cmpd="sng" algn="ctr">
-                      <a:noFill/>
-                      <a:prstDash val="solid"/>
-                      <a:round/>
-                      <a:headEnd type="none" w="med" len="med"/>
-                      <a:tailEnd type="none" w="med" len="med"/>
-                    </a:lnBlToTr>
-                    <a:gradFill>
-                      <a:gsLst>
-                        <a:gs pos="0">
-                          <a:srgbClr val="FFFFFF"/>
-                        </a:gs>
-                        <a:gs pos="100000">
-                          <a:srgbClr val="FFFFFF"/>
-                        </a:gs>
-                      </a:gsLst>
-                      <a:lin ang="0" scaled="0"/>
-                    </a:gradFill>
-                  </a:tcPr>
-                </a:tc>
-                <a:tc>
-                  <a:txBody>
-                    <a:bodyPr wrap="square" rtlCol="0">
-                      <a:spAutoFit/>
-                    </a:bodyPr>
-                    <a:lstStyle/>
-                    <a:p>
-                      <a:pPr algn="l" fontAlgn="ctr" marL="0" marR="0" indent="0" lvl="0"/>
-                      <a:r>
-                        <a:rPr b="true" i="false" strike="noStrike" sz="900" u="none">
-                          <a:solidFill>
-                            <a:srgbClr val="FFFFFF"/>
-                          </a:solidFill>
-                          <a:latin typeface="Roboto Condensed"/>
-                        </a:rPr>
-                        <a:t><![CDATA[CAMPANHA]]></a:t>
-                      </a:r>
-                    </a:p>
-                  </a:txBody>
-                  <a:tcPr anchor="ctr">
-                    <a:lnL w="12700" cap="flat" cmpd="sng" algn="ctr">
-                      <a:solidFill>
-                        <a:srgbClr val="000000"/>
-                      </a:solidFill>
-                      <a:prstDash val="solid"/>
-                      <a:round/>
-                      <a:headEnd type="none" w="med" len="med"/>
-                      <a:tailEnd type="none" w="med" len="med"/>
-                    </a:lnL>
-                    <a:lnR w="12700" cap="flat" cmpd="sng" algn="ctr">
-                      <a:solidFill>
-                        <a:srgbClr val="000000"/>
-                      </a:solidFill>
-                      <a:prstDash val="solid"/>
-                      <a:round/>
-                      <a:headEnd type="none" w="med" len="med"/>
-                      <a:tailEnd type="none" w="med" len="med"/>
-                    </a:lnR>
-                    <a:lnT w="12700" cap="flat" cmpd="sng" algn="ctr">
-                      <a:solidFill>
-                        <a:srgbClr val="000000"/>
-                      </a:solidFill>
-                      <a:prstDash val="solid"/>
-                      <a:round/>
-                      <a:headEnd type="none" w="med" len="med"/>
-                      <a:tailEnd type="none" w="med" len="med"/>
-                    </a:lnT>
-                    <a:lnB w="12700" cap="flat" cmpd="sng" algn="ctr">
-                      <a:solidFill>
-                        <a:srgbClr val="000000"/>
-                      </a:solidFill>
-                      <a:prstDash val="solid"/>
-                      <a:round/>
-                      <a:headEnd type="none" w="med" len="med"/>
-                      <a:tailEnd type="none" w="med" len="med"/>
-                    </a:lnB>
-                    <a:lnTlToBr w="12700" cap="flat" cmpd="sng" algn="ctr">
-                      <a:noFill/>
-                      <a:prstDash val="solid"/>
-                      <a:round/>
-                      <a:headEnd type="none" w="med" len="med"/>
-                      <a:tailEnd type="none" w="med" len="med"/>
-                    </a:lnTlToBr>
-                    <a:lnBlToTr w="12700" cap="flat" cmpd="sng" algn="ctr">
-                      <a:noFill/>
-                      <a:prstDash val="solid"/>
-                      <a:round/>
-                      <a:headEnd type="none" w="med" len="med"/>
-                      <a:tailEnd type="none" w="med" len="med"/>
-                    </a:lnBlToTr>
-                    <a:gradFill>
-                      <a:gsLst>
-                        <a:gs pos="0">
-                          <a:srgbClr val="674ea7"/>
-                        </a:gs>
-                        <a:gs pos="100000">
-                          <a:srgbClr val="674ea7"/>
-                        </a:gs>
-                      </a:gsLst>
-                      <a:lin ang="0" scaled="0"/>
-                    </a:gradFill>
-                  </a:tcPr>
-                </a:tc>
-                <a:tc>
-                  <a:txBody>
-                    <a:bodyPr wrap="square" rtlCol="0">
-                      <a:spAutoFit/>
-                    </a:bodyPr>
-                    <a:lstStyle/>
-                    <a:p>
-                      <a:pPr algn="l" fontAlgn="ctr" marL="0" marR="0" indent="0" lvl="0"/>
-                      <a:r>
-                        <a:rPr b="false" i="false" strike="noStrike" sz="900" u="none">
-                          <a:solidFill>
-                            <a:srgbClr val="000000"/>
-                          </a:solidFill>
-                          <a:latin typeface="Roboto Condensed"/>
-                        </a:rPr>
-                        <a:t><![CDATA[VAREJO AGOSTO 2017 ]]></a:t>
-                      </a:r>
-                    </a:p>
-                  </a:txBody>
-                  <a:tcPr anchor="ctr">
-                    <a:lnL w="12700" cap="flat" cmpd="sng" algn="ctr">
-                      <a:solidFill>
-                        <a:srgbClr val="000000"/>
-                      </a:solidFill>
-                      <a:prstDash val="solid"/>
-                      <a:round/>
-                      <a:headEnd type="none" w="med" len="med"/>
-                      <a:tailEnd type="none" w="med" len="med"/>
-                    </a:lnL>
-                    <a:lnR w="12700" cap="flat" cmpd="sng" algn="ctr">
-                      <a:solidFill>
-                        <a:srgbClr val="000000"/>
-                      </a:solidFill>
-                      <a:prstDash val="solid"/>
-                      <a:round/>
-                      <a:headEnd type="none" w="med" len="med"/>
-                      <a:tailEnd type="none" w="med" len="med"/>
-                    </a:lnR>
-                    <a:lnT w="12700" cap="flat" cmpd="sng" algn="ctr">
-                      <a:solidFill>
-                        <a:srgbClr val="000000"/>
-                      </a:solidFill>
-                      <a:prstDash val="solid"/>
-                      <a:round/>
-                      <a:headEnd type="none" w="med" len="med"/>
-                      <a:tailEnd type="none" w="med" len="med"/>
-                    </a:lnT>
-                    <a:lnB w="12700" cap="flat" cmpd="sng" algn="ctr">
-                      <a:solidFill>
-                        <a:srgbClr val="000000"/>
-                      </a:solidFill>
-                      <a:prstDash val="solid"/>
-                      <a:round/>
-                      <a:headEnd type="none" w="med" len="med"/>
-                      <a:tailEnd type="none" w="med" len="med"/>
-                    </a:lnB>
-                    <a:lnTlToBr w="12700" cap="flat" cmpd="sng" algn="ctr">
-                      <a:noFill/>
-                      <a:prstDash val="solid"/>
-                      <a:round/>
-                      <a:headEnd type="none" w="med" len="med"/>
-                      <a:tailEnd type="none" w="med" len="med"/>
-                    </a:lnTlToBr>
-                    <a:lnBlToTr w="12700" cap="flat" cmpd="sng" algn="ctr">
-                      <a:noFill/>
-                      <a:prstDash val="solid"/>
-                      <a:round/>
-                      <a:headEnd type="none" w="med" len="med"/>
-                      <a:tailEnd type="none" w="med" len="med"/>
-                    </a:lnBlToTr>
-                    <a:gradFill>
-                      <a:gsLst>
-                        <a:gs pos="0">
-                          <a:srgbClr val="FFFFFF"/>
-                        </a:gs>
-                        <a:gs pos="100000">
-                          <a:srgbClr val="FFFFFF"/>
-                        </a:gs>
-                      </a:gsLst>
-                      <a:lin ang="0" scaled="0"/>
-                    </a:gradFill>
-                  </a:tcPr>
-                </a:tc>
-                <a:tc>
-                  <a:txBody>
-                    <a:bodyPr wrap="square" rtlCol="0">
-                      <a:spAutoFit/>
-                    </a:bodyPr>
-                    <a:lstStyle/>
-                    <a:p>
-                      <a:pPr algn="l" fontAlgn="ctr" marL="0" marR="0" indent="0" lvl="0"/>
-                      <a:r>
-                        <a:rPr b="true" i="false" strike="noStrike" sz="900" u="none">
-                          <a:solidFill>
-                            <a:srgbClr val="FFFFFF"/>
-                          </a:solidFill>
-                          <a:latin typeface="Roboto Condensed"/>
-                        </a:rPr>
-                        <a:t><![CDATA[INICIO]]></a:t>
-                      </a:r>
-                    </a:p>
-                  </a:txBody>
-                  <a:tcPr anchor="ctr">
-                    <a:lnL w="12700" cap="flat" cmpd="sng" algn="ctr">
-                      <a:solidFill>
-                        <a:srgbClr val="000000"/>
-                      </a:solidFill>
-                      <a:prstDash val="solid"/>
-                      <a:round/>
-                      <a:headEnd type="none" w="med" len="med"/>
-                      <a:tailEnd type="none" w="med" len="med"/>
-                    </a:lnL>
-                    <a:lnR w="12700" cap="flat" cmpd="sng" algn="ctr">
-                      <a:solidFill>
-                        <a:srgbClr val="000000"/>
-                      </a:solidFill>
-                      <a:prstDash val="solid"/>
-                      <a:round/>
-                      <a:headEnd type="none" w="med" len="med"/>
-                      <a:tailEnd type="none" w="med" len="med"/>
-                    </a:lnR>
-                    <a:lnT w="12700" cap="flat" cmpd="sng" algn="ctr">
-                      <a:solidFill>
-                        <a:srgbClr val="000000"/>
-                      </a:solidFill>
-                      <a:prstDash val="solid"/>
-                      <a:round/>
-                      <a:headEnd type="none" w="med" len="med"/>
-                      <a:tailEnd type="none" w="med" len="med"/>
-                    </a:lnT>
-                    <a:lnB w="12700" cap="flat" cmpd="sng" algn="ctr">
-                      <a:solidFill>
-                        <a:srgbClr val="000000"/>
-                      </a:solidFill>
-                      <a:prstDash val="solid"/>
-                      <a:round/>
-                      <a:headEnd type="none" w="med" len="med"/>
-                      <a:tailEnd type="none" w="med" len="med"/>
-                    </a:lnB>
-                    <a:lnTlToBr w="12700" cap="flat" cmpd="sng" algn="ctr">
-                      <a:noFill/>
-                      <a:prstDash val="solid"/>
-                      <a:round/>
-                      <a:headEnd type="none" w="med" len="med"/>
-                      <a:tailEnd type="none" w="med" len="med"/>
-                    </a:lnTlToBr>
-                    <a:lnBlToTr w="12700" cap="flat" cmpd="sng" algn="ctr">
-                      <a:noFill/>
-                      <a:prstDash val="solid"/>
-                      <a:round/>
-                      <a:headEnd type="none" w="med" len="med"/>
-                      <a:tailEnd type="none" w="med" len="med"/>
-                    </a:lnBlToTr>
-                    <a:gradFill>
-                      <a:gsLst>
-                        <a:gs pos="0">
-                          <a:srgbClr val="674ea7"/>
-                        </a:gs>
-                        <a:gs pos="100000">
-                          <a:srgbClr val="674ea7"/>
-                        </a:gs>
-                      </a:gsLst>
-                      <a:lin ang="0" scaled="0"/>
-                    </a:gradFill>
-                  </a:tcPr>
-                </a:tc>
-                <a:tc>
-                  <a:txBody>
-                    <a:bodyPr wrap="square" rtlCol="0">
-                      <a:spAutoFit/>
-                    </a:bodyPr>
-                    <a:lstStyle/>
-                    <a:p>
-                      <a:pPr algn="l" fontAlgn="ctr" marL="0" marR="0" indent="0" lvl="0"/>
-                      <a:r>
-                        <a:rPr b="false" i="false" strike="noStrike" sz="900" u="none">
-                          <a:solidFill>
-                            <a:srgbClr val="000000"/>
-                          </a:solidFill>
-                          <a:latin typeface="Roboto Condensed"/>
-                        </a:rPr>
-                        <a:t><![CDATA[01/08/2017]]></a:t>
-                      </a:r>
-                    </a:p>
-                  </a:txBody>
-                  <a:tcPr anchor="ctr">
-                    <a:lnL w="12700" cap="flat" cmpd="sng" algn="ctr">
-                      <a:solidFill>
-                        <a:srgbClr val="000000"/>
-                      </a:solidFill>
-                      <a:prstDash val="solid"/>
-                      <a:round/>
-                      <a:headEnd type="none" w="med" len="med"/>
-                      <a:tailEnd type="none" w="med" len="med"/>
-                    </a:lnL>
-                    <a:lnR w="12700" cap="flat" cmpd="sng" algn="ctr">
-                      <a:solidFill>
-                        <a:srgbClr val="000000"/>
-                      </a:solidFill>
-                      <a:prstDash val="solid"/>
-                      <a:round/>
-                      <a:headEnd type="none" w="med" len="med"/>
-                      <a:tailEnd type="none" w="med" len="med"/>
-                    </a:lnR>
-                    <a:lnT w="12700" cap="flat" cmpd="sng" algn="ctr">
-                      <a:solidFill>
-                        <a:srgbClr val="000000"/>
-                      </a:solidFill>
-                      <a:prstDash val="solid"/>
-                      <a:round/>
-                      <a:headEnd type="none" w="med" len="med"/>
-                      <a:tailEnd type="none" w="med" len="med"/>
-                    </a:lnT>
-                    <a:lnB w="12700" cap="flat" cmpd="sng" algn="ctr">
-                      <a:solidFill>
-                        <a:srgbClr val="000000"/>
-                      </a:solidFill>
-                      <a:prstDash val="solid"/>
-                      <a:round/>
-                      <a:headEnd type="none" w="med" len="med"/>
-                      <a:tailEnd type="none" w="med" len="med"/>
-                    </a:lnB>
-                    <a:lnTlToBr w="12700" cap="flat" cmpd="sng" algn="ctr">
-                      <a:noFill/>
-                      <a:prstDash val="solid"/>
-                      <a:round/>
-                      <a:headEnd type="none" w="med" len="med"/>
-                      <a:tailEnd type="none" w="med" len="med"/>
-                    </a:lnTlToBr>
-                    <a:lnBlToTr w="12700" cap="flat" cmpd="sng" algn="ctr">
-                      <a:noFill/>
-                      <a:prstDash val="solid"/>
-                      <a:round/>
-                      <a:headEnd type="none" w="med" len="med"/>
-                      <a:tailEnd type="none" w="med" len="med"/>
-                    </a:lnBlToTr>
-                    <a:gradFill>
-                      <a:gsLst>
-                        <a:gs pos="0">
-                          <a:srgbClr val="FFFFFF"/>
-                        </a:gs>
-                        <a:gs pos="100000">
-                          <a:srgbClr val="FFFFFF"/>
-                        </a:gs>
-                      </a:gsLst>
-                      <a:lin ang="0" scaled="0"/>
-                    </a:gradFill>
-                  </a:tcPr>
-                </a:tc>
-              </a:tr>
-              <a:tr h="142875">
-                <a:tc>
-                  <a:txBody>
-                    <a:bodyPr wrap="square" rtlCol="0">
-                      <a:spAutoFit/>
-                    </a:bodyPr>
-                    <a:lstStyle/>
-                    <a:p>
-                      <a:pPr algn="l" fontAlgn="base" marL="0" marR="0" indent="0" lvl="0"/>
-                      <a:r>
-                        <a:rPr b="true" i="false" strike="noStrike" sz="900" u="none">
-                          <a:solidFill>
-                            <a:srgbClr val="FFFFFF"/>
-                          </a:solidFill>
-                          <a:latin typeface="Roboto Condensed"/>
-                        </a:rPr>
-                        <a:t><![CDATA[PRODUTO]]></a:t>
-                      </a:r>
-                    </a:p>
-                  </a:txBody>
-                  <a:tcPr>
-                    <a:lnL w="12700" cap="flat" cmpd="sng" algn="ctr">
-                      <a:solidFill>
-                        <a:srgbClr val="000000"/>
-                      </a:solidFill>
-                      <a:prstDash val="solid"/>
-                      <a:round/>
-                      <a:headEnd type="none" w="med" len="med"/>
-                      <a:tailEnd type="none" w="med" len="med"/>
-                    </a:lnL>
-                    <a:lnR w="12700" cap="flat" cmpd="sng" algn="ctr">
-                      <a:solidFill>
-                        <a:srgbClr val="000000"/>
-                      </a:solidFill>
-                      <a:prstDash val="solid"/>
-                      <a:round/>
-                      <a:headEnd type="none" w="med" len="med"/>
-                      <a:tailEnd type="none" w="med" len="med"/>
-                    </a:lnR>
-                    <a:lnT w="12700" cap="flat" cmpd="sng" algn="ctr">
-                      <a:solidFill>
-                        <a:srgbClr val="000000"/>
-                      </a:solidFill>
-                      <a:prstDash val="solid"/>
-                      <a:round/>
-                      <a:headEnd type="none" w="med" len="med"/>
-                      <a:tailEnd type="none" w="med" len="med"/>
-                    </a:lnT>
-                    <a:lnB w="12700" cap="flat" cmpd="sng" algn="ctr">
-                      <a:solidFill>
-                        <a:srgbClr val="000000"/>
-                      </a:solidFill>
-                      <a:prstDash val="solid"/>
-                      <a:round/>
-                      <a:headEnd type="none" w="med" len="med"/>
-                      <a:tailEnd type="none" w="med" len="med"/>
-                    </a:lnB>
-                    <a:lnTlToBr w="12700" cap="flat" cmpd="sng" algn="ctr">
-                      <a:noFill/>
-                      <a:prstDash val="solid"/>
-                      <a:round/>
-                      <a:headEnd type="none" w="med" len="med"/>
-                      <a:tailEnd type="none" w="med" len="med"/>
-                    </a:lnTlToBr>
-                    <a:lnBlToTr w="12700" cap="flat" cmpd="sng" algn="ctr">
-                      <a:noFill/>
-                      <a:prstDash val="solid"/>
-                      <a:round/>
-                      <a:headEnd type="none" w="med" len="med"/>
-                      <a:tailEnd type="none" w="med" len="med"/>
-                    </a:lnBlToTr>
-                    <a:gradFill>
-                      <a:gsLst>
-                        <a:gs pos="0">
-                          <a:srgbClr val="674ea7"/>
-                        </a:gs>
-                        <a:gs pos="100000">
-                          <a:srgbClr val="674ea7"/>
-                        </a:gs>
-                      </a:gsLst>
-                      <a:lin ang="0" scaled="0"/>
-                    </a:gradFill>
-                  </a:tcPr>
-                </a:tc>
-                <a:tc>
-                  <a:txBody>
-                    <a:bodyPr wrap="square" rtlCol="0">
-                      <a:spAutoFit/>
-                    </a:bodyPr>
-                    <a:lstStyle/>
-                    <a:p>
-                      <a:pPr algn="l" fontAlgn="ctr" marL="0" marR="0" indent="0" lvl="0"/>
-                      <a:r>
-                        <a:rPr b="false" i="false" strike="noStrike" sz="900" u="none">
-                          <a:solidFill>
-                            <a:srgbClr val="000000"/>
-                          </a:solidFill>
-                          <a:latin typeface="Roboto Condensed"/>
-                        </a:rPr>
-                        <a:t><![CDATA[ ]]></a:t>
-                      </a:r>
-                    </a:p>
-                  </a:txBody>
-                  <a:tcPr anchor="ctr">
-                    <a:lnL w="12700" cap="flat" cmpd="sng" algn="ctr">
-                      <a:solidFill>
-                        <a:srgbClr val="000000"/>
-                      </a:solidFill>
-                      <a:prstDash val="solid"/>
-                      <a:round/>
-                      <a:headEnd type="none" w="med" len="med"/>
-                      <a:tailEnd type="none" w="med" len="med"/>
-                    </a:lnL>
-                    <a:lnR w="12700" cap="flat" cmpd="sng" algn="ctr">
-                      <a:solidFill>
-                        <a:srgbClr val="000000"/>
-                      </a:solidFill>
-                      <a:prstDash val="solid"/>
-                      <a:round/>
-                      <a:headEnd type="none" w="med" len="med"/>
-                      <a:tailEnd type="none" w="med" len="med"/>
-                    </a:lnR>
-                    <a:lnT w="12700" cap="flat" cmpd="sng" algn="ctr">
-                      <a:solidFill>
-                        <a:srgbClr val="000000"/>
-                      </a:solidFill>
-                      <a:prstDash val="solid"/>
-                      <a:round/>
-                      <a:headEnd type="none" w="med" len="med"/>
-                      <a:tailEnd type="none" w="med" len="med"/>
-                    </a:lnT>
-                    <a:lnB w="12700" cap="flat" cmpd="sng" algn="ctr">
-                      <a:solidFill>
-                        <a:srgbClr val="000000"/>
-                      </a:solidFill>
-                      <a:prstDash val="solid"/>
-                      <a:round/>
-                      <a:headEnd type="none" w="med" len="med"/>
-                      <a:tailEnd type="none" w="med" len="med"/>
-                    </a:lnB>
-                    <a:lnTlToBr w="12700" cap="flat" cmpd="sng" algn="ctr">
-                      <a:noFill/>
-                      <a:prstDash val="solid"/>
-                      <a:round/>
-                      <a:headEnd type="none" w="med" len="med"/>
-                      <a:tailEnd type="none" w="med" len="med"/>
-                    </a:lnTlToBr>
-                    <a:lnBlToTr w="12700" cap="flat" cmpd="sng" algn="ctr">
-                      <a:noFill/>
-                      <a:prstDash val="solid"/>
-                      <a:round/>
-                      <a:headEnd type="none" w="med" len="med"/>
-                      <a:tailEnd type="none" w="med" len="med"/>
-                    </a:lnBlToTr>
-                    <a:gradFill>
-                      <a:gsLst>
-                        <a:gs pos="0">
-                          <a:srgbClr val="FFFFFF"/>
-                        </a:gs>
-                        <a:gs pos="100000">
-                          <a:srgbClr val="FFFFFF"/>
-                        </a:gs>
-                      </a:gsLst>
-                      <a:lin ang="0" scaled="0"/>
-                    </a:gradFill>
-                  </a:tcPr>
-                </a:tc>
-                <a:tc>
-                  <a:txBody>
-                    <a:bodyPr wrap="square" rtlCol="0">
-                      <a:spAutoFit/>
-                    </a:bodyPr>
-                    <a:lstStyle/>
-                    <a:p>
-                      <a:pPr algn="l" fontAlgn="base" marL="0" marR="0" indent="0" lvl="0"/>
-                      <a:r>
-                        <a:rPr b="true" i="false" strike="noStrike" sz="900" u="none">
-                          <a:solidFill>
-                            <a:srgbClr val="FFFFFF"/>
-                          </a:solidFill>
-                          <a:latin typeface="Roboto Condensed"/>
-                        </a:rPr>
-                        <a:t><![CDATA[PECAS]]></a:t>
-                      </a:r>
-                    </a:p>
-                  </a:txBody>
-                  <a:tcPr>
-                    <a:lnL w="12700" cap="flat" cmpd="sng" algn="ctr">
-                      <a:solidFill>
-                        <a:srgbClr val="000000"/>
-                      </a:solidFill>
-                      <a:prstDash val="solid"/>
-                      <a:round/>
-                      <a:headEnd type="none" w="med" len="med"/>
-                      <a:tailEnd type="none" w="med" len="med"/>
-                    </a:lnL>
-                    <a:lnR w="12700" cap="flat" cmpd="sng" algn="ctr">
-                      <a:solidFill>
-                        <a:srgbClr val="000000"/>
-                      </a:solidFill>
-                      <a:prstDash val="solid"/>
-                      <a:round/>
-                      <a:headEnd type="none" w="med" len="med"/>
-                      <a:tailEnd type="none" w="med" len="med"/>
-                    </a:lnR>
-                    <a:lnT w="12700" cap="flat" cmpd="sng" algn="ctr">
-                      <a:solidFill>
-                        <a:srgbClr val="000000"/>
-                      </a:solidFill>
-                      <a:prstDash val="solid"/>
-                      <a:round/>
-                      <a:headEnd type="none" w="med" len="med"/>
-                      <a:tailEnd type="none" w="med" len="med"/>
-                    </a:lnT>
-                    <a:lnB w="12700" cap="flat" cmpd="sng" algn="ctr">
-                      <a:solidFill>
-                        <a:srgbClr val="000000"/>
-                      </a:solidFill>
-                      <a:prstDash val="solid"/>
-                      <a:round/>
-                      <a:headEnd type="none" w="med" len="med"/>
-                      <a:tailEnd type="none" w="med" len="med"/>
-                    </a:lnB>
-                    <a:lnTlToBr w="12700" cap="flat" cmpd="sng" algn="ctr">
-                      <a:noFill/>
-                      <a:prstDash val="solid"/>
-                      <a:round/>
-                      <a:headEnd type="none" w="med" len="med"/>
-                      <a:tailEnd type="none" w="med" len="med"/>
-                    </a:lnTlToBr>
-                    <a:lnBlToTr w="12700" cap="flat" cmpd="sng" algn="ctr">
-                      <a:noFill/>
-                      <a:prstDash val="solid"/>
-                      <a:round/>
-                      <a:headEnd type="none" w="med" len="med"/>
-                      <a:tailEnd type="none" w="med" len="med"/>
-                    </a:lnBlToTr>
-                    <a:gradFill>
-                      <a:gsLst>
-                        <a:gs pos="0">
-                          <a:srgbClr val="674ea7"/>
-                        </a:gs>
-                        <a:gs pos="100000">
-                          <a:srgbClr val="674ea7"/>
-                        </a:gs>
-                      </a:gsLst>
-                      <a:lin ang="0" scaled="0"/>
-                    </a:gradFill>
-                  </a:tcPr>
-                </a:tc>
-                <a:tc>
-                  <a:txBody>
-                    <a:bodyPr wrap="square" rtlCol="0">
-                      <a:spAutoFit/>
-                    </a:bodyPr>
-                    <a:lstStyle/>
-                    <a:p>
-                      <a:pPr algn="l" fontAlgn="ctr" marL="0" marR="0" indent="0" lvl="0"/>
-                      <a:r>
-                        <a:rPr b="false" i="false" strike="noStrike" sz="900" u="none">
-                          <a:solidFill>
-                            <a:srgbClr val="000000"/>
-                          </a:solidFill>
-                          <a:latin typeface="Roboto Condensed"/>
-                        </a:rPr>
-                        <a:t><![CDATA[0 ]]></a:t>
-                      </a:r>
-                    </a:p>
-                  </a:txBody>
-                  <a:tcPr anchor="ctr">
-                    <a:lnL w="12700" cap="flat" cmpd="sng" algn="ctr">
-                      <a:solidFill>
-                        <a:srgbClr val="000000"/>
-                      </a:solidFill>
-                      <a:prstDash val="solid"/>
-                      <a:round/>
-                      <a:headEnd type="none" w="med" len="med"/>
-                      <a:tailEnd type="none" w="med" len="med"/>
-                    </a:lnL>
-                    <a:lnR w="12700" cap="flat" cmpd="sng" algn="ctr">
-                      <a:solidFill>
-                        <a:srgbClr val="000000"/>
-                      </a:solidFill>
-                      <a:prstDash val="solid"/>
-                      <a:round/>
-                      <a:headEnd type="none" w="med" len="med"/>
-                      <a:tailEnd type="none" w="med" len="med"/>
-                    </a:lnR>
-                    <a:lnT w="12700" cap="flat" cmpd="sng" algn="ctr">
-                      <a:solidFill>
-                        <a:srgbClr val="000000"/>
-                      </a:solidFill>
-                      <a:prstDash val="solid"/>
-                      <a:round/>
-                      <a:headEnd type="none" w="med" len="med"/>
-                      <a:tailEnd type="none" w="med" len="med"/>
-                    </a:lnT>
-                    <a:lnB w="12700" cap="flat" cmpd="sng" algn="ctr">
-                      <a:solidFill>
-                        <a:srgbClr val="000000"/>
-                      </a:solidFill>
-                      <a:prstDash val="solid"/>
-                      <a:round/>
-                      <a:headEnd type="none" w="med" len="med"/>
-                      <a:tailEnd type="none" w="med" len="med"/>
-                    </a:lnB>
-                    <a:lnTlToBr w="12700" cap="flat" cmpd="sng" algn="ctr">
-                      <a:noFill/>
-                      <a:prstDash val="solid"/>
-                      <a:round/>
-                      <a:headEnd type="none" w="med" len="med"/>
-                      <a:tailEnd type="none" w="med" len="med"/>
-                    </a:lnTlToBr>
-                    <a:lnBlToTr w="12700" cap="flat" cmpd="sng" algn="ctr">
-                      <a:noFill/>
-                      <a:prstDash val="solid"/>
-                      <a:round/>
-                      <a:headEnd type="none" w="med" len="med"/>
-                      <a:tailEnd type="none" w="med" len="med"/>
-                    </a:lnBlToTr>
-                    <a:gradFill>
-                      <a:gsLst>
-                        <a:gs pos="0">
-                          <a:srgbClr val="FFFFFF"/>
-                        </a:gs>
-                        <a:gs pos="100000">
-                          <a:srgbClr val="FFFFFF"/>
-                        </a:gs>
-                      </a:gsLst>
-                      <a:lin ang="0" scaled="0"/>
-                    </a:gradFill>
-                  </a:tcPr>
-                </a:tc>
-                <a:tc>
-                  <a:txBody>
-                    <a:bodyPr wrap="square" rtlCol="0">
-                      <a:spAutoFit/>
-                    </a:bodyPr>
-                    <a:lstStyle/>
-                    <a:p>
-                      <a:pPr algn="l" fontAlgn="ctr" marL="0" marR="0" indent="0" lvl="0"/>
-                      <a:r>
-                        <a:rPr b="true" i="false" strike="noStrike" sz="900" u="none">
-                          <a:solidFill>
-                            <a:srgbClr val="FFFFFF"/>
-                          </a:solidFill>
-                          <a:latin typeface="Roboto Condensed"/>
-                        </a:rPr>
-                        <a:t><![CDATA[FIM ]]></a:t>
-                      </a:r>
-                    </a:p>
-                  </a:txBody>
-                  <a:tcPr anchor="ctr">
-                    <a:lnL w="12700" cap="flat" cmpd="sng" algn="ctr">
-                      <a:solidFill>
-                        <a:srgbClr val="000000"/>
-                      </a:solidFill>
-                      <a:prstDash val="solid"/>
-                      <a:round/>
-                      <a:headEnd type="none" w="med" len="med"/>
-                      <a:tailEnd type="none" w="med" len="med"/>
-                    </a:lnL>
-                    <a:lnR w="12700" cap="flat" cmpd="sng" algn="ctr">
-                      <a:solidFill>
-                        <a:srgbClr val="000000"/>
-                      </a:solidFill>
-                      <a:prstDash val="solid"/>
-                      <a:round/>
-                      <a:headEnd type="none" w="med" len="med"/>
-                      <a:tailEnd type="none" w="med" len="med"/>
-                    </a:lnR>
-                    <a:lnT w="12700" cap="flat" cmpd="sng" algn="ctr">
-                      <a:solidFill>
-                        <a:srgbClr val="000000"/>
-                      </a:solidFill>
-                      <a:prstDash val="solid"/>
-                      <a:round/>
-                      <a:headEnd type="none" w="med" len="med"/>
-                      <a:tailEnd type="none" w="med" len="med"/>
-                    </a:lnT>
-                    <a:lnB w="12700" cap="flat" cmpd="sng" algn="ctr">
-                      <a:solidFill>
-                        <a:srgbClr val="000000"/>
-                      </a:solidFill>
-                      <a:prstDash val="solid"/>
-                      <a:round/>
-                      <a:headEnd type="none" w="med" len="med"/>
-                      <a:tailEnd type="none" w="med" len="med"/>
-                    </a:lnB>
-                    <a:lnTlToBr w="12700" cap="flat" cmpd="sng" algn="ctr">
-                      <a:noFill/>
-                      <a:prstDash val="solid"/>
-                      <a:round/>
-                      <a:headEnd type="none" w="med" len="med"/>
-                      <a:tailEnd type="none" w="med" len="med"/>
-                    </a:lnTlToBr>
-                    <a:lnBlToTr w="12700" cap="flat" cmpd="sng" algn="ctr">
-                      <a:noFill/>
-                      <a:prstDash val="solid"/>
-                      <a:round/>
-                      <a:headEnd type="none" w="med" len="med"/>
-                      <a:tailEnd type="none" w="med" len="med"/>
-                    </a:lnBlToTr>
-                    <a:gradFill>
-                      <a:gsLst>
-                        <a:gs pos="0">
-                          <a:srgbClr val="674ea7"/>
-                        </a:gs>
-                        <a:gs pos="100000">
-                          <a:srgbClr val="674ea7"/>
-                        </a:gs>
-                      </a:gsLst>
-                      <a:lin ang="0" scaled="0"/>
-                    </a:gradFill>
-                  </a:tcPr>
-                </a:tc>
-                <a:tc>
-                  <a:txBody>
-                    <a:bodyPr wrap="square" rtlCol="0">
-                      <a:spAutoFit/>
-                    </a:bodyPr>
-                    <a:lstStyle/>
-                    <a:p>
-                      <a:pPr algn="l" fontAlgn="ctr" marL="0" marR="0" indent="0" lvl="0"/>
-                      <a:r>
-                        <a:rPr b="false" i="false" strike="noStrike" sz="900" u="none">
-                          <a:solidFill>
-                            <a:srgbClr val="000000"/>
-                          </a:solidFill>
-                          <a:latin typeface="Roboto Condensed"/>
-                        </a:rPr>
-                        <a:t><![CDATA[11/05/2018 ]]></a:t>
-                      </a:r>
-                    </a:p>
-                  </a:txBody>
-                  <a:tcPr anchor="ctr">
-                    <a:lnL w="12700" cap="flat" cmpd="sng" algn="ctr">
-                      <a:solidFill>
-                        <a:srgbClr val="000000"/>
-                      </a:solidFill>
-                      <a:prstDash val="solid"/>
-                      <a:round/>
-                      <a:headEnd type="none" w="med" len="med"/>
-                      <a:tailEnd type="none" w="med" len="med"/>
-                    </a:lnL>
-                    <a:lnR w="12700" cap="flat" cmpd="sng" algn="ctr">
-                      <a:solidFill>
-                        <a:srgbClr val="000000"/>
-                      </a:solidFill>
-                      <a:prstDash val="solid"/>
-                      <a:round/>
-                      <a:headEnd type="none" w="med" len="med"/>
-                      <a:tailEnd type="none" w="med" len="med"/>
-                    </a:lnR>
-                    <a:lnT w="12700" cap="flat" cmpd="sng" algn="ctr">
-                      <a:solidFill>
-                        <a:srgbClr val="000000"/>
-                      </a:solidFill>
-                      <a:prstDash val="solid"/>
-                      <a:round/>
-                      <a:headEnd type="none" w="med" len="med"/>
-                      <a:tailEnd type="none" w="med" len="med"/>
-                    </a:lnT>
-                    <a:lnB w="12700" cap="flat" cmpd="sng" algn="ctr">
-                      <a:solidFill>
-                        <a:srgbClr val="000000"/>
-                      </a:solidFill>
-                      <a:prstDash val="solid"/>
-                      <a:round/>
-                      <a:headEnd type="none" w="med" len="med"/>
-                      <a:tailEnd type="none" w="med" len="med"/>
-                    </a:lnB>
-                    <a:lnTlToBr w="12700" cap="flat" cmpd="sng" algn="ctr">
-                      <a:noFill/>
-                      <a:prstDash val="solid"/>
-                      <a:round/>
-                      <a:headEnd type="none" w="med" len="med"/>
-                      <a:tailEnd type="none" w="med" len="med"/>
-                    </a:lnTlToBr>
-                    <a:lnBlToTr w="12700" cap="flat" cmpd="sng" algn="ctr">
-                      <a:noFill/>
-                      <a:prstDash val="solid"/>
-                      <a:round/>
-                      <a:headEnd type="none" w="med" len="med"/>
-                      <a:tailEnd type="none" w="med" len="med"/>
-                    </a:lnBlToTr>
-                    <a:gradFill>
-                      <a:gsLst>
-                        <a:gs pos="0">
-                          <a:srgbClr val="FFFFFF"/>
-                        </a:gs>
-                        <a:gs pos="100000">
-                          <a:srgbClr val="FFFFFF"/>
-                        </a:gs>
-                      </a:gsLst>
-                      <a:lin ang="0" scaled="0"/>
-                    </a:gradFill>
-                  </a:tcPr>
-                </a:tc>
-              </a:tr>
-            </a:tbl>
-          </a:graphicData>
-        </a:graphic>
-      </p:graphicFrame>
-      <p:graphicFrame>
-        <p:nvGraphicFramePr>
-          <p:cNvPr id="2" name="" descr=""/>
-          <p:cNvGraphicFramePr>
-            <a:graphicFrameLocks noGrp="1"/>
-          </p:cNvGraphicFramePr>
-          <p:nvPr/>
-        </p:nvGraphicFramePr>
-        <p:xfrm>
-          <a:off x="600075" y="1238250"/>
-          <a:ext cx="3028950" cy="0"/>
-        </p:xfrm>
-        <a:graphic>
-          <a:graphicData uri="http://schemas.openxmlformats.org/drawingml/2006/table">
-            <a:tbl>
-              <a:tblPr firstRow="1" bandRow="1"/>
-              <a:tblGrid>
-                <a:gridCol w="3028950"/>
-              </a:tblGrid>
-              <a:tr h="361950">
-                <a:tc>
-                  <a:txBody>
-                    <a:bodyPr wrap="square" rtlCol="0">
-                      <a:spAutoFit/>
-                    </a:bodyPr>
-                    <a:lstStyle/>
-                    <a:p>
-                      <a:pPr algn="ctr" fontAlgn="ctr" marL="0" marR="0" indent="0" lvl="0"/>
-                      <a:r>
-                        <a:rPr b="true" i="false" strike="noStrike" sz="1100" u="none">
-                          <a:solidFill>
-                            <a:srgbClr val="000000"/>
-                          </a:solidFill>
-                          <a:latin typeface="Roboto Condensed"/>
-                        </a:rPr>
-                        <a:t><![CDATA[Sem nome (25)]]></a:t>
-                      </a:r>
-                    </a:p>
-                  </a:txBody>
-                  <a:tcPr anchor="ctr">
-                    <a:lnL w="12700" cap="flat" cmpd="sng" algn="ctr">
-                      <a:solidFill>
-                        <a:srgbClr val="F3F3F3"/>
-                      </a:solidFill>
-                      <a:prstDash val="solid"/>
-                      <a:round/>
-                      <a:headEnd type="none" w="med" len="med"/>
-                      <a:tailEnd type="none" w="med" len="med"/>
-                    </a:lnL>
-                    <a:lnR w="12700" cap="flat" cmpd="sng" algn="ctr">
-                      <a:solidFill>
-                        <a:srgbClr val="F3F3F3"/>
-                      </a:solidFill>
-                      <a:prstDash val="solid"/>
-                      <a:round/>
-                      <a:headEnd type="none" w="med" len="med"/>
-                      <a:tailEnd type="none" w="med" len="med"/>
-                    </a:lnR>
-                    <a:lnT w="12700" cap="flat" cmpd="sng" algn="ctr">
-                      <a:solidFill>
-                        <a:srgbClr val="F3F3F3"/>
-                      </a:solidFill>
-                      <a:prstDash val="solid"/>
-                      <a:round/>
-                      <a:headEnd type="none" w="med" len="med"/>
-                      <a:tailEnd type="none" w="med" len="med"/>
-                    </a:lnT>
-                    <a:lnB w="12700" cap="flat" cmpd="sng" algn="ctr">
-                      <a:solidFill>
-                        <a:srgbClr val="F3F3F3"/>
-                      </a:solidFill>
-                      <a:prstDash val="solid"/>
-                      <a:round/>
-                      <a:headEnd type="none" w="med" len="med"/>
-                      <a:tailEnd type="none" w="med" len="med"/>
-                    </a:lnB>
-                    <a:lnTlToBr w="12700" cap="flat" cmpd="sng" algn="ctr">
-                      <a:noFill/>
-                      <a:prstDash val="solid"/>
-                      <a:round/>
-                      <a:headEnd type="none" w="med" len="med"/>
-                      <a:tailEnd type="none" w="med" len="med"/>
-                    </a:lnTlToBr>
-                    <a:lnBlToTr w="12700" cap="flat" cmpd="sng" algn="ctr">
-                      <a:noFill/>
-                      <a:prstDash val="solid"/>
-                      <a:round/>
-                      <a:headEnd type="none" w="med" len="med"/>
-                      <a:tailEnd type="none" w="med" len="med"/>
-                    </a:lnBlToTr>
-                    <a:gradFill>
-                      <a:gsLst>
-                        <a:gs pos="0">
-                          <a:srgbClr val="F3F3F3"/>
-                        </a:gs>
-                        <a:gs pos="100000">
-                          <a:srgbClr val="F3F3F3"/>
-                        </a:gs>
-                      </a:gsLst>
-                      <a:lin ang="0" scaled="0"/>
-                    </a:gradFill>
-                  </a:tcPr>
-                </a:tc>
-              </a:tr>
-              <a:tr h="1857375">
-                <a:tc>
-                  <a:txBody>
-                    <a:bodyPr wrap="square" rtlCol="0">
-                      <a:spAutoFit/>
-                    </a:bodyPr>
-                    <a:lstStyle/>
-                    <a:p>
-                      <a:pPr algn="l" fontAlgn="base" marL="0" marR="0" indent="0" lvl="0"/>
-                    </a:p>
-                  </a:txBody>
-                  <a:tcPr>
-                    <a:lnL w="12700" cap="flat" cmpd="sng" algn="ctr">
-                      <a:solidFill>
-                        <a:srgbClr val="F3F3F3"/>
-                      </a:solidFill>
-                      <a:prstDash val="solid"/>
-                      <a:round/>
-                      <a:headEnd type="none" w="med" len="med"/>
-                      <a:tailEnd type="none" w="med" len="med"/>
-                    </a:lnL>
-                    <a:lnR w="12700" cap="flat" cmpd="sng" algn="ctr">
-                      <a:solidFill>
-                        <a:srgbClr val="F3F3F3"/>
-                      </a:solidFill>
-                      <a:prstDash val="solid"/>
-                      <a:round/>
-                      <a:headEnd type="none" w="med" len="med"/>
-                      <a:tailEnd type="none" w="med" len="med"/>
-                    </a:lnR>
-                    <a:lnT w="12700" cap="flat" cmpd="sng" algn="ctr">
-                      <a:solidFill>
-                        <a:srgbClr val="F3F3F3"/>
-                      </a:solidFill>
-                      <a:prstDash val="solid"/>
-                      <a:round/>
-                      <a:headEnd type="none" w="med" len="med"/>
-                      <a:tailEnd type="none" w="med" len="med"/>
-                    </a:lnT>
-                    <a:lnB w="12700" cap="flat" cmpd="sng" algn="ctr">
-                      <a:solidFill>
-                        <a:srgbClr val="F3F3F3"/>
-                      </a:solidFill>
-                      <a:prstDash val="solid"/>
-                      <a:round/>
-                      <a:headEnd type="none" w="med" len="med"/>
-                      <a:tailEnd type="none" w="med" len="med"/>
-                    </a:lnB>
-                    <a:lnTlToBr w="12700" cap="flat" cmpd="sng" algn="ctr">
-                      <a:noFill/>
-                      <a:prstDash val="solid"/>
-                      <a:round/>
-                      <a:headEnd type="none" w="med" len="med"/>
-                      <a:tailEnd type="none" w="med" len="med"/>
-                    </a:lnTlToBr>
-                    <a:lnBlToTr w="12700" cap="flat" cmpd="sng" algn="ctr">
-                      <a:noFill/>
-                      <a:prstDash val="solid"/>
-                      <a:round/>
-                      <a:headEnd type="none" w="med" len="med"/>
-                      <a:tailEnd type="none" w="med" len="med"/>
-                    </a:lnBlToTr>
-                    <a:gradFill>
-                      <a:gsLst>
-                        <a:gs pos="0">
-                          <a:srgbClr val="FFFFFF"/>
-                        </a:gs>
-                        <a:gs pos="100000">
-                          <a:srgbClr val="FFFFFF"/>
-                        </a:gs>
-                      </a:gsLst>
-                      <a:lin ang="0" scaled="0"/>
-                    </a:gradFill>
-                  </a:tcPr>
-                </a:tc>
-              </a:tr>
-            </a:tbl>
-          </a:graphicData>
-        </a:graphic>
-      </p:graphicFrame>
-      <p:pic>
-        <p:nvPicPr>
-          <p:cNvPr id="3" name="" descr=""/>
-          <p:cNvPicPr>
-            <a:picLocks noChangeAspect="1"/>
-          </p:cNvPicPr>
-          <p:nvPr/>
-        </p:nvPicPr>
-        <p:blipFill>
-          <a:blip r:embed="rId2"/>
-          <a:stretch>
-            <a:fillRect/>
-          </a:stretch>
-        </p:blipFill>
-        <p:spPr>
-          <a:xfrm rot="0">
-            <a:off x="647700" y="1714500"/>
-            <a:ext cx="2933700" cy="2200275"/>
-          </a:xfrm>
-          <a:prstGeom prst="rect">
-            <a:avLst/>
-          </a:prstGeom>
-        </p:spPr>
-      </p:pic>
-      <p:graphicFrame>
-        <p:nvGraphicFramePr>
-          <p:cNvPr id="4" name="" descr=""/>
-          <p:cNvGraphicFramePr>
-            <a:graphicFrameLocks noGrp="1"/>
-          </p:cNvGraphicFramePr>
-          <p:nvPr/>
-        </p:nvGraphicFramePr>
-        <p:xfrm>
-          <a:off x="3810000" y="1238250"/>
-          <a:ext cx="3028950" cy="0"/>
-        </p:xfrm>
-        <a:graphic>
-          <a:graphicData uri="http://schemas.openxmlformats.org/drawingml/2006/table">
-            <a:tbl>
-              <a:tblPr firstRow="1" bandRow="1"/>
-              <a:tblGrid>
-                <a:gridCol w="3028950"/>
-              </a:tblGrid>
-              <a:tr h="361950">
-                <a:tc>
-                  <a:txBody>
-                    <a:bodyPr wrap="square" rtlCol="0">
-                      <a:spAutoFit/>
-                    </a:bodyPr>
-                    <a:lstStyle/>
-                    <a:p>
-                      <a:pPr algn="ctr" fontAlgn="ctr" marL="0" marR="0" indent="0" lvl="0"/>
-                      <a:r>
-                        <a:rPr b="true" i="false" strike="noStrike" sz="1100" u="none">
-                          <a:solidFill>
-                            <a:srgbClr val="000000"/>
-                          </a:solidFill>
-                          <a:latin typeface="Roboto Condensed"/>
-                        </a:rPr>
-                        <a:t><![CDATA[Sem nome (26)]]></a:t>
-                      </a:r>
-                    </a:p>
-                  </a:txBody>
-                  <a:tcPr anchor="ctr">
-                    <a:lnL w="12700" cap="flat" cmpd="sng" algn="ctr">
-                      <a:solidFill>
-                        <a:srgbClr val="F3F3F3"/>
-                      </a:solidFill>
-                      <a:prstDash val="solid"/>
-                      <a:round/>
-                      <a:headEnd type="none" w="med" len="med"/>
-                      <a:tailEnd type="none" w="med" len="med"/>
-                    </a:lnL>
-                    <a:lnR w="12700" cap="flat" cmpd="sng" algn="ctr">
-                      <a:solidFill>
-                        <a:srgbClr val="F3F3F3"/>
-                      </a:solidFill>
-                      <a:prstDash val="solid"/>
-                      <a:round/>
-                      <a:headEnd type="none" w="med" len="med"/>
-                      <a:tailEnd type="none" w="med" len="med"/>
-                    </a:lnR>
-                    <a:lnT w="12700" cap="flat" cmpd="sng" algn="ctr">
-                      <a:solidFill>
-                        <a:srgbClr val="F3F3F3"/>
-                      </a:solidFill>
-                      <a:prstDash val="solid"/>
-                      <a:round/>
-                      <a:headEnd type="none" w="med" len="med"/>
-                      <a:tailEnd type="none" w="med" len="med"/>
-                    </a:lnT>
-                    <a:lnB w="12700" cap="flat" cmpd="sng" algn="ctr">
-                      <a:solidFill>
-                        <a:srgbClr val="F3F3F3"/>
-                      </a:solidFill>
-                      <a:prstDash val="solid"/>
-                      <a:round/>
-                      <a:headEnd type="none" w="med" len="med"/>
-                      <a:tailEnd type="none" w="med" len="med"/>
-                    </a:lnB>
-                    <a:lnTlToBr w="12700" cap="flat" cmpd="sng" algn="ctr">
-                      <a:noFill/>
-                      <a:prstDash val="solid"/>
-                      <a:round/>
-                      <a:headEnd type="none" w="med" len="med"/>
-                      <a:tailEnd type="none" w="med" len="med"/>
-                    </a:lnTlToBr>
-                    <a:lnBlToTr w="12700" cap="flat" cmpd="sng" algn="ctr">
-                      <a:noFill/>
-                      <a:prstDash val="solid"/>
-                      <a:round/>
-                      <a:headEnd type="none" w="med" len="med"/>
-                      <a:tailEnd type="none" w="med" len="med"/>
-                    </a:lnBlToTr>
-                    <a:gradFill>
-                      <a:gsLst>
-                        <a:gs pos="0">
-                          <a:srgbClr val="F3F3F3"/>
-                        </a:gs>
-                        <a:gs pos="100000">
-                          <a:srgbClr val="F3F3F3"/>
-                        </a:gs>
-                      </a:gsLst>
-                      <a:lin ang="0" scaled="0"/>
-                    </a:gradFill>
-                  </a:tcPr>
-                </a:tc>
-              </a:tr>
-              <a:tr h="1857375">
-                <a:tc>
-                  <a:txBody>
-                    <a:bodyPr wrap="square" rtlCol="0">
-                      <a:spAutoFit/>
-                    </a:bodyPr>
-                    <a:lstStyle/>
-                    <a:p>
-                      <a:pPr algn="l" fontAlgn="base" marL="0" marR="0" indent="0" lvl="0"/>
-                    </a:p>
-                  </a:txBody>
-                  <a:tcPr>
-                    <a:lnL w="12700" cap="flat" cmpd="sng" algn="ctr">
-                      <a:solidFill>
-                        <a:srgbClr val="F3F3F3"/>
-                      </a:solidFill>
-                      <a:prstDash val="solid"/>
-                      <a:round/>
-                      <a:headEnd type="none" w="med" len="med"/>
-                      <a:tailEnd type="none" w="med" len="med"/>
-                    </a:lnL>
-                    <a:lnR w="12700" cap="flat" cmpd="sng" algn="ctr">
-                      <a:solidFill>
-                        <a:srgbClr val="F3F3F3"/>
-                      </a:solidFill>
-                      <a:prstDash val="solid"/>
-                      <a:round/>
-                      <a:headEnd type="none" w="med" len="med"/>
-                      <a:tailEnd type="none" w="med" len="med"/>
-                    </a:lnR>
-                    <a:lnT w="12700" cap="flat" cmpd="sng" algn="ctr">
-                      <a:solidFill>
-                        <a:srgbClr val="F3F3F3"/>
-                      </a:solidFill>
-                      <a:prstDash val="solid"/>
-                      <a:round/>
-                      <a:headEnd type="none" w="med" len="med"/>
-                      <a:tailEnd type="none" w="med" len="med"/>
-                    </a:lnT>
-                    <a:lnB w="12700" cap="flat" cmpd="sng" algn="ctr">
-                      <a:solidFill>
-                        <a:srgbClr val="F3F3F3"/>
-                      </a:solidFill>
-                      <a:prstDash val="solid"/>
-                      <a:round/>
-                      <a:headEnd type="none" w="med" len="med"/>
-                      <a:tailEnd type="none" w="med" len="med"/>
-                    </a:lnB>
-                    <a:lnTlToBr w="12700" cap="flat" cmpd="sng" algn="ctr">
-                      <a:noFill/>
-                      <a:prstDash val="solid"/>
-                      <a:round/>
-                      <a:headEnd type="none" w="med" len="med"/>
-                      <a:tailEnd type="none" w="med" len="med"/>
-                    </a:lnTlToBr>
-                    <a:lnBlToTr w="12700" cap="flat" cmpd="sng" algn="ctr">
-                      <a:noFill/>
-                      <a:prstDash val="solid"/>
-                      <a:round/>
-                      <a:headEnd type="none" w="med" len="med"/>
-                      <a:tailEnd type="none" w="med" len="med"/>
-                    </a:lnBlToTr>
-                    <a:gradFill>
-                      <a:gsLst>
-                        <a:gs pos="0">
-                          <a:srgbClr val="FFFFFF"/>
-                        </a:gs>
-                        <a:gs pos="100000">
-                          <a:srgbClr val="FFFFFF"/>
-                        </a:gs>
-                      </a:gsLst>
-                      <a:lin ang="0" scaled="0"/>
-                    </a:gradFill>
-                  </a:tcPr>
-                </a:tc>
-              </a:tr>
-            </a:tbl>
-          </a:graphicData>
-        </a:graphic>
-      </p:graphicFrame>
-      <p:pic>
-        <p:nvPicPr>
-          <p:cNvPr id="5" name="" descr=""/>
-          <p:cNvPicPr>
-            <a:picLocks noChangeAspect="1"/>
-          </p:cNvPicPr>
-          <p:nvPr/>
-        </p:nvPicPr>
-        <p:blipFill>
-          <a:blip r:embed="rId3"/>
-          <a:stretch>
-            <a:fillRect/>
-          </a:stretch>
-        </p:blipFill>
-        <p:spPr>
-          <a:xfrm rot="0">
-            <a:off x="3857625" y="1714500"/>
-            <a:ext cx="2933700" cy="2200275"/>
-          </a:xfrm>
-          <a:prstGeom prst="rect">
-            <a:avLst/>
-          </a:prstGeom>
-        </p:spPr>
-      </p:pic>
-      <p:pic>
-        <p:nvPicPr>
-          <p:cNvPr id="6" name="" descr=""/>
-          <p:cNvPicPr>
-            <a:picLocks noChangeAspect="1"/>
-          </p:cNvPicPr>
-          <p:nvPr/>
-        </p:nvPicPr>
-        <p:blipFill>
-          <a:blip r:embed="rId4"/>
-          <a:stretch>
-            <a:fillRect/>
-          </a:stretch>
-        </p:blipFill>
-        <p:spPr>
-          <a:xfrm rot="0">
-            <a:off x="285750" y="9944100"/>
-            <a:ext cx="1495425" cy="190500"/>
-          </a:xfrm>
-          <a:prstGeom prst="rect">
-            <a:avLst/>
-          </a:prstGeom>
-        </p:spPr>
-      </p:pic>
-      <p:sp>
-        <p:nvSpPr>
-          <p:cNvPr id="7" name=""/>
-          <p:cNvSpPr txBox="1"/>
-          <p:nvPr/>
-        </p:nvSpPr>
-        <p:spPr>
-          <a:xfrm rot="0">
-            <a:off x="666750" y="9906000"/>
-            <a:ext cx="6667500" cy="381000"/>
-          </a:xfrm>
-          <a:prstGeom prst="rect"/>
-        </p:spPr>
-        <p:txBody>
-          <a:bodyPr wrap="square" rtlCol="0" horzOverflow="overflow" vertOverflow="overflow" bIns="45720" lIns="91440" rIns="91440" tIns="45720" numCol="1">
-            <a:spAutoFit/>
-          </a:bodyPr>
-          <a:lstStyle/>
-          <a:p>
-            <a:pPr algn="ctr" fontAlgn="base" marL="0" marR="0" indent="0" lvl="0"/>
-            <a:r>
-              <a:rPr b="true" i="false" strike="noStrike" sz="1000" u="none">
-                <a:solidFill>
-                  <a:srgbClr val="000000"/>
-                </a:solidFill>
-                <a:latin typeface="Calibri"/>
-              </a:rPr>
-              <a:t><![CDATA[OPEC: ]]></a:t>
-            </a:r>
-            <a:r>
-              <a:rPr b="false" i="false" strike="noStrike" sz="800" u="none">
-                <a:solidFill>
-                  <a:srgbClr val="000000"/>
-                </a:solidFill>
-                <a:latin typeface="Roboto Condensed"/>
-              </a:rPr>
-              <a:t><![CDATA[Rafael Rodrigo de AraÃºjo de Souza _ CPF: 736.922.981-53 _ RG: 2.378.507 - SSP/DF]]></a:t>
-            </a:r>
-          </a:p>
-        </p:txBody>
-      </p:sp>
-      <p:sp>
-        <p:nvSpPr>
-          <p:cNvPr id="8" name=""/>
-          <p:cNvSpPr txBox="1"/>
-          <p:nvPr/>
-        </p:nvSpPr>
-        <p:spPr>
-          <a:xfrm rot="0">
-            <a:off x="6953250" y="9953625"/>
-            <a:ext cx="571500" cy="285750"/>
-          </a:xfrm>
-          <a:prstGeom prst="rect"/>
-        </p:spPr>
-        <p:txBody>
-          <a:bodyPr wrap="square" rtlCol="0" horzOverflow="overflow" vertOverflow="overflow" bIns="45720" lIns="91440" rIns="91440" tIns="45720" numCol="1">
-            <a:spAutoFit/>
-          </a:bodyPr>
-          <a:lstStyle/>
-          <a:p>
-            <a:pPr algn="ctr" fontAlgn="base" marL="0" marR="0" indent="0" lvl="0"/>
-            <a:r>
-              <a:rPr b="false" i="false" strike="noStrike" sz="900" u="none">
-                <a:solidFill>
-                  <a:srgbClr val="000000"/>
-                </a:solidFill>
-                <a:latin typeface="Roboto Condensed"/>
-              </a:rPr>
-              <a:t><![CDATA[8]]></a:t>
+              <a:t><![CDATA[5 ]]></a:t>
             </a:r>
             <a:br/>
           </a:p>
